--- a/10/10_java_intro.pptx
+++ b/10/10_java_intro.pptx
@@ -5,17 +5,18 @@
     <p:sldMasterId id="2147483648" r:id="rId1"/>
   </p:sldMasterIdLst>
   <p:notesMasterIdLst>
-    <p:notesMasterId r:id="rId10"/>
+    <p:notesMasterId r:id="rId11"/>
   </p:notesMasterIdLst>
   <p:sldIdLst>
     <p:sldId id="256" r:id="rId2"/>
     <p:sldId id="263" r:id="rId3"/>
     <p:sldId id="266" r:id="rId4"/>
-    <p:sldId id="267" r:id="rId5"/>
-    <p:sldId id="268" r:id="rId6"/>
-    <p:sldId id="264" r:id="rId7"/>
-    <p:sldId id="265" r:id="rId8"/>
-    <p:sldId id="261" r:id="rId9"/>
+    <p:sldId id="269" r:id="rId5"/>
+    <p:sldId id="267" r:id="rId6"/>
+    <p:sldId id="268" r:id="rId7"/>
+    <p:sldId id="264" r:id="rId8"/>
+    <p:sldId id="265" r:id="rId9"/>
+    <p:sldId id="261" r:id="rId10"/>
   </p:sldIdLst>
   <p:sldSz cx="9144000" cy="6858000" type="screen4x3"/>
   <p:notesSz cx="6858000" cy="9144000"/>
@@ -215,7 +216,7 @@
           <a:p>
             <a:fld id="{DD20B0D9-6C7C-4413-BAA7-4631A9D1711C}" type="datetimeFigureOut">
               <a:rPr lang="en-US" smtClean="0"/>
-              <a:t>4/23/2019</a:t>
+              <a:t>4/24/2019</a:t>
             </a:fld>
             <a:endParaRPr lang="en-US"/>
           </a:p>
@@ -547,7 +548,7 @@
           <a:p>
             <a:fld id="{88FDFC3E-CCA4-4F51-B120-37C6E58D1F81}" type="slidenum">
               <a:rPr lang="en-US" smtClean="0"/>
-              <a:t>8</a:t>
+              <a:t>9</a:t>
             </a:fld>
             <a:endParaRPr lang="en-US"/>
           </a:p>
@@ -746,7 +747,7 @@
             <a:fld id="{C3CF27EA-1729-4A5D-9AD5-CB5E490EDF76}" type="datetimeFigureOut">
               <a:rPr lang="sk-SK" smtClean="0"/>
               <a:pPr/>
-              <a:t>23. 4. 2019</a:t>
+              <a:t>24. 4. 2019</a:t>
             </a:fld>
             <a:endParaRPr lang="sk-SK"/>
           </a:p>
@@ -911,7 +912,7 @@
             <a:fld id="{C3CF27EA-1729-4A5D-9AD5-CB5E490EDF76}" type="datetimeFigureOut">
               <a:rPr lang="sk-SK" smtClean="0"/>
               <a:pPr/>
-              <a:t>23. 4. 2019</a:t>
+              <a:t>24. 4. 2019</a:t>
             </a:fld>
             <a:endParaRPr lang="sk-SK"/>
           </a:p>
@@ -1086,7 +1087,7 @@
             <a:fld id="{C3CF27EA-1729-4A5D-9AD5-CB5E490EDF76}" type="datetimeFigureOut">
               <a:rPr lang="sk-SK" smtClean="0"/>
               <a:pPr/>
-              <a:t>23. 4. 2019</a:t>
+              <a:t>24. 4. 2019</a:t>
             </a:fld>
             <a:endParaRPr lang="sk-SK"/>
           </a:p>
@@ -1251,7 +1252,7 @@
             <a:fld id="{C3CF27EA-1729-4A5D-9AD5-CB5E490EDF76}" type="datetimeFigureOut">
               <a:rPr lang="sk-SK" smtClean="0"/>
               <a:pPr/>
-              <a:t>23. 4. 2019</a:t>
+              <a:t>24. 4. 2019</a:t>
             </a:fld>
             <a:endParaRPr lang="sk-SK"/>
           </a:p>
@@ -1493,7 +1494,7 @@
             <a:fld id="{C3CF27EA-1729-4A5D-9AD5-CB5E490EDF76}" type="datetimeFigureOut">
               <a:rPr lang="sk-SK" smtClean="0"/>
               <a:pPr/>
-              <a:t>23. 4. 2019</a:t>
+              <a:t>24. 4. 2019</a:t>
             </a:fld>
             <a:endParaRPr lang="sk-SK"/>
           </a:p>
@@ -1775,7 +1776,7 @@
             <a:fld id="{C3CF27EA-1729-4A5D-9AD5-CB5E490EDF76}" type="datetimeFigureOut">
               <a:rPr lang="sk-SK" smtClean="0"/>
               <a:pPr/>
-              <a:t>23. 4. 2019</a:t>
+              <a:t>24. 4. 2019</a:t>
             </a:fld>
             <a:endParaRPr lang="sk-SK"/>
           </a:p>
@@ -2191,7 +2192,7 @@
             <a:fld id="{C3CF27EA-1729-4A5D-9AD5-CB5E490EDF76}" type="datetimeFigureOut">
               <a:rPr lang="sk-SK" smtClean="0"/>
               <a:pPr/>
-              <a:t>23. 4. 2019</a:t>
+              <a:t>24. 4. 2019</a:t>
             </a:fld>
             <a:endParaRPr lang="sk-SK"/>
           </a:p>
@@ -2305,7 +2306,7 @@
             <a:fld id="{C3CF27EA-1729-4A5D-9AD5-CB5E490EDF76}" type="datetimeFigureOut">
               <a:rPr lang="sk-SK" smtClean="0"/>
               <a:pPr/>
-              <a:t>23. 4. 2019</a:t>
+              <a:t>24. 4. 2019</a:t>
             </a:fld>
             <a:endParaRPr lang="sk-SK"/>
           </a:p>
@@ -2397,7 +2398,7 @@
             <a:fld id="{C3CF27EA-1729-4A5D-9AD5-CB5E490EDF76}" type="datetimeFigureOut">
               <a:rPr lang="sk-SK" smtClean="0"/>
               <a:pPr/>
-              <a:t>23. 4. 2019</a:t>
+              <a:t>24. 4. 2019</a:t>
             </a:fld>
             <a:endParaRPr lang="sk-SK"/>
           </a:p>
@@ -2669,7 +2670,7 @@
             <a:fld id="{C3CF27EA-1729-4A5D-9AD5-CB5E490EDF76}" type="datetimeFigureOut">
               <a:rPr lang="sk-SK" smtClean="0"/>
               <a:pPr/>
-              <a:t>23. 4. 2019</a:t>
+              <a:t>24. 4. 2019</a:t>
             </a:fld>
             <a:endParaRPr lang="sk-SK"/>
           </a:p>
@@ -2918,7 +2919,7 @@
             <a:fld id="{C3CF27EA-1729-4A5D-9AD5-CB5E490EDF76}" type="datetimeFigureOut">
               <a:rPr lang="sk-SK" smtClean="0"/>
               <a:pPr/>
-              <a:t>23. 4. 2019</a:t>
+              <a:t>24. 4. 2019</a:t>
             </a:fld>
             <a:endParaRPr lang="sk-SK"/>
           </a:p>
@@ -3126,7 +3127,7 @@
             <a:fld id="{C3CF27EA-1729-4A5D-9AD5-CB5E490EDF76}" type="datetimeFigureOut">
               <a:rPr lang="sk-SK" smtClean="0"/>
               <a:pPr/>
-              <a:t>23. 4. 2019</a:t>
+              <a:t>24. 4. 2019</a:t>
             </a:fld>
             <a:endParaRPr lang="sk-SK"/>
           </a:p>
@@ -3571,14 +3572,14 @@
           <p:nvPr>
             <p:extLst>
               <p:ext uri="{D42A27DB-BD31-4B8C-83A1-F6EECF244321}">
-                <p14:modId xmlns:p14="http://schemas.microsoft.com/office/powerpoint/2010/main" val="3092446732"/>
+                <p14:modId xmlns:p14="http://schemas.microsoft.com/office/powerpoint/2010/main" val="1181161"/>
               </p:ext>
             </p:extLst>
           </p:nvPr>
         </p:nvGraphicFramePr>
         <p:xfrm>
           <a:off x="1043608" y="2564904"/>
-          <a:ext cx="6984775" cy="2303032"/>
+          <a:ext cx="6402314" cy="4192077"/>
         </p:xfrm>
         <a:graphic>
           <a:graphicData uri="http://schemas.openxmlformats.org/drawingml/2006/table">
@@ -3592,7 +3593,7 @@
                     </a:ext>
                   </a:extLst>
                 </a:gridCol>
-                <a:gridCol w="914601">
+                <a:gridCol w="531813">
                   <a:extLst>
                     <a:ext uri="{9D8B030D-6E8A-4147-A177-3AD203B41FA5}">
                       <a16:colId xmlns:a16="http://schemas.microsoft.com/office/drawing/2014/main" val="20001"/>
@@ -3620,7 +3621,7 @@
                     </a:ext>
                   </a:extLst>
                 </a:gridCol>
-                <a:gridCol w="1009298">
+                <a:gridCol w="809625">
                   <a:extLst>
                     <a:ext uri="{9D8B030D-6E8A-4147-A177-3AD203B41FA5}">
                       <a16:colId xmlns:a16="http://schemas.microsoft.com/office/drawing/2014/main" val="20005"/>
@@ -3905,6 +3906,24 @@
                     <a:lstStyle/>
                     <a:p>
                       <a:pPr algn="r" fontAlgn="b"/>
+                      <a:r>
+                        <a:rPr lang="sk-SK" sz="1600" b="1" i="0" u="none" strike="noStrike" dirty="0">
+                          <a:solidFill>
+                            <a:srgbClr val="000000"/>
+                          </a:solidFill>
+                          <a:latin typeface="Calibri"/>
+                        </a:rPr>
+                        <a:t>12.7</a:t>
+                      </a:r>
+                      <a:r>
+                        <a:rPr lang="en-US" sz="1600" b="1" i="0" u="none" strike="noStrike" dirty="0">
+                          <a:solidFill>
+                            <a:srgbClr val="000000"/>
+                          </a:solidFill>
+                          <a:latin typeface="Calibri"/>
+                        </a:rPr>
+                        <a:t>0</a:t>
+                      </a:r>
                       <a:endParaRPr lang="sk-SK" sz="1600" b="1" i="0" u="none" strike="noStrike" dirty="0">
                         <a:solidFill>
                           <a:srgbClr val="000000"/>
@@ -3937,6 +3956,15 @@
                     <a:lstStyle/>
                     <a:p>
                       <a:pPr algn="r" fontAlgn="b"/>
+                      <a:r>
+                        <a:rPr lang="en-US" sz="1600" b="1" i="0" u="none" strike="noStrike" dirty="0">
+                          <a:solidFill>
+                            <a:srgbClr val="000000"/>
+                          </a:solidFill>
+                          <a:latin typeface="Calibri"/>
+                        </a:rPr>
+                        <a:t>4.45</a:t>
+                      </a:r>
                       <a:endParaRPr lang="sk-SK" sz="1600" b="1" i="0" u="none" strike="noStrike" dirty="0">
                         <a:solidFill>
                           <a:srgbClr val="000000"/>
@@ -3969,6 +3997,15 @@
                     <a:lstStyle/>
                     <a:p>
                       <a:pPr algn="r" fontAlgn="b"/>
+                      <a:r>
+                        <a:rPr lang="en-US" sz="1600" b="1" i="0" u="none" strike="noStrike" dirty="0">
+                          <a:solidFill>
+                            <a:srgbClr val="000000"/>
+                          </a:solidFill>
+                          <a:latin typeface="Calibri"/>
+                        </a:rPr>
+                        <a:t>2.25</a:t>
+                      </a:r>
                       <a:endParaRPr lang="sk-SK" sz="1600" b="1" i="0" u="none" strike="noStrike" dirty="0">
                         <a:solidFill>
                           <a:srgbClr val="000000"/>
@@ -4001,6 +4038,15 @@
                     <a:lstStyle/>
                     <a:p>
                       <a:pPr algn="r" fontAlgn="b"/>
+                      <a:r>
+                        <a:rPr lang="en-US" sz="1600" b="1" i="0" u="none" strike="noStrike" dirty="0">
+                          <a:solidFill>
+                            <a:srgbClr val="000000"/>
+                          </a:solidFill>
+                          <a:latin typeface="Calibri"/>
+                        </a:rPr>
+                        <a:t>2.36</a:t>
+                      </a:r>
                       <a:endParaRPr lang="sk-SK" sz="1600" b="1" i="0" u="none" strike="noStrike" dirty="0">
                         <a:solidFill>
                           <a:srgbClr val="000000"/>
@@ -4033,6 +4079,15 @@
                     <a:lstStyle/>
                     <a:p>
                       <a:pPr algn="r" fontAlgn="b"/>
+                      <a:r>
+                        <a:rPr lang="en-US" sz="1600" b="1" i="0" u="none" strike="noStrike" dirty="0">
+                          <a:solidFill>
+                            <a:srgbClr val="000000"/>
+                          </a:solidFill>
+                          <a:latin typeface="Calibri"/>
+                        </a:rPr>
+                        <a:t>3.55</a:t>
+                      </a:r>
                       <a:endParaRPr lang="sk-SK" sz="1600" b="1" i="0" u="none" strike="noStrike" dirty="0">
                         <a:solidFill>
                           <a:srgbClr val="000000"/>
@@ -4065,12 +4120,15 @@
                     <a:lstStyle/>
                     <a:p>
                       <a:pPr algn="r" fontAlgn="b"/>
-                      <a:endParaRPr lang="sk-SK" sz="1600" b="1" i="0" u="none" strike="noStrike" dirty="0">
-                        <a:solidFill>
-                          <a:srgbClr val="000000"/>
-                        </a:solidFill>
-                        <a:latin typeface="Calibri"/>
-                      </a:endParaRPr>
+                      <a:r>
+                        <a:rPr lang="en-US" sz="1600" b="1" i="0" u="none" strike="noStrike" dirty="0">
+                          <a:solidFill>
+                            <a:srgbClr val="000000"/>
+                          </a:solidFill>
+                          <a:latin typeface="Calibri"/>
+                        </a:rPr>
+                        <a:t>3.68</a:t>
+                      </a:r>
                     </a:p>
                   </a:txBody>
                   <a:tcPr marL="9525" marR="9525" marT="9525" marB="0" anchor="b">
@@ -4139,6 +4197,24 @@
                     <a:lstStyle/>
                     <a:p>
                       <a:pPr algn="r" fontAlgn="b"/>
+                      <a:r>
+                        <a:rPr lang="sk-SK" sz="1600" b="1" i="0" u="none" strike="noStrike" dirty="0">
+                          <a:solidFill>
+                            <a:srgbClr val="000000"/>
+                          </a:solidFill>
+                          <a:latin typeface="Calibri"/>
+                        </a:rPr>
+                        <a:t>12.</a:t>
+                      </a:r>
+                      <a:r>
+                        <a:rPr lang="en-US" sz="1600" b="1" i="0" u="none" strike="noStrike" dirty="0">
+                          <a:solidFill>
+                            <a:srgbClr val="000000"/>
+                          </a:solidFill>
+                          <a:latin typeface="Calibri"/>
+                        </a:rPr>
+                        <a:t>95</a:t>
+                      </a:r>
                       <a:endParaRPr lang="sk-SK" sz="1600" b="1" i="0" u="none" strike="noStrike" dirty="0">
                         <a:solidFill>
                           <a:srgbClr val="000000"/>
@@ -4171,12 +4247,15 @@
                     <a:lstStyle/>
                     <a:p>
                       <a:pPr algn="r" fontAlgn="b"/>
-                      <a:endParaRPr lang="sk-SK" sz="1600" b="1" i="0" u="none" strike="noStrike" dirty="0">
-                        <a:solidFill>
-                          <a:srgbClr val="000000"/>
-                        </a:solidFill>
-                        <a:latin typeface="Calibri"/>
-                      </a:endParaRPr>
+                      <a:r>
+                        <a:rPr lang="en-US" sz="1600" b="1" i="0" u="none" strike="noStrike" dirty="0">
+                          <a:solidFill>
+                            <a:srgbClr val="000000"/>
+                          </a:solidFill>
+                          <a:latin typeface="Calibri"/>
+                        </a:rPr>
+                        <a:t>5</a:t>
+                      </a:r>
                     </a:p>
                   </a:txBody>
                   <a:tcPr marL="9525" marR="9525" marT="9525" marB="0" anchor="b">
@@ -4203,6 +4282,15 @@
                     <a:lstStyle/>
                     <a:p>
                       <a:pPr algn="r" fontAlgn="b"/>
+                      <a:r>
+                        <a:rPr lang="en-US" sz="1600" b="1" i="0" u="none" strike="noStrike" dirty="0">
+                          <a:solidFill>
+                            <a:srgbClr val="000000"/>
+                          </a:solidFill>
+                          <a:latin typeface="Calibri"/>
+                        </a:rPr>
+                        <a:t>1.8</a:t>
+                      </a:r>
                       <a:endParaRPr lang="sk-SK" sz="1600" b="1" i="0" u="none" strike="noStrike" dirty="0">
                         <a:solidFill>
                           <a:srgbClr val="000000"/>
@@ -4235,7 +4323,16 @@
                     <a:lstStyle/>
                     <a:p>
                       <a:pPr algn="r" fontAlgn="b"/>
-                      <a:endParaRPr lang="sk-SK" sz="1600" b="1" i="0" u="none" strike="noStrike">
+                      <a:r>
+                        <a:rPr lang="en-US" sz="1600" b="1" i="0" u="none" strike="noStrike" dirty="0">
+                          <a:solidFill>
+                            <a:srgbClr val="000000"/>
+                          </a:solidFill>
+                          <a:latin typeface="Calibri"/>
+                        </a:rPr>
+                        <a:t>2.5</a:t>
+                      </a:r>
+                      <a:endParaRPr lang="sk-SK" sz="1600" b="1" i="0" u="none" strike="noStrike" dirty="0">
                         <a:solidFill>
                           <a:srgbClr val="000000"/>
                         </a:solidFill>
@@ -4267,7 +4364,16 @@
                     <a:lstStyle/>
                     <a:p>
                       <a:pPr algn="r" fontAlgn="b"/>
-                      <a:endParaRPr lang="sk-SK" sz="1600" b="1" i="0" u="none" strike="noStrike">
+                      <a:r>
+                        <a:rPr lang="en-US" sz="1600" b="1" i="0" u="none" strike="noStrike" dirty="0">
+                          <a:solidFill>
+                            <a:srgbClr val="000000"/>
+                          </a:solidFill>
+                          <a:latin typeface="Calibri"/>
+                        </a:rPr>
+                        <a:t>4</a:t>
+                      </a:r>
+                      <a:endParaRPr lang="sk-SK" sz="1600" b="1" i="0" u="none" strike="noStrike" dirty="0">
                         <a:solidFill>
                           <a:srgbClr val="000000"/>
                         </a:solidFill>
@@ -4299,6 +4405,15 @@
                     <a:lstStyle/>
                     <a:p>
                       <a:pPr algn="r" fontAlgn="b"/>
+                      <a:r>
+                        <a:rPr lang="en-US" sz="1600" b="1" i="0" u="none" strike="noStrike" dirty="0">
+                          <a:solidFill>
+                            <a:srgbClr val="000000"/>
+                          </a:solidFill>
+                          <a:latin typeface="Calibri"/>
+                        </a:rPr>
+                        <a:t>4</a:t>
+                      </a:r>
                       <a:endParaRPr lang="sk-SK" sz="1600" b="1" i="0" u="none" strike="noStrike" dirty="0">
                         <a:solidFill>
                           <a:srgbClr val="000000"/>
@@ -4376,12 +4491,15 @@
                     <a:lstStyle/>
                     <a:p>
                       <a:pPr algn="r" fontAlgn="b"/>
-                      <a:endParaRPr lang="sk-SK" sz="1600" b="1" i="0" u="none" strike="noStrike" dirty="0">
-                        <a:solidFill>
-                          <a:srgbClr val="000000"/>
-                        </a:solidFill>
-                        <a:latin typeface="Calibri"/>
-                      </a:endParaRPr>
+                      <a:r>
+                        <a:rPr lang="sk-SK" sz="1600" b="1" i="0" u="none" strike="noStrike" dirty="0">
+                          <a:solidFill>
+                            <a:srgbClr val="000000"/>
+                          </a:solidFill>
+                          <a:latin typeface="Calibri"/>
+                        </a:rPr>
+                        <a:t>20.8</a:t>
+                      </a:r>
                     </a:p>
                   </a:txBody>
                   <a:tcPr marL="9525" marR="9525" marT="9525" marB="0" anchor="b">
@@ -4411,6 +4529,15 @@
                     <a:lstStyle/>
                     <a:p>
                       <a:pPr algn="r" fontAlgn="b"/>
+                      <a:r>
+                        <a:rPr lang="en-US" sz="1600" b="1" i="0" u="none" strike="noStrike" dirty="0">
+                          <a:solidFill>
+                            <a:srgbClr val="000000"/>
+                          </a:solidFill>
+                          <a:latin typeface="Calibri"/>
+                        </a:rPr>
+                        <a:t>6</a:t>
+                      </a:r>
                       <a:endParaRPr lang="sk-SK" sz="1600" b="1" i="0" u="none" strike="noStrike" dirty="0">
                         <a:solidFill>
                           <a:srgbClr val="000000"/>
@@ -4446,6 +4573,15 @@
                     <a:lstStyle/>
                     <a:p>
                       <a:pPr algn="r" fontAlgn="b"/>
+                      <a:r>
+                        <a:rPr lang="en-US" sz="1600" b="1" i="0" u="none" strike="noStrike" dirty="0">
+                          <a:solidFill>
+                            <a:srgbClr val="000000"/>
+                          </a:solidFill>
+                          <a:latin typeface="Calibri"/>
+                        </a:rPr>
+                        <a:t>5</a:t>
+                      </a:r>
                       <a:endParaRPr lang="sk-SK" sz="1600" b="1" i="0" u="none" strike="noStrike" dirty="0">
                         <a:solidFill>
                           <a:srgbClr val="000000"/>
@@ -4481,6 +4617,15 @@
                     <a:lstStyle/>
                     <a:p>
                       <a:pPr algn="r" fontAlgn="b"/>
+                      <a:r>
+                        <a:rPr lang="en-US" sz="1600" b="1" i="0" u="none" strike="noStrike" dirty="0">
+                          <a:solidFill>
+                            <a:srgbClr val="000000"/>
+                          </a:solidFill>
+                          <a:latin typeface="Calibri"/>
+                        </a:rPr>
+                        <a:t>4.5</a:t>
+                      </a:r>
                       <a:endParaRPr lang="sk-SK" sz="1600" b="1" i="0" u="none" strike="noStrike" dirty="0">
                         <a:solidFill>
                           <a:srgbClr val="000000"/>
@@ -4516,7 +4661,16 @@
                     <a:lstStyle/>
                     <a:p>
                       <a:pPr algn="r" fontAlgn="b"/>
-                      <a:endParaRPr lang="sk-SK" sz="1600" b="1" i="0" u="none" strike="noStrike">
+                      <a:r>
+                        <a:rPr lang="en-US" sz="1600" b="1" i="0" u="none" strike="noStrike" dirty="0">
+                          <a:solidFill>
+                            <a:srgbClr val="000000"/>
+                          </a:solidFill>
+                          <a:latin typeface="Calibri"/>
+                        </a:rPr>
+                        <a:t>5</a:t>
+                      </a:r>
+                      <a:endParaRPr lang="sk-SK" sz="1600" b="1" i="0" u="none" strike="noStrike" dirty="0">
                         <a:solidFill>
                           <a:srgbClr val="000000"/>
                         </a:solidFill>
@@ -4551,6 +4705,15 @@
                     <a:lstStyle/>
                     <a:p>
                       <a:pPr algn="r" fontAlgn="b"/>
+                      <a:r>
+                        <a:rPr lang="en-US" sz="1600" b="1" i="0" u="none" strike="noStrike" dirty="0">
+                          <a:solidFill>
+                            <a:srgbClr val="000000"/>
+                          </a:solidFill>
+                          <a:latin typeface="Calibri"/>
+                        </a:rPr>
+                        <a:t>6</a:t>
+                      </a:r>
                       <a:endParaRPr lang="sk-SK" sz="1600" b="1" i="0" u="none" strike="noStrike" dirty="0">
                         <a:solidFill>
                           <a:srgbClr val="000000"/>
@@ -4663,12 +4826,90 @@
                     <a:lstStyle/>
                     <a:p>
                       <a:pPr algn="r" fontAlgn="b"/>
-                      <a:endParaRPr lang="sk-SK" sz="1400" b="0" i="0" u="none" strike="noStrike" dirty="0">
+                      <a:r>
+                        <a:rPr lang="en-US" sz="1400" b="0" i="0" u="none" strike="noStrike" dirty="0" err="1">
+                          <a:solidFill>
+                            <a:srgbClr val="000000"/>
+                          </a:solidFill>
+                          <a:latin typeface="Calibri"/>
+                        </a:rPr>
+                        <a:t>IvetaB</a:t>
+                      </a:r>
+                      <a:endParaRPr lang="en-US" sz="1400" b="0" i="0" u="none" strike="noStrike" dirty="0">
                         <a:solidFill>
                           <a:srgbClr val="000000"/>
                         </a:solidFill>
                         <a:latin typeface="Calibri"/>
                       </a:endParaRPr>
+                    </a:p>
+                    <a:p>
+                      <a:pPr algn="r" fontAlgn="b"/>
+                      <a:r>
+                        <a:rPr lang="en-US" sz="1400" b="0" i="0" u="none" strike="noStrike" dirty="0">
+                          <a:solidFill>
+                            <a:srgbClr val="000000"/>
+                          </a:solidFill>
+                          <a:latin typeface="Calibri"/>
+                        </a:rPr>
+                        <a:t>Denis</a:t>
+                      </a:r>
+                      <a:r>
+                        <a:rPr lang="sk-SK" sz="1400" b="0" i="0" u="none" strike="noStrike" dirty="0">
+                          <a:solidFill>
+                            <a:srgbClr val="000000"/>
+                          </a:solidFill>
+                          <a:latin typeface="Calibri"/>
+                        </a:rPr>
+                        <a:t>Č</a:t>
+                      </a:r>
+                    </a:p>
+                    <a:p>
+                      <a:pPr algn="r" fontAlgn="b"/>
+                      <a:r>
+                        <a:rPr lang="sk-SK" sz="1400" b="0" i="0" u="none" strike="noStrike" dirty="0">
+                          <a:solidFill>
+                            <a:srgbClr val="000000"/>
+                          </a:solidFill>
+                          <a:latin typeface="Calibri"/>
+                        </a:rPr>
+                        <a:t>TomášK</a:t>
+                      </a:r>
+                    </a:p>
+                    <a:p>
+                      <a:pPr algn="r" fontAlgn="b"/>
+                      <a:r>
+                        <a:rPr lang="sk-SK" sz="1400" b="0" i="0" u="none" strike="noStrike" dirty="0">
+                          <a:solidFill>
+                            <a:srgbClr val="000000"/>
+                          </a:solidFill>
+                          <a:latin typeface="Calibri"/>
+                        </a:rPr>
+                        <a:t>JanaO</a:t>
+                      </a:r>
+                    </a:p>
+                    <a:p>
+                      <a:pPr algn="r" fontAlgn="b"/>
+                      <a:r>
+                        <a:rPr lang="sk-SK" sz="1400" b="0" i="0" u="none" strike="noStrike" dirty="0">
+                          <a:solidFill>
+                            <a:srgbClr val="000000"/>
+                          </a:solidFill>
+                          <a:latin typeface="Calibri"/>
+                        </a:rPr>
+                        <a:t>PeterT</a:t>
+                      </a:r>
+                    </a:p>
+                    <a:p>
+                      <a:pPr algn="r" fontAlgn="b"/>
+                      <a:r>
+                        <a:rPr lang="sk-SK" sz="1400" b="0" i="0" u="none" strike="noStrike" dirty="0">
+                          <a:solidFill>
+                            <a:srgbClr val="000000"/>
+                          </a:solidFill>
+                          <a:latin typeface="Calibri"/>
+                        </a:rPr>
+                        <a:t>BálintZ</a:t>
+                      </a:r>
                     </a:p>
                   </a:txBody>
                   <a:tcPr marL="9525" marR="9525" marT="9525" marB="0" anchor="b">
@@ -4698,6 +4939,15 @@
                     <a:lstStyle/>
                     <a:p>
                       <a:pPr algn="r" fontAlgn="b"/>
+                      <a:r>
+                        <a:rPr lang="en-US" sz="1400" b="0" i="0" u="none" strike="noStrike">
+                          <a:solidFill>
+                            <a:srgbClr val="000000"/>
+                          </a:solidFill>
+                          <a:latin typeface="Calibri"/>
+                        </a:rPr>
+                        <a:t>MichalH</a:t>
+                      </a:r>
                       <a:endParaRPr lang="sk-SK" sz="1400" b="0" i="0" u="none" strike="noStrike" dirty="0">
                         <a:solidFill>
                           <a:srgbClr val="000000"/>
@@ -4733,12 +4983,51 @@
                     <a:lstStyle/>
                     <a:p>
                       <a:pPr algn="r" fontAlgn="b"/>
-                      <a:endParaRPr lang="sk-SK" sz="1400" b="0" i="0" u="none" strike="noStrike" dirty="0">
-                        <a:solidFill>
-                          <a:srgbClr val="000000"/>
-                        </a:solidFill>
-                        <a:latin typeface="Calibri"/>
-                      </a:endParaRPr>
+                      <a:r>
+                        <a:rPr lang="sk-SK" sz="1400" b="0" i="0" u="none" strike="noStrike" dirty="0">
+                          <a:solidFill>
+                            <a:srgbClr val="000000"/>
+                          </a:solidFill>
+                          <a:latin typeface="Calibri"/>
+                        </a:rPr>
+                        <a:t>ŠimonB</a:t>
+                      </a:r>
+                    </a:p>
+                    <a:p>
+                      <a:pPr algn="r" fontAlgn="b"/>
+                      <a:r>
+                        <a:rPr lang="sk-SK" sz="1400" b="0" i="0" u="none" strike="noStrike" dirty="0">
+                          <a:solidFill>
+                            <a:srgbClr val="000000"/>
+                          </a:solidFill>
+                          <a:latin typeface="Calibri"/>
+                        </a:rPr>
+                        <a:t>LindaJ</a:t>
+                      </a:r>
+                    </a:p>
+                    <a:p>
+                      <a:pPr algn="r" fontAlgn="b"/>
+                      <a:r>
+                        <a:rPr lang="sk-SK" sz="1400" b="0" i="0" u="none" strike="noStrike" dirty="0">
+                          <a:solidFill>
+                            <a:srgbClr val="000000"/>
+                          </a:solidFill>
+                          <a:latin typeface="Calibri"/>
+                        </a:rPr>
+                        <a:t>AdamV</a:t>
+                      </a:r>
+                    </a:p>
+                    <a:p>
+                      <a:pPr algn="r" fontAlgn="b"/>
+                      <a:r>
+                        <a:rPr lang="sk-SK" sz="1400" b="0" i="0" u="none" strike="noStrike" dirty="0">
+                          <a:solidFill>
+                            <a:srgbClr val="000000"/>
+                          </a:solidFill>
+                          <a:latin typeface="Calibri"/>
+                        </a:rPr>
+                        <a:t>JurajV</a:t>
+                      </a:r>
                     </a:p>
                   </a:txBody>
                   <a:tcPr marL="9525" marR="9525" marT="9525" marB="0" anchor="b">
@@ -4768,6 +5057,195 @@
                     <a:lstStyle/>
                     <a:p>
                       <a:pPr algn="r" fontAlgn="b"/>
+                      <a:r>
+                        <a:rPr lang="en-US" sz="1400" b="0" i="0" u="none" strike="noStrike" dirty="0" err="1">
+                          <a:solidFill>
+                            <a:srgbClr val="000000"/>
+                          </a:solidFill>
+                          <a:latin typeface="Calibri"/>
+                        </a:rPr>
+                        <a:t>MiroB</a:t>
+                      </a:r>
+                      <a:endParaRPr lang="en-US" sz="1400" b="0" i="0" u="none" strike="noStrike" dirty="0">
+                        <a:solidFill>
+                          <a:srgbClr val="000000"/>
+                        </a:solidFill>
+                        <a:latin typeface="Calibri"/>
+                      </a:endParaRPr>
+                    </a:p>
+                    <a:p>
+                      <a:pPr algn="r" fontAlgn="b"/>
+                      <a:r>
+                        <a:rPr lang="en-US" sz="1400" b="0" i="0" u="none" strike="noStrike" dirty="0" err="1">
+                          <a:solidFill>
+                            <a:srgbClr val="000000"/>
+                          </a:solidFill>
+                          <a:latin typeface="Calibri"/>
+                        </a:rPr>
+                        <a:t>TatianaG</a:t>
+                      </a:r>
+                      <a:endParaRPr lang="en-US" sz="1400" b="0" i="0" u="none" strike="noStrike" dirty="0">
+                        <a:solidFill>
+                          <a:srgbClr val="000000"/>
+                        </a:solidFill>
+                        <a:latin typeface="Calibri"/>
+                      </a:endParaRPr>
+                    </a:p>
+                    <a:p>
+                      <a:pPr algn="r" fontAlgn="b"/>
+                      <a:r>
+                        <a:rPr lang="en-US" sz="1400" b="0" i="0" u="none" strike="noStrike" dirty="0" err="1">
+                          <a:solidFill>
+                            <a:srgbClr val="000000"/>
+                          </a:solidFill>
+                          <a:latin typeface="Calibri"/>
+                        </a:rPr>
+                        <a:t>AndreaH</a:t>
+                      </a:r>
+                      <a:endParaRPr lang="en-US" sz="1400" b="0" i="0" u="none" strike="noStrike" dirty="0">
+                        <a:solidFill>
+                          <a:srgbClr val="000000"/>
+                        </a:solidFill>
+                        <a:latin typeface="Calibri"/>
+                      </a:endParaRPr>
+                    </a:p>
+                    <a:p>
+                      <a:pPr algn="r" fontAlgn="b"/>
+                      <a:r>
+                        <a:rPr lang="en-US" sz="1400" b="0" i="0" u="none" strike="noStrike" dirty="0" err="1">
+                          <a:solidFill>
+                            <a:srgbClr val="000000"/>
+                          </a:solidFill>
+                          <a:latin typeface="Calibri"/>
+                        </a:rPr>
+                        <a:t>NoroJ</a:t>
+                      </a:r>
+                      <a:endParaRPr lang="en-US" sz="1400" b="0" i="0" u="none" strike="noStrike" dirty="0">
+                        <a:solidFill>
+                          <a:srgbClr val="000000"/>
+                        </a:solidFill>
+                        <a:latin typeface="Calibri"/>
+                      </a:endParaRPr>
+                    </a:p>
+                    <a:p>
+                      <a:pPr algn="r" fontAlgn="b"/>
+                      <a:r>
+                        <a:rPr lang="en-US" sz="1400" b="0" i="0" u="none" strike="noStrike" dirty="0" err="1">
+                          <a:solidFill>
+                            <a:srgbClr val="000000"/>
+                          </a:solidFill>
+                          <a:latin typeface="Calibri"/>
+                        </a:rPr>
+                        <a:t>LindaJ</a:t>
+                      </a:r>
+                      <a:endParaRPr lang="en-US" sz="1400" b="0" i="0" u="none" strike="noStrike" dirty="0">
+                        <a:solidFill>
+                          <a:srgbClr val="000000"/>
+                        </a:solidFill>
+                        <a:latin typeface="Calibri"/>
+                      </a:endParaRPr>
+                    </a:p>
+                    <a:p>
+                      <a:pPr algn="r" fontAlgn="b"/>
+                      <a:r>
+                        <a:rPr lang="en-US" sz="1400" b="0" i="0" u="none" strike="noStrike" dirty="0" err="1">
+                          <a:solidFill>
+                            <a:srgbClr val="000000"/>
+                          </a:solidFill>
+                          <a:latin typeface="Calibri"/>
+                        </a:rPr>
+                        <a:t>AndrejK</a:t>
+                      </a:r>
+                      <a:endParaRPr lang="en-US" sz="1400" b="0" i="0" u="none" strike="noStrike" dirty="0">
+                        <a:solidFill>
+                          <a:srgbClr val="000000"/>
+                        </a:solidFill>
+                        <a:latin typeface="Calibri"/>
+                      </a:endParaRPr>
+                    </a:p>
+                    <a:p>
+                      <a:pPr algn="r" fontAlgn="b"/>
+                      <a:r>
+                        <a:rPr lang="en-US" sz="1400" b="0" i="0" u="none" strike="noStrike" dirty="0" err="1">
+                          <a:solidFill>
+                            <a:srgbClr val="000000"/>
+                          </a:solidFill>
+                          <a:latin typeface="Calibri"/>
+                        </a:rPr>
+                        <a:t>RichardM</a:t>
+                      </a:r>
+                      <a:endParaRPr lang="en-US" sz="1400" b="0" i="0" u="none" strike="noStrike" dirty="0">
+                        <a:solidFill>
+                          <a:srgbClr val="000000"/>
+                        </a:solidFill>
+                        <a:latin typeface="Calibri"/>
+                      </a:endParaRPr>
+                    </a:p>
+                    <a:p>
+                      <a:pPr algn="r" fontAlgn="b"/>
+                      <a:r>
+                        <a:rPr lang="en-US" sz="1400" b="0" i="0" u="none" strike="noStrike" dirty="0" err="1">
+                          <a:solidFill>
+                            <a:srgbClr val="000000"/>
+                          </a:solidFill>
+                          <a:latin typeface="Calibri"/>
+                        </a:rPr>
+                        <a:t>JozefM</a:t>
+                      </a:r>
+                      <a:endParaRPr lang="en-US" sz="1400" b="0" i="0" u="none" strike="noStrike" dirty="0">
+                        <a:solidFill>
+                          <a:srgbClr val="000000"/>
+                        </a:solidFill>
+                        <a:latin typeface="Calibri"/>
+                      </a:endParaRPr>
+                    </a:p>
+                    <a:p>
+                      <a:pPr algn="r" fontAlgn="b"/>
+                      <a:r>
+                        <a:rPr lang="en-US" sz="1400" b="0" i="0" u="none" strike="noStrike" dirty="0" err="1">
+                          <a:solidFill>
+                            <a:srgbClr val="000000"/>
+                          </a:solidFill>
+                          <a:latin typeface="Calibri"/>
+                        </a:rPr>
+                        <a:t>JanaO</a:t>
+                      </a:r>
+                      <a:endParaRPr lang="en-US" sz="1400" b="0" i="0" u="none" strike="noStrike" dirty="0">
+                        <a:solidFill>
+                          <a:srgbClr val="000000"/>
+                        </a:solidFill>
+                        <a:latin typeface="Calibri"/>
+                      </a:endParaRPr>
+                    </a:p>
+                    <a:p>
+                      <a:pPr algn="r" fontAlgn="b"/>
+                      <a:r>
+                        <a:rPr lang="en-US" sz="1400" b="0" i="0" u="none" strike="noStrike" dirty="0" err="1">
+                          <a:solidFill>
+                            <a:srgbClr val="000000"/>
+                          </a:solidFill>
+                          <a:latin typeface="Calibri"/>
+                        </a:rPr>
+                        <a:t>MartinS</a:t>
+                      </a:r>
+                      <a:endParaRPr lang="en-US" sz="1400" b="0" i="0" u="none" strike="noStrike" dirty="0">
+                        <a:solidFill>
+                          <a:srgbClr val="000000"/>
+                        </a:solidFill>
+                        <a:latin typeface="Calibri"/>
+                      </a:endParaRPr>
+                    </a:p>
+                    <a:p>
+                      <a:pPr algn="r" fontAlgn="b"/>
+                      <a:r>
+                        <a:rPr lang="en-US" sz="1400" b="0" i="0" u="none" strike="noStrike" dirty="0" err="1">
+                          <a:solidFill>
+                            <a:srgbClr val="000000"/>
+                          </a:solidFill>
+                          <a:latin typeface="Calibri"/>
+                        </a:rPr>
+                        <a:t>JurajV</a:t>
+                      </a:r>
                       <a:endParaRPr lang="sk-SK" sz="1400" b="0" i="0" u="none" strike="noStrike" dirty="0">
                         <a:solidFill>
                           <a:srgbClr val="000000"/>
@@ -4803,12 +5281,87 @@
                     <a:lstStyle/>
                     <a:p>
                       <a:pPr algn="r" fontAlgn="b"/>
-                      <a:endParaRPr lang="sk-SK" sz="1400" b="0" i="0" u="none" strike="noStrike" dirty="0">
-                        <a:solidFill>
-                          <a:srgbClr val="000000"/>
-                        </a:solidFill>
-                        <a:latin typeface="Calibri"/>
-                      </a:endParaRPr>
+                      <a:r>
+                        <a:rPr lang="sk-SK" sz="1400" b="0" i="0" u="none" strike="noStrike" dirty="0">
+                          <a:solidFill>
+                            <a:srgbClr val="000000"/>
+                          </a:solidFill>
+                          <a:latin typeface="Calibri"/>
+                        </a:rPr>
+                        <a:t>MatúšG</a:t>
+                      </a:r>
+                    </a:p>
+                    <a:p>
+                      <a:pPr algn="r" fontAlgn="b"/>
+                      <a:r>
+                        <a:rPr lang="sk-SK" sz="1400" b="0" i="0" u="none" strike="noStrike" dirty="0">
+                          <a:solidFill>
+                            <a:srgbClr val="000000"/>
+                          </a:solidFill>
+                          <a:latin typeface="Calibri"/>
+                        </a:rPr>
+                        <a:t>MichalH</a:t>
+                      </a:r>
+                    </a:p>
+                    <a:p>
+                      <a:pPr algn="r" fontAlgn="b"/>
+                      <a:r>
+                        <a:rPr lang="sk-SK" sz="1400" b="0" i="0" u="none" strike="noStrike" dirty="0">
+                          <a:solidFill>
+                            <a:srgbClr val="000000"/>
+                          </a:solidFill>
+                          <a:latin typeface="Calibri"/>
+                        </a:rPr>
+                        <a:t>LindaJ</a:t>
+                      </a:r>
+                    </a:p>
+                    <a:p>
+                      <a:pPr algn="r" fontAlgn="b"/>
+                      <a:r>
+                        <a:rPr lang="sk-SK" sz="1400" b="0" i="0" u="none" strike="noStrike" dirty="0">
+                          <a:solidFill>
+                            <a:srgbClr val="000000"/>
+                          </a:solidFill>
+                          <a:latin typeface="Calibri"/>
+                        </a:rPr>
+                        <a:t>DášaK</a:t>
+                      </a:r>
+                    </a:p>
+                    <a:p>
+                      <a:pPr algn="r" fontAlgn="b"/>
+                      <a:r>
+                        <a:rPr lang="sk-SK" sz="1400" b="0" i="0" u="none" strike="noStrike" dirty="0">
+                          <a:solidFill>
+                            <a:srgbClr val="000000"/>
+                          </a:solidFill>
+                          <a:latin typeface="Calibri"/>
+                        </a:rPr>
+                        <a:t>MatejM</a:t>
+                      </a:r>
+                    </a:p>
+                    <a:p>
+                      <a:pPr algn="r" fontAlgn="b"/>
+                      <a:r>
+                        <a:rPr lang="sk-SK" sz="1400" b="0" i="0" u="none" strike="noStrike" dirty="0">
+                          <a:solidFill>
+                            <a:srgbClr val="000000"/>
+                          </a:solidFill>
+                          <a:latin typeface="Calibri"/>
+                        </a:rPr>
+                        <a:t>KonrádM</a:t>
+                      </a:r>
+                    </a:p>
+                    <a:p>
+                      <a:pPr algn="r" fontAlgn="b"/>
+                      <a:r>
+                        <a:rPr lang="sk-SK" sz="1400" b="0" i="0" u="none" strike="noStrike" dirty="0">
+                          <a:solidFill>
+                            <a:srgbClr val="000000"/>
+                          </a:solidFill>
+                          <a:latin typeface="Calibri"/>
+                        </a:rPr>
+                        <a:t>JanaO</a:t>
+                      </a:r>
                     </a:p>
                   </a:txBody>
                   <a:tcPr marL="9525" marR="9525" marT="9525" marB="0" anchor="b">
@@ -5540,7 +6093,7 @@
         <p:spPr/>
         <p:txBody>
           <a:bodyPr>
-            <a:normAutofit/>
+            <a:normAutofit lnSpcReduction="10000"/>
           </a:bodyPr>
           <a:lstStyle/>
           <a:p>
@@ -5549,373 +6102,373 @@
               <a:buAutoNum type="alphaLcPeriod"/>
             </a:pPr>
             <a:r>
-              <a:rPr lang="en-US" sz="1600" dirty="0" err="1"/>
+              <a:rPr lang="en-US" sz="1800" dirty="0" err="1"/>
               <a:t>isPrime</a:t>
             </a:r>
             <a:r>
-              <a:rPr lang="en-US" sz="1600" dirty="0"/>
+              <a:rPr lang="en-US" sz="1800" dirty="0"/>
               <a:t>(n)</a:t>
             </a:r>
           </a:p>
           <a:p>
             <a:pPr lvl="1"/>
             <a:r>
-              <a:rPr lang="en-US" sz="1600" dirty="0"/>
+              <a:rPr lang="en-US" sz="1800" dirty="0"/>
               <a:t>v </a:t>
             </a:r>
             <a:r>
-              <a:rPr lang="en-US" sz="1600" dirty="0" err="1"/>
+              <a:rPr lang="en-US" sz="1800" dirty="0" err="1"/>
               <a:t>zadaní</a:t>
             </a:r>
             <a:r>
-              <a:rPr lang="en-US" sz="1600" dirty="0"/>
+              <a:rPr lang="en-US" sz="1800" dirty="0"/>
               <a:t> je </a:t>
             </a:r>
             <a:r>
-              <a:rPr lang="en-US" sz="1600" dirty="0" err="1"/>
+              <a:rPr lang="en-US" sz="1800" dirty="0" err="1"/>
               <a:t>napísané</a:t>
             </a:r>
             <a:r>
-              <a:rPr lang="en-US" sz="1600" dirty="0"/>
+              <a:rPr lang="en-US" sz="1800" dirty="0"/>
               <a:t> : "</a:t>
             </a:r>
             <a:r>
-              <a:rPr lang="en-US" sz="1600" dirty="0" err="1"/>
+              <a:rPr lang="en-US" sz="1800" dirty="0" err="1"/>
               <a:t>Predpokladajte</a:t>
             </a:r>
             <a:r>
-              <a:rPr lang="en-US" sz="1600" dirty="0"/>
+              <a:rPr lang="en-US" sz="1800" dirty="0"/>
               <a:t>, </a:t>
             </a:r>
             <a:r>
-              <a:rPr lang="en-US" sz="1600" dirty="0" err="1"/>
+              <a:rPr lang="en-US" sz="1800" dirty="0" err="1"/>
               <a:t>že</a:t>
             </a:r>
             <a:r>
-              <a:rPr lang="en-US" sz="1600" dirty="0"/>
+              <a:rPr lang="en-US" sz="1800" dirty="0"/>
               <a:t> n &gt; 0, a 1 </a:t>
             </a:r>
             <a:r>
-              <a:rPr lang="en-US" sz="1600" dirty="0" err="1"/>
+              <a:rPr lang="en-US" sz="1800" dirty="0" err="1"/>
               <a:t>nie</a:t>
             </a:r>
             <a:r>
-              <a:rPr lang="en-US" sz="1600" dirty="0"/>
+              <a:rPr lang="en-US" sz="1800" dirty="0"/>
               <a:t> je </a:t>
             </a:r>
             <a:r>
-              <a:rPr lang="en-US" sz="1600" dirty="0" err="1"/>
+              <a:rPr lang="en-US" sz="1800" dirty="0" err="1"/>
               <a:t>prvočíslo</a:t>
             </a:r>
             <a:r>
-              <a:rPr lang="en-US" sz="1600" dirty="0"/>
+              <a:rPr lang="en-US" sz="1800" dirty="0"/>
               <a:t>!" . </a:t>
             </a:r>
             <a:r>
-              <a:rPr lang="en-US" sz="1600" dirty="0" err="1"/>
+              <a:rPr lang="en-US" sz="1800" dirty="0" err="1"/>
               <a:t>Napriek</a:t>
             </a:r>
             <a:r>
-              <a:rPr lang="en-US" sz="1600" dirty="0"/>
-              <a:t> </a:t>
-            </a:r>
-            <a:r>
-              <a:rPr lang="en-US" sz="1600" dirty="0" err="1"/>
+              <a:rPr lang="en-US" sz="1800" dirty="0"/>
+              <a:t> </a:t>
+            </a:r>
+            <a:r>
+              <a:rPr lang="en-US" sz="1800" dirty="0" err="1"/>
               <a:t>tomu</a:t>
             </a:r>
             <a:r>
-              <a:rPr lang="en-US" sz="1600" dirty="0"/>
-              <a:t> </a:t>
-            </a:r>
-            <a:r>
-              <a:rPr lang="en-US" sz="1600" dirty="0" err="1"/>
+              <a:rPr lang="en-US" sz="1800" dirty="0"/>
+              <a:t> </a:t>
+            </a:r>
+            <a:r>
+              <a:rPr lang="en-US" sz="1800" dirty="0" err="1"/>
               <a:t>až</a:t>
             </a:r>
             <a:r>
-              <a:rPr lang="en-US" sz="1600" dirty="0"/>
-              <a:t> </a:t>
-            </a:r>
-            <a:r>
-              <a:rPr lang="en-US" sz="1600" dirty="0" err="1"/>
+              <a:rPr lang="en-US" sz="1800" dirty="0"/>
+              <a:t> </a:t>
+            </a:r>
+            <a:r>
+              <a:rPr lang="en-US" sz="1800" dirty="0" err="1"/>
               <a:t>okolo</a:t>
             </a:r>
             <a:r>
-              <a:rPr lang="en-US" sz="1600" dirty="0"/>
+              <a:rPr lang="en-US" sz="1800" dirty="0"/>
               <a:t> 12 </a:t>
             </a:r>
             <a:r>
-              <a:rPr lang="en-US" sz="1600" dirty="0" err="1"/>
+              <a:rPr lang="en-US" sz="1800" dirty="0" err="1"/>
               <a:t>ľudí</a:t>
             </a:r>
             <a:r>
-              <a:rPr lang="en-US" sz="1600" dirty="0"/>
-              <a:t> </a:t>
-            </a:r>
-            <a:r>
-              <a:rPr lang="en-US" sz="1600" dirty="0" err="1"/>
+              <a:rPr lang="en-US" sz="1800" dirty="0"/>
+              <a:t> </a:t>
+            </a:r>
+            <a:r>
+              <a:rPr lang="en-US" sz="1800" dirty="0" err="1"/>
               <a:t>vôbec</a:t>
             </a:r>
             <a:r>
-              <a:rPr lang="en-US" sz="1600" dirty="0"/>
-              <a:t> </a:t>
-            </a:r>
-            <a:r>
-              <a:rPr lang="en-US" sz="1600" dirty="0" err="1"/>
+              <a:rPr lang="en-US" sz="1800" dirty="0"/>
+              <a:t> </a:t>
+            </a:r>
+            <a:r>
+              <a:rPr lang="en-US" sz="1800" dirty="0" err="1"/>
               <a:t>neriešilo</a:t>
             </a:r>
             <a:r>
-              <a:rPr lang="en-US" sz="1600" dirty="0"/>
-              <a:t> </a:t>
-            </a:r>
-            <a:r>
-              <a:rPr lang="en-US" sz="1600" dirty="0" err="1"/>
+              <a:rPr lang="en-US" sz="1800" dirty="0"/>
+              <a:t> </a:t>
+            </a:r>
+            <a:r>
+              <a:rPr lang="en-US" sz="1800" dirty="0" err="1"/>
               <a:t>prípad</a:t>
             </a:r>
             <a:r>
-              <a:rPr lang="en-US" sz="1600" dirty="0"/>
+              <a:rPr lang="en-US" sz="1800" dirty="0"/>
               <a:t>, </a:t>
             </a:r>
             <a:r>
-              <a:rPr lang="en-US" sz="1600" dirty="0" err="1"/>
+              <a:rPr lang="en-US" sz="1800" dirty="0" err="1"/>
               <a:t>že</a:t>
             </a:r>
             <a:r>
-              <a:rPr lang="en-US" sz="1600" dirty="0"/>
+              <a:rPr lang="en-US" sz="1800" dirty="0"/>
               <a:t> n=1 (a z ich </a:t>
             </a:r>
             <a:r>
-              <a:rPr lang="en-US" sz="1600" dirty="0" err="1"/>
+              <a:rPr lang="en-US" sz="1800" dirty="0" err="1"/>
               <a:t>kódu</a:t>
             </a:r>
             <a:r>
-              <a:rPr lang="en-US" sz="1600" dirty="0"/>
-              <a:t> </a:t>
-            </a:r>
-            <a:r>
-              <a:rPr lang="en-US" sz="1600" dirty="0" err="1"/>
+              <a:rPr lang="en-US" sz="1800" dirty="0"/>
+              <a:t> </a:t>
+            </a:r>
+            <a:r>
+              <a:rPr lang="en-US" sz="1800" dirty="0" err="1"/>
               <a:t>im</a:t>
             </a:r>
             <a:r>
-              <a:rPr lang="en-US" sz="1600" dirty="0"/>
+              <a:rPr lang="en-US" sz="1800" dirty="0"/>
               <a:t> to </a:t>
             </a:r>
             <a:r>
-              <a:rPr lang="en-US" sz="1600" dirty="0" err="1"/>
+              <a:rPr lang="en-US" sz="1800" dirty="0" err="1"/>
               <a:t>na</a:t>
             </a:r>
             <a:r>
-              <a:rPr lang="en-US" sz="1600" dirty="0"/>
+              <a:rPr lang="en-US" sz="1800" dirty="0"/>
               <a:t> 1 </a:t>
             </a:r>
             <a:r>
-              <a:rPr lang="en-US" sz="1600" dirty="0" err="1"/>
+              <a:rPr lang="en-US" sz="1800" dirty="0" err="1"/>
               <a:t>vrátilo</a:t>
             </a:r>
             <a:r>
-              <a:rPr lang="en-US" sz="1600" dirty="0"/>
+              <a:rPr lang="en-US" sz="1800" dirty="0"/>
               <a:t> true), 3 </a:t>
             </a:r>
             <a:r>
-              <a:rPr lang="en-US" sz="1600" dirty="0" err="1"/>
+              <a:rPr lang="en-US" sz="1800" dirty="0" err="1"/>
               <a:t>ľudia</a:t>
             </a:r>
             <a:r>
-              <a:rPr lang="en-US" sz="1600" dirty="0"/>
-              <a:t> </a:t>
-            </a:r>
-            <a:r>
-              <a:rPr lang="en-US" sz="1600" dirty="0" err="1"/>
+              <a:rPr lang="en-US" sz="1800" dirty="0"/>
+              <a:t> </a:t>
+            </a:r>
+            <a:r>
+              <a:rPr lang="en-US" sz="1800" dirty="0" err="1"/>
               <a:t>riešili</a:t>
             </a:r>
             <a:r>
-              <a:rPr lang="en-US" sz="1600" dirty="0"/>
-              <a:t> </a:t>
-            </a:r>
-            <a:r>
-              <a:rPr lang="en-US" sz="1600" dirty="0" err="1"/>
+              <a:rPr lang="en-US" sz="1800" dirty="0"/>
+              <a:t> </a:t>
+            </a:r>
+            <a:r>
+              <a:rPr lang="en-US" sz="1800" dirty="0" err="1"/>
               <a:t>aj</a:t>
             </a:r>
             <a:r>
-              <a:rPr lang="en-US" sz="1600" dirty="0"/>
-              <a:t> </a:t>
-            </a:r>
-            <a:r>
-              <a:rPr lang="en-US" sz="1600" dirty="0" err="1"/>
+              <a:rPr lang="en-US" sz="1800" dirty="0"/>
+              <a:t> </a:t>
+            </a:r>
+            <a:r>
+              <a:rPr lang="en-US" sz="1800" dirty="0" err="1"/>
               <a:t>prípad</a:t>
             </a:r>
             <a:r>
-              <a:rPr lang="en-US" sz="1600" dirty="0"/>
+              <a:rPr lang="en-US" sz="1800" dirty="0"/>
               <a:t>, </a:t>
             </a:r>
             <a:r>
-              <a:rPr lang="en-US" sz="1600" dirty="0" err="1"/>
+              <a:rPr lang="en-US" sz="1800" dirty="0" err="1"/>
               <a:t>že</a:t>
             </a:r>
             <a:r>
-              <a:rPr lang="en-US" sz="1600" dirty="0"/>
+              <a:rPr lang="en-US" sz="1800" dirty="0"/>
               <a:t> n == 0 a </a:t>
             </a:r>
             <a:r>
-              <a:rPr lang="en-US" sz="1600" dirty="0" err="1"/>
+              <a:rPr lang="en-US" sz="1800" dirty="0" err="1"/>
               <a:t>jeden</a:t>
             </a:r>
             <a:r>
-              <a:rPr lang="en-US" sz="1600" dirty="0"/>
+              <a:rPr lang="en-US" sz="1800" dirty="0"/>
               <a:t>/</a:t>
             </a:r>
             <a:r>
-              <a:rPr lang="en-US" sz="1600" dirty="0" err="1"/>
+              <a:rPr lang="en-US" sz="1800" dirty="0" err="1"/>
               <a:t>dvaja</a:t>
             </a:r>
             <a:r>
-              <a:rPr lang="en-US" sz="1600" dirty="0"/>
-              <a:t> </a:t>
-            </a:r>
-            <a:r>
-              <a:rPr lang="en-US" sz="1600" dirty="0" err="1"/>
+              <a:rPr lang="en-US" sz="1800" dirty="0"/>
+              <a:t> </a:t>
+            </a:r>
+            <a:r>
+              <a:rPr lang="en-US" sz="1800" dirty="0" err="1"/>
               <a:t>riešili</a:t>
             </a:r>
             <a:r>
-              <a:rPr lang="en-US" sz="1600" dirty="0"/>
-              <a:t> </a:t>
-            </a:r>
-            <a:r>
-              <a:rPr lang="en-US" sz="1600" dirty="0" err="1"/>
+              <a:rPr lang="en-US" sz="1800" dirty="0"/>
+              <a:t> </a:t>
+            </a:r>
+            <a:r>
+              <a:rPr lang="en-US" sz="1800" dirty="0" err="1"/>
               <a:t>aj</a:t>
             </a:r>
             <a:r>
-              <a:rPr lang="en-US" sz="1600" dirty="0"/>
-              <a:t> </a:t>
-            </a:r>
-            <a:r>
-              <a:rPr lang="en-US" sz="1600" dirty="0" err="1"/>
+              <a:rPr lang="en-US" sz="1800" dirty="0"/>
+              <a:t> </a:t>
+            </a:r>
+            <a:r>
+              <a:rPr lang="en-US" sz="1800" dirty="0" err="1"/>
               <a:t>prípad</a:t>
             </a:r>
             <a:r>
-              <a:rPr lang="en-US" sz="1600" dirty="0"/>
+              <a:rPr lang="en-US" sz="1800" dirty="0"/>
               <a:t>, </a:t>
             </a:r>
             <a:r>
-              <a:rPr lang="en-US" sz="1600" dirty="0" err="1"/>
+              <a:rPr lang="en-US" sz="1800" dirty="0" err="1"/>
               <a:t>že</a:t>
             </a:r>
             <a:r>
-              <a:rPr lang="en-US" sz="1600" dirty="0"/>
+              <a:rPr lang="en-US" sz="1800" dirty="0"/>
               <a:t> n &lt; 0.</a:t>
             </a:r>
           </a:p>
           <a:p>
             <a:pPr lvl="1"/>
             <a:r>
-              <a:rPr lang="en-US" sz="1600" dirty="0" err="1"/>
+              <a:rPr lang="en-US" sz="1800" dirty="0" err="1"/>
               <a:t>jeden</a:t>
             </a:r>
             <a:r>
-              <a:rPr lang="en-US" sz="1600" dirty="0"/>
+              <a:rPr lang="en-US" sz="1800" dirty="0"/>
               <a:t> student/ka </a:t>
             </a:r>
             <a:r>
-              <a:rPr lang="en-US" sz="1600" dirty="0" err="1"/>
+              <a:rPr lang="en-US" sz="1800" dirty="0" err="1"/>
               <a:t>riešil</a:t>
             </a:r>
             <a:r>
-              <a:rPr lang="en-US" sz="1600" dirty="0"/>
+              <a:rPr lang="en-US" sz="1800" dirty="0"/>
               <a:t>/a </a:t>
             </a:r>
             <a:r>
-              <a:rPr lang="en-US" sz="1600" dirty="0" err="1"/>
+              <a:rPr lang="en-US" sz="1800" dirty="0" err="1"/>
               <a:t>prvočísla</a:t>
             </a:r>
             <a:r>
-              <a:rPr lang="en-US" sz="1600" dirty="0"/>
-              <a:t> </a:t>
-            </a:r>
-            <a:r>
-              <a:rPr lang="en-US" sz="1600" dirty="0" err="1"/>
+              <a:rPr lang="en-US" sz="1800" dirty="0"/>
+              <a:t> </a:t>
+            </a:r>
+            <a:r>
+              <a:rPr lang="en-US" sz="1800" dirty="0" err="1"/>
               <a:t>len</a:t>
             </a:r>
             <a:r>
-              <a:rPr lang="en-US" sz="1600" dirty="0"/>
-              <a:t> </a:t>
-            </a:r>
-            <a:r>
-              <a:rPr lang="en-US" sz="1600" dirty="0" err="1"/>
+              <a:rPr lang="en-US" sz="1800" dirty="0"/>
+              <a:t> </a:t>
+            </a:r>
+            <a:r>
+              <a:rPr lang="en-US" sz="1800" dirty="0" err="1"/>
               <a:t>tak</a:t>
             </a:r>
             <a:r>
-              <a:rPr lang="en-US" sz="1600" dirty="0"/>
+              <a:rPr lang="en-US" sz="1800" dirty="0"/>
               <a:t>, </a:t>
             </a:r>
             <a:r>
-              <a:rPr lang="en-US" sz="1600" dirty="0" err="1"/>
+              <a:rPr lang="en-US" sz="1800" dirty="0" err="1"/>
               <a:t>že</a:t>
             </a:r>
             <a:r>
-              <a:rPr lang="en-US" sz="1600" dirty="0"/>
-              <a:t> </a:t>
-            </a:r>
-            <a:r>
-              <a:rPr lang="en-US" sz="1600" dirty="0" err="1"/>
+              <a:rPr lang="en-US" sz="1800" dirty="0"/>
+              <a:t> </a:t>
+            </a:r>
+            <a:r>
+              <a:rPr lang="en-US" sz="1800" dirty="0" err="1"/>
               <a:t>každé</a:t>
             </a:r>
             <a:r>
-              <a:rPr lang="en-US" sz="1600" dirty="0"/>
-              <a:t> </a:t>
-            </a:r>
-            <a:r>
-              <a:rPr lang="en-US" sz="1600" dirty="0" err="1"/>
+              <a:rPr lang="en-US" sz="1800" dirty="0"/>
+              <a:t> </a:t>
+            </a:r>
+            <a:r>
+              <a:rPr lang="en-US" sz="1800" dirty="0" err="1"/>
               <a:t>nepárne</a:t>
             </a:r>
             <a:r>
-              <a:rPr lang="en-US" sz="1600" dirty="0"/>
-              <a:t> </a:t>
-            </a:r>
-            <a:r>
-              <a:rPr lang="en-US" sz="1600" dirty="0" err="1"/>
+              <a:rPr lang="en-US" sz="1800" dirty="0"/>
+              <a:t> </a:t>
+            </a:r>
+            <a:r>
+              <a:rPr lang="en-US" sz="1800" dirty="0" err="1"/>
               <a:t>číslo</a:t>
             </a:r>
             <a:r>
-              <a:rPr lang="en-US" sz="1600" dirty="0"/>
+              <a:rPr lang="en-US" sz="1800" dirty="0"/>
               <a:t> je </a:t>
             </a:r>
             <a:r>
-              <a:rPr lang="en-US" sz="1600" dirty="0" err="1"/>
+              <a:rPr lang="en-US" sz="1800" dirty="0" err="1"/>
               <a:t>prvočíslo</a:t>
             </a:r>
             <a:r>
-              <a:rPr lang="en-US" sz="1600" dirty="0"/>
+              <a:rPr lang="en-US" sz="1800" dirty="0"/>
               <a:t>, a </a:t>
             </a:r>
             <a:r>
-              <a:rPr lang="en-US" sz="1600" dirty="0" err="1"/>
+              <a:rPr lang="en-US" sz="1800" dirty="0" err="1"/>
               <a:t>každé</a:t>
             </a:r>
             <a:r>
-              <a:rPr lang="en-US" sz="1600" dirty="0"/>
-              <a:t> </a:t>
-            </a:r>
-            <a:r>
-              <a:rPr lang="en-US" sz="1600" dirty="0" err="1"/>
+              <a:rPr lang="en-US" sz="1800" dirty="0"/>
+              <a:t> </a:t>
+            </a:r>
+            <a:r>
+              <a:rPr lang="en-US" sz="1800" dirty="0" err="1"/>
               <a:t>párne</a:t>
             </a:r>
             <a:r>
-              <a:rPr lang="en-US" sz="1600" dirty="0"/>
-              <a:t> </a:t>
-            </a:r>
-            <a:r>
-              <a:rPr lang="en-US" sz="1600" dirty="0" err="1"/>
+              <a:rPr lang="en-US" sz="1800" dirty="0"/>
+              <a:t> </a:t>
+            </a:r>
+            <a:r>
+              <a:rPr lang="en-US" sz="1800" dirty="0" err="1"/>
               <a:t>nie</a:t>
             </a:r>
             <a:r>
-              <a:rPr lang="en-US" sz="1600" dirty="0"/>
+              <a:rPr lang="en-US" sz="1800" dirty="0"/>
               <a:t> je </a:t>
             </a:r>
             <a:r>
-              <a:rPr lang="en-US" sz="1600" dirty="0" err="1"/>
+              <a:rPr lang="en-US" sz="1800" dirty="0" err="1"/>
               <a:t>prvočíslo</a:t>
             </a:r>
             <a:r>
-              <a:rPr lang="en-US" sz="1600" dirty="0"/>
+              <a:rPr lang="en-US" sz="1800" dirty="0"/>
               <a:t>.</a:t>
             </a:r>
           </a:p>
@@ -5925,150 +6478,150 @@
               <a:buAutoNum type="alphaLcPeriod"/>
             </a:pPr>
             <a:r>
-              <a:rPr lang="en-US" sz="1600" dirty="0"/>
+              <a:rPr lang="en-US" sz="1800" dirty="0"/>
               <a:t>primes(n)</a:t>
             </a:r>
           </a:p>
           <a:p>
             <a:pPr lvl="1"/>
             <a:r>
-              <a:rPr lang="en-US" sz="1600" dirty="0"/>
+              <a:rPr lang="en-US" sz="1800" dirty="0"/>
               <a:t>v </a:t>
             </a:r>
             <a:r>
-              <a:rPr lang="en-US" sz="1600" dirty="0" err="1"/>
+              <a:rPr lang="en-US" sz="1800" dirty="0" err="1"/>
               <a:t>zadaní</a:t>
             </a:r>
             <a:r>
-              <a:rPr lang="en-US" sz="1600" dirty="0"/>
+              <a:rPr lang="en-US" sz="1800" dirty="0"/>
               <a:t> je </a:t>
             </a:r>
             <a:r>
-              <a:rPr lang="en-US" sz="1600" dirty="0" err="1"/>
+              <a:rPr lang="en-US" sz="1800" dirty="0" err="1"/>
               <a:t>napísané</a:t>
             </a:r>
             <a:r>
-              <a:rPr lang="en-US" sz="1600" dirty="0"/>
+              <a:rPr lang="en-US" sz="1800" dirty="0"/>
               <a:t> "</a:t>
             </a:r>
             <a:r>
-              <a:rPr lang="en-US" sz="1600" dirty="0" err="1"/>
+              <a:rPr lang="en-US" sz="1800" dirty="0" err="1"/>
               <a:t>vráti</a:t>
             </a:r>
             <a:r>
-              <a:rPr lang="en-US" sz="1600" dirty="0"/>
-              <a:t> </a:t>
-            </a:r>
-            <a:r>
-              <a:rPr lang="en-US" sz="1600" dirty="0" err="1"/>
+              <a:rPr lang="en-US" sz="1800" dirty="0"/>
+              <a:t> </a:t>
+            </a:r>
+            <a:r>
+              <a:rPr lang="en-US" sz="1800" dirty="0" err="1"/>
               <a:t>zoznam</a:t>
             </a:r>
             <a:r>
-              <a:rPr lang="en-US" sz="1600" dirty="0"/>
-              <a:t> </a:t>
-            </a:r>
-            <a:r>
-              <a:rPr lang="en-US" sz="1600" dirty="0" err="1"/>
+              <a:rPr lang="en-US" sz="1800" dirty="0"/>
+              <a:t> </a:t>
+            </a:r>
+            <a:r>
+              <a:rPr lang="en-US" sz="1800" dirty="0" err="1"/>
               <a:t>prvých</a:t>
             </a:r>
             <a:r>
-              <a:rPr lang="en-US" sz="1600" dirty="0"/>
+              <a:rPr lang="en-US" sz="1800" dirty="0"/>
               <a:t> n </a:t>
             </a:r>
             <a:r>
-              <a:rPr lang="en-US" sz="1600" dirty="0" err="1"/>
+              <a:rPr lang="en-US" sz="1800" dirty="0" err="1"/>
               <a:t>prvočísel</a:t>
             </a:r>
             <a:r>
-              <a:rPr lang="en-US" sz="1600" dirty="0"/>
+              <a:rPr lang="en-US" sz="1800" dirty="0"/>
               <a:t>". </a:t>
             </a:r>
             <a:r>
-              <a:rPr lang="en-US" sz="1600" dirty="0" err="1"/>
+              <a:rPr lang="en-US" sz="1800" dirty="0" err="1"/>
               <a:t>Asi</a:t>
             </a:r>
             <a:r>
-              <a:rPr lang="en-US" sz="1600" dirty="0"/>
+              <a:rPr lang="en-US" sz="1800" dirty="0"/>
               <a:t> 6 </a:t>
             </a:r>
             <a:r>
-              <a:rPr lang="en-US" sz="1600" dirty="0" err="1"/>
+              <a:rPr lang="en-US" sz="1800" dirty="0" err="1"/>
               <a:t>ľudia</a:t>
             </a:r>
             <a:r>
-              <a:rPr lang="en-US" sz="1600" dirty="0"/>
-              <a:t> </a:t>
-            </a:r>
-            <a:r>
-              <a:rPr lang="en-US" sz="1600" dirty="0" err="1"/>
+              <a:rPr lang="en-US" sz="1800" dirty="0"/>
+              <a:t> </a:t>
+            </a:r>
+            <a:r>
+              <a:rPr lang="en-US" sz="1800" dirty="0" err="1"/>
               <a:t>však</a:t>
             </a:r>
             <a:r>
-              <a:rPr lang="en-US" sz="1600" dirty="0"/>
-              <a:t> </a:t>
-            </a:r>
-            <a:r>
-              <a:rPr lang="en-US" sz="1600" dirty="0" err="1"/>
+              <a:rPr lang="en-US" sz="1800" dirty="0"/>
+              <a:t> </a:t>
+            </a:r>
+            <a:r>
+              <a:rPr lang="en-US" sz="1800" dirty="0" err="1"/>
               <a:t>vracali</a:t>
             </a:r>
             <a:r>
-              <a:rPr lang="en-US" sz="1600" dirty="0"/>
-              <a:t> </a:t>
-            </a:r>
-            <a:r>
-              <a:rPr lang="en-US" sz="1600" dirty="0" err="1"/>
+              <a:rPr lang="en-US" sz="1800" dirty="0"/>
+              <a:t> </a:t>
+            </a:r>
+            <a:r>
+              <a:rPr lang="en-US" sz="1800" dirty="0" err="1"/>
               <a:t>zoznam</a:t>
             </a:r>
             <a:r>
-              <a:rPr lang="en-US" sz="1600" dirty="0"/>
-              <a:t> </a:t>
-            </a:r>
-            <a:r>
-              <a:rPr lang="en-US" sz="1600" dirty="0" err="1"/>
+              <a:rPr lang="en-US" sz="1800" dirty="0"/>
+              <a:t> </a:t>
+            </a:r>
+            <a:r>
+              <a:rPr lang="en-US" sz="1800" dirty="0" err="1"/>
               <a:t>prvočísel</a:t>
             </a:r>
             <a:r>
-              <a:rPr lang="en-US" sz="1600" dirty="0"/>
-              <a:t> </a:t>
-            </a:r>
-            <a:r>
-              <a:rPr lang="en-US" sz="1600" dirty="0" err="1"/>
+              <a:rPr lang="en-US" sz="1800" dirty="0"/>
+              <a:t> </a:t>
+            </a:r>
+            <a:r>
+              <a:rPr lang="en-US" sz="1800" dirty="0" err="1"/>
               <a:t>menších</a:t>
             </a:r>
             <a:r>
-              <a:rPr lang="en-US" sz="1600" dirty="0"/>
-              <a:t> </a:t>
-            </a:r>
-            <a:r>
-              <a:rPr lang="en-US" sz="1600" dirty="0" err="1"/>
+              <a:rPr lang="en-US" sz="1800" dirty="0"/>
+              <a:t> </a:t>
+            </a:r>
+            <a:r>
+              <a:rPr lang="en-US" sz="1800" dirty="0" err="1"/>
               <a:t>ako</a:t>
             </a:r>
             <a:r>
-              <a:rPr lang="en-US" sz="1600" dirty="0"/>
+              <a:rPr lang="en-US" sz="1800" dirty="0"/>
               <a:t> n, a </a:t>
             </a:r>
             <a:r>
-              <a:rPr lang="en-US" sz="1600" dirty="0" err="1"/>
+              <a:rPr lang="en-US" sz="1800" dirty="0" err="1"/>
               <a:t>nie</a:t>
             </a:r>
             <a:r>
-              <a:rPr lang="en-US" sz="1600" dirty="0"/>
-              <a:t> </a:t>
-            </a:r>
-            <a:r>
-              <a:rPr lang="en-US" sz="1600" dirty="0" err="1"/>
+              <a:rPr lang="en-US" sz="1800" dirty="0"/>
+              <a:t> </a:t>
+            </a:r>
+            <a:r>
+              <a:rPr lang="en-US" sz="1800" dirty="0" err="1"/>
               <a:t>prvých</a:t>
             </a:r>
             <a:r>
-              <a:rPr lang="en-US" sz="1600" dirty="0"/>
+              <a:rPr lang="en-US" sz="1800" dirty="0"/>
               <a:t> n </a:t>
             </a:r>
             <a:r>
-              <a:rPr lang="en-US" sz="1600" dirty="0" err="1"/>
+              <a:rPr lang="en-US" sz="1800" dirty="0" err="1"/>
               <a:t>prvočísel</a:t>
             </a:r>
             <a:r>
-              <a:rPr lang="en-US" sz="1600" dirty="0"/>
+              <a:rPr lang="en-US" sz="1800" dirty="0"/>
               <a:t>.</a:t>
             </a:r>
           </a:p>
@@ -6078,170 +6631,170 @@
               <a:buAutoNum type="alphaLcPeriod"/>
             </a:pPr>
             <a:r>
-              <a:rPr lang="en-US" sz="1600" dirty="0"/>
+              <a:rPr lang="en-US" sz="1800" dirty="0"/>
               <a:t>sučin+1</a:t>
             </a:r>
           </a:p>
           <a:p>
             <a:pPr lvl="1"/>
             <a:r>
-              <a:rPr lang="en-US" sz="1600" dirty="0" err="1"/>
+              <a:rPr lang="en-US" sz="1800" dirty="0" err="1"/>
               <a:t>našlo</a:t>
             </a:r>
             <a:r>
-              <a:rPr lang="en-US" sz="1600" dirty="0"/>
-              <a:t> </a:t>
-            </a:r>
-            <a:r>
-              <a:rPr lang="en-US" sz="1600" dirty="0" err="1"/>
+              <a:rPr lang="en-US" sz="1800" dirty="0"/>
+              <a:t> </a:t>
+            </a:r>
+            <a:r>
+              <a:rPr lang="en-US" sz="1800" dirty="0" err="1"/>
               <a:t>sa</a:t>
             </a:r>
             <a:r>
-              <a:rPr lang="en-US" sz="1600" dirty="0"/>
-              <a:t> </a:t>
-            </a:r>
-            <a:r>
-              <a:rPr lang="en-US" sz="1600" dirty="0" err="1"/>
+              <a:rPr lang="en-US" sz="1800" dirty="0"/>
+              <a:t> </a:t>
+            </a:r>
+            <a:r>
+              <a:rPr lang="en-US" sz="1800" dirty="0" err="1"/>
               <a:t>zopár</a:t>
             </a:r>
             <a:r>
-              <a:rPr lang="en-US" sz="1600" dirty="0"/>
-              <a:t> </a:t>
-            </a:r>
-            <a:r>
-              <a:rPr lang="en-US" sz="1600" dirty="0" err="1"/>
+              <a:rPr lang="en-US" sz="1800" dirty="0"/>
+              <a:t> </a:t>
+            </a:r>
+            <a:r>
+              <a:rPr lang="en-US" sz="1800" dirty="0" err="1"/>
               <a:t>ľudí</a:t>
             </a:r>
             <a:r>
-              <a:rPr lang="en-US" sz="1600" dirty="0"/>
+              <a:rPr lang="en-US" sz="1800" dirty="0"/>
               <a:t>, </a:t>
             </a:r>
             <a:r>
-              <a:rPr lang="en-US" sz="1600" dirty="0" err="1"/>
+              <a:rPr lang="en-US" sz="1800" dirty="0" err="1"/>
               <a:t>ktorý</a:t>
             </a:r>
             <a:r>
-              <a:rPr lang="en-US" sz="1600" dirty="0"/>
-              <a:t> </a:t>
-            </a:r>
-            <a:r>
-              <a:rPr lang="en-US" sz="1600" dirty="0" err="1"/>
+              <a:rPr lang="en-US" sz="1800" dirty="0"/>
+              <a:t> </a:t>
+            </a:r>
+            <a:r>
+              <a:rPr lang="en-US" sz="1800" dirty="0" err="1"/>
               <a:t>nevyužívali</a:t>
             </a:r>
             <a:r>
-              <a:rPr lang="en-US" sz="1600" dirty="0"/>
+              <a:rPr lang="en-US" sz="1800" dirty="0"/>
               <a:t> ani </a:t>
             </a:r>
             <a:r>
-              <a:rPr lang="en-US" sz="1600" dirty="0" err="1"/>
+              <a:rPr lang="en-US" sz="1800" dirty="0" err="1"/>
               <a:t>jednu</a:t>
             </a:r>
             <a:r>
-              <a:rPr lang="en-US" sz="1600" dirty="0"/>
+              <a:rPr lang="en-US" sz="1800" dirty="0"/>
               <a:t> z </a:t>
             </a:r>
             <a:r>
-              <a:rPr lang="en-US" sz="1600" dirty="0" err="1"/>
+              <a:rPr lang="en-US" sz="1800" dirty="0" err="1"/>
               <a:t>predchádzajúcich</a:t>
             </a:r>
             <a:r>
-              <a:rPr lang="en-US" sz="1600" dirty="0"/>
-              <a:t> </a:t>
-            </a:r>
-            <a:r>
-              <a:rPr lang="en-US" sz="1600" dirty="0" err="1"/>
+              <a:rPr lang="en-US" sz="1800" dirty="0"/>
+              <a:t> </a:t>
+            </a:r>
+            <a:r>
+              <a:rPr lang="en-US" sz="1800" dirty="0" err="1"/>
               <a:t>dvoch</a:t>
             </a:r>
             <a:r>
-              <a:rPr lang="en-US" sz="1600" dirty="0"/>
-              <a:t> </a:t>
-            </a:r>
-            <a:r>
-              <a:rPr lang="en-US" sz="1600" dirty="0" err="1"/>
+              <a:rPr lang="en-US" sz="1800" dirty="0"/>
+              <a:t> </a:t>
+            </a:r>
+            <a:r>
+              <a:rPr lang="en-US" sz="1800" dirty="0" err="1"/>
               <a:t>funkcií</a:t>
             </a:r>
             <a:r>
-              <a:rPr lang="en-US" sz="1600" dirty="0"/>
+              <a:rPr lang="en-US" sz="1800" dirty="0"/>
               <a:t>, </a:t>
             </a:r>
             <a:r>
-              <a:rPr lang="en-US" sz="1600" dirty="0" err="1"/>
+              <a:rPr lang="en-US" sz="1800" dirty="0" err="1"/>
               <a:t>aj</a:t>
             </a:r>
             <a:r>
-              <a:rPr lang="en-US" sz="1600" dirty="0"/>
-              <a:t> </a:t>
-            </a:r>
-            <a:r>
-              <a:rPr lang="en-US" sz="1600" dirty="0" err="1"/>
+              <a:rPr lang="en-US" sz="1800" dirty="0"/>
+              <a:t> </a:t>
+            </a:r>
+            <a:r>
+              <a:rPr lang="en-US" sz="1800" dirty="0" err="1"/>
               <a:t>keď</a:t>
             </a:r>
             <a:r>
-              <a:rPr lang="en-US" sz="1600" dirty="0"/>
+              <a:rPr lang="en-US" sz="1800" dirty="0"/>
               <a:t> je v </a:t>
             </a:r>
             <a:r>
-              <a:rPr lang="en-US" sz="1600" dirty="0" err="1"/>
+              <a:rPr lang="en-US" sz="1800" dirty="0" err="1"/>
               <a:t>zadaní</a:t>
             </a:r>
             <a:r>
-              <a:rPr lang="en-US" sz="1600" dirty="0"/>
-              <a:t> </a:t>
-            </a:r>
-            <a:r>
-              <a:rPr lang="en-US" sz="1600" dirty="0" err="1"/>
+              <a:rPr lang="en-US" sz="1800" dirty="0"/>
+              <a:t> </a:t>
+            </a:r>
+            <a:r>
+              <a:rPr lang="en-US" sz="1800" dirty="0" err="1"/>
               <a:t>napísané</a:t>
             </a:r>
             <a:r>
-              <a:rPr lang="en-US" sz="1600" dirty="0"/>
+              <a:rPr lang="en-US" sz="1800" dirty="0"/>
               <a:t>, </a:t>
             </a:r>
             <a:r>
-              <a:rPr lang="en-US" sz="1600" dirty="0" err="1"/>
+              <a:rPr lang="en-US" sz="1800" dirty="0" err="1"/>
               <a:t>že</a:t>
             </a:r>
             <a:r>
-              <a:rPr lang="en-US" sz="1600" dirty="0"/>
-              <a:t> </a:t>
-            </a:r>
-            <a:r>
-              <a:rPr lang="en-US" sz="1600" dirty="0" err="1"/>
+              <a:rPr lang="en-US" sz="1800" dirty="0"/>
+              <a:t> </a:t>
+            </a:r>
+            <a:r>
+              <a:rPr lang="en-US" sz="1800" dirty="0" err="1"/>
               <a:t>im</a:t>
             </a:r>
             <a:r>
-              <a:rPr lang="en-US" sz="1600" dirty="0"/>
+              <a:rPr lang="en-US" sz="1800" dirty="0"/>
               <a:t> k </a:t>
             </a:r>
             <a:r>
-              <a:rPr lang="en-US" sz="1600" dirty="0" err="1"/>
+              <a:rPr lang="en-US" sz="1800" dirty="0" err="1"/>
               <a:t>tomu</a:t>
             </a:r>
             <a:r>
-              <a:rPr lang="en-US" sz="1600" dirty="0"/>
-              <a:t> </a:t>
-            </a:r>
-            <a:r>
-              <a:rPr lang="en-US" sz="1600" dirty="0" err="1"/>
+              <a:rPr lang="en-US" sz="1800" dirty="0"/>
+              <a:t> </a:t>
+            </a:r>
+            <a:r>
+              <a:rPr lang="en-US" sz="1800" dirty="0" err="1"/>
               <a:t>pomôžu</a:t>
             </a:r>
             <a:r>
-              <a:rPr lang="en-US" sz="1600" dirty="0"/>
-              <a:t> </a:t>
-            </a:r>
-            <a:r>
-              <a:rPr lang="en-US" sz="1600" dirty="0" err="1"/>
+              <a:rPr lang="en-US" sz="1800" dirty="0"/>
+              <a:t> </a:t>
+            </a:r>
+            <a:r>
+              <a:rPr lang="en-US" sz="1800" dirty="0" err="1"/>
               <a:t>funkcie</a:t>
             </a:r>
             <a:r>
-              <a:rPr lang="en-US" sz="1600" dirty="0"/>
-              <a:t> </a:t>
-            </a:r>
-            <a:r>
-              <a:rPr lang="en-US" sz="1600" dirty="0" err="1"/>
+              <a:rPr lang="en-US" sz="1800" dirty="0"/>
+              <a:t> </a:t>
+            </a:r>
+            <a:r>
+              <a:rPr lang="en-US" sz="1800" dirty="0" err="1"/>
               <a:t>vyššie</a:t>
             </a:r>
             <a:r>
-              <a:rPr lang="en-US" sz="1600" dirty="0"/>
+              <a:rPr lang="en-US" sz="1800" dirty="0"/>
               <a:t>.</a:t>
             </a:r>
           </a:p>
@@ -6251,120 +6804,120 @@
               <a:buAutoNum type="alphaLcPeriod"/>
             </a:pPr>
             <a:r>
-              <a:rPr lang="en-US" sz="1600" dirty="0" err="1"/>
+              <a:rPr lang="en-US" sz="1800" dirty="0" err="1"/>
               <a:t>Mersenn</a:t>
             </a:r>
-            <a:endParaRPr lang="en-US" sz="1600" dirty="0"/>
+            <a:endParaRPr lang="en-US" sz="1800" dirty="0"/>
           </a:p>
           <a:p>
             <a:pPr lvl="1"/>
             <a:r>
-              <a:rPr lang="en-US" sz="1600" dirty="0" err="1"/>
+              <a:rPr lang="en-US" sz="1800" dirty="0" err="1"/>
               <a:t>dvaja</a:t>
             </a:r>
             <a:r>
-              <a:rPr lang="en-US" sz="1600" dirty="0"/>
-              <a:t> </a:t>
-            </a:r>
-            <a:r>
-              <a:rPr lang="en-US" sz="1600" dirty="0" err="1"/>
+              <a:rPr lang="en-US" sz="1800" dirty="0"/>
+              <a:t> </a:t>
+            </a:r>
+            <a:r>
+              <a:rPr lang="en-US" sz="1800" dirty="0" err="1"/>
               <a:t>ľudia</a:t>
             </a:r>
             <a:r>
-              <a:rPr lang="en-US" sz="1600" dirty="0"/>
+              <a:rPr lang="en-US" sz="1800" dirty="0"/>
               <a:t> to </a:t>
             </a:r>
             <a:r>
-              <a:rPr lang="en-US" sz="1600" dirty="0" err="1"/>
+              <a:rPr lang="en-US" sz="1800" dirty="0" err="1"/>
               <a:t>skúsili</a:t>
             </a:r>
             <a:r>
-              <a:rPr lang="en-US" sz="1600" dirty="0"/>
-              <a:t> </a:t>
-            </a:r>
-            <a:r>
-              <a:rPr lang="en-US" sz="1600" dirty="0" err="1"/>
+              <a:rPr lang="en-US" sz="1800" dirty="0"/>
+              <a:t> </a:t>
+            </a:r>
+            <a:r>
+              <a:rPr lang="en-US" sz="1800" dirty="0" err="1"/>
               <a:t>riešiť</a:t>
             </a:r>
             <a:r>
-              <a:rPr lang="en-US" sz="1600" dirty="0"/>
-              <a:t> </a:t>
-            </a:r>
-            <a:r>
-              <a:rPr lang="en-US" sz="1600" dirty="0" err="1"/>
+              <a:rPr lang="en-US" sz="1800" dirty="0"/>
+              <a:t> </a:t>
+            </a:r>
+            <a:r>
+              <a:rPr lang="en-US" sz="1800" dirty="0" err="1"/>
               <a:t>aj</a:t>
             </a:r>
             <a:r>
-              <a:rPr lang="en-US" sz="1600" dirty="0"/>
+              <a:rPr lang="en-US" sz="1800" dirty="0"/>
               <a:t> s </a:t>
             </a:r>
             <a:r>
-              <a:rPr lang="en-US" sz="1600" dirty="0" err="1"/>
+              <a:rPr lang="en-US" sz="1800" dirty="0" err="1"/>
               <a:t>pomocou</a:t>
             </a:r>
             <a:r>
-              <a:rPr lang="en-US" sz="1600" dirty="0"/>
-              <a:t> </a:t>
-            </a:r>
-            <a:r>
-              <a:rPr lang="en-US" sz="1600" dirty="0" err="1"/>
+              <a:rPr lang="en-US" sz="1800" dirty="0"/>
+              <a:t> </a:t>
+            </a:r>
+            <a:r>
+              <a:rPr lang="en-US" sz="1800" dirty="0" err="1"/>
               <a:t>využitia</a:t>
             </a:r>
             <a:r>
-              <a:rPr lang="en-US" sz="1600" dirty="0"/>
-              <a:t> </a:t>
-            </a:r>
-            <a:r>
-              <a:rPr lang="en-US" sz="1600" dirty="0" err="1"/>
+              <a:rPr lang="en-US" sz="1800" dirty="0"/>
+              <a:t> </a:t>
+            </a:r>
+            <a:r>
+              <a:rPr lang="en-US" sz="1800" dirty="0" err="1"/>
               <a:t>bitových</a:t>
             </a:r>
             <a:r>
-              <a:rPr lang="en-US" sz="1600" dirty="0"/>
-              <a:t> </a:t>
-            </a:r>
-            <a:r>
-              <a:rPr lang="en-US" sz="1600" dirty="0" err="1"/>
+              <a:rPr lang="en-US" sz="1800" dirty="0"/>
+              <a:t> </a:t>
+            </a:r>
+            <a:r>
+              <a:rPr lang="en-US" sz="1800" dirty="0" err="1"/>
               <a:t>posunov</a:t>
             </a:r>
             <a:r>
-              <a:rPr lang="en-US" sz="1600" dirty="0"/>
+              <a:rPr lang="en-US" sz="1800" dirty="0"/>
               <a:t>, </a:t>
             </a:r>
             <a:r>
-              <a:rPr lang="en-US" sz="1600" dirty="0" err="1"/>
+              <a:rPr lang="en-US" sz="1800" dirty="0" err="1"/>
               <a:t>jeden</a:t>
             </a:r>
             <a:r>
-              <a:rPr lang="en-US" sz="1600" dirty="0"/>
-              <a:t> </a:t>
-            </a:r>
-            <a:r>
-              <a:rPr lang="en-US" sz="1600" dirty="0" err="1"/>
+              <a:rPr lang="en-US" sz="1800" dirty="0"/>
+              <a:t> </a:t>
+            </a:r>
+            <a:r>
+              <a:rPr lang="en-US" sz="1800" dirty="0" err="1"/>
               <a:t>úspešne</a:t>
             </a:r>
             <a:r>
-              <a:rPr lang="en-US" sz="1600" dirty="0"/>
+              <a:rPr lang="en-US" sz="1800" dirty="0"/>
               <a:t>, </a:t>
             </a:r>
             <a:r>
-              <a:rPr lang="en-US" sz="1600" dirty="0" err="1"/>
+              <a:rPr lang="en-US" sz="1800" dirty="0" err="1"/>
               <a:t>jeden</a:t>
             </a:r>
             <a:r>
-              <a:rPr lang="en-US" sz="1600" dirty="0"/>
-              <a:t> </a:t>
-            </a:r>
-            <a:r>
-              <a:rPr lang="en-US" sz="1600" dirty="0" err="1"/>
+              <a:rPr lang="en-US" sz="1800" dirty="0"/>
+              <a:t> </a:t>
+            </a:r>
+            <a:r>
+              <a:rPr lang="en-US" sz="1800" dirty="0" err="1"/>
               <a:t>nie</a:t>
             </a:r>
             <a:r>
-              <a:rPr lang="en-US" sz="1600" dirty="0"/>
+              <a:rPr lang="en-US" sz="1800" dirty="0"/>
               <a:t>.</a:t>
             </a:r>
           </a:p>
           <a:p>
-            <a:endParaRPr lang="en-US" sz="1600" dirty="0"/>
+            <a:endParaRPr lang="en-US" sz="1800" dirty="0"/>
           </a:p>
         </p:txBody>
       </p:sp>
@@ -6403,7 +6956,7 @@
           <p:cNvPr id="2" name="Title 1">
             <a:extLst>
               <a:ext uri="{FF2B5EF4-FFF2-40B4-BE49-F238E27FC236}">
-                <a16:creationId xmlns:a16="http://schemas.microsoft.com/office/drawing/2014/main" id="{ACB5AD32-2BAA-44C9-B491-44E21BC341B5}"/>
+                <a16:creationId xmlns:a16="http://schemas.microsoft.com/office/drawing/2014/main" id="{7D5B2F26-1DCD-40A0-86FD-0DBCDFBD8EAC}"/>
               </a:ext>
             </a:extLst>
           </p:cNvPr>
@@ -6416,7 +6969,9 @@
         </p:nvSpPr>
         <p:spPr/>
         <p:txBody>
-          <a:bodyPr/>
+          <a:bodyPr>
+            <a:normAutofit/>
+          </a:bodyPr>
           <a:lstStyle/>
           <a:p>
             <a:r>
@@ -6425,7 +6980,11 @@
             </a:r>
             <a:r>
               <a:rPr lang="sk-SK" dirty="0"/>
-              <a:t>íklad Tretí</a:t>
+              <a:t>íklad </a:t>
+            </a:r>
+            <a:r>
+              <a:rPr lang="en-US" dirty="0" err="1"/>
+              <a:t>Stromy</a:t>
             </a:r>
             <a:br>
               <a:rPr lang="sk-SK" dirty="0"/>
@@ -6435,30 +6994,17 @@
               <a:t>(</a:t>
             </a:r>
             <a:r>
+              <a:rPr lang="en-US" sz="2200" dirty="0" err="1"/>
+              <a:t>Luk</a:t>
+            </a:r>
+            <a:r>
               <a:rPr lang="sk-SK" sz="2200" dirty="0"/>
-              <a:t>J</a:t>
-            </a:r>
-            <a:r>
-              <a:rPr lang="en-US" sz="2200" dirty="0" err="1"/>
-              <a:t>uraj</a:t>
-            </a:r>
-            <a:r>
-              <a:rPr lang="sk-SK" sz="2200" dirty="0"/>
-              <a:t> </a:t>
-            </a:r>
-            <a:r>
-              <a:rPr lang="en-US" sz="2200" dirty="0"/>
-              <a:t>H</a:t>
-            </a:r>
-            <a:r>
-              <a:rPr lang="sk-SK" sz="2200" dirty="0"/>
-              <a:t>.</a:t>
+              <a:t>áš G.</a:t>
             </a:r>
             <a:r>
               <a:rPr lang="en-US" sz="2200" dirty="0"/>
               <a:t>)</a:t>
             </a:r>
-            <a:endParaRPr lang="en-US" dirty="0"/>
           </a:p>
         </p:txBody>
       </p:sp>
@@ -6467,7 +7013,7 @@
           <p:cNvPr id="3" name="Content Placeholder 2">
             <a:extLst>
               <a:ext uri="{FF2B5EF4-FFF2-40B4-BE49-F238E27FC236}">
-                <a16:creationId xmlns:a16="http://schemas.microsoft.com/office/drawing/2014/main" id="{E524F3D2-9EB8-4ACD-83C7-9ADC88E1EFD3}"/>
+                <a16:creationId xmlns:a16="http://schemas.microsoft.com/office/drawing/2014/main" id="{E3F2C2F2-1FD9-4C20-9807-76CF5E3F462B}"/>
               </a:ext>
             </a:extLst>
           </p:cNvPr>
@@ -6478,645 +7024,1541 @@
             <p:ph idx="1"/>
           </p:nvPr>
         </p:nvSpPr>
-        <p:spPr/>
+        <p:spPr>
+          <a:xfrm>
+            <a:off x="457200" y="1600200"/>
+            <a:ext cx="8435280" cy="4525963"/>
+          </a:xfrm>
+        </p:spPr>
         <p:txBody>
           <a:bodyPr>
-            <a:normAutofit fontScale="92500" lnSpcReduction="20000"/>
+            <a:noAutofit/>
           </a:bodyPr>
           <a:lstStyle/>
           <a:p>
-            <a:pPr marL="514350" indent="-514350">
-              <a:buFont typeface="+mj-lt"/>
-              <a:buAutoNum type="alphaLcPeriod"/>
+            <a:pPr>
+              <a:buAutoNum type="alphaLcParenR"/>
             </a:pPr>
             <a:r>
-              <a:rPr lang="en-US" sz="1800" dirty="0" err="1"/>
-              <a:t>System.out.println</a:t>
-            </a:r>
-            <a:r>
-              <a:rPr lang="en-US" sz="1800" dirty="0"/>
-              <a:t>(null) </a:t>
-            </a:r>
-            <a:r>
-              <a:rPr lang="en-US" sz="1800" dirty="0" err="1"/>
-              <a:t>vypise</a:t>
-            </a:r>
-            <a:r>
-              <a:rPr lang="en-US" sz="1800" dirty="0"/>
-              <a:t> "null". Preto v </a:t>
-            </a:r>
-            <a:r>
-              <a:rPr lang="en-US" sz="1800" dirty="0" err="1"/>
-              <a:t>priklade</a:t>
-            </a:r>
-            <a:r>
-              <a:rPr lang="en-US" sz="1800" dirty="0"/>
-              <a:t> 3a):</a:t>
-            </a:r>
-          </a:p>
-          <a:p>
-            <a:pPr marL="457200" lvl="1" indent="0">
-              <a:buNone/>
+              <a:rPr lang="en-US" sz="1600" dirty="0" err="1">
+                <a:latin typeface="Arial" panose="020B0604020202020204" pitchFamily="34" charset="0"/>
+                <a:cs typeface="Arial" panose="020B0604020202020204" pitchFamily="34" charset="0"/>
+              </a:rPr>
+              <a:t>viacero</a:t>
+            </a:r>
+            <a:r>
+              <a:rPr lang="en-US" sz="1600" dirty="0">
+                <a:latin typeface="Arial" panose="020B0604020202020204" pitchFamily="34" charset="0"/>
+                <a:cs typeface="Arial" panose="020B0604020202020204" pitchFamily="34" charset="0"/>
+              </a:rPr>
+              <a:t> </a:t>
+            </a:r>
+            <a:r>
+              <a:rPr lang="en-US" sz="1600" dirty="0" err="1">
+                <a:latin typeface="Arial" panose="020B0604020202020204" pitchFamily="34" charset="0"/>
+                <a:cs typeface="Arial" panose="020B0604020202020204" pitchFamily="34" charset="0"/>
+              </a:rPr>
+              <a:t>ľudí</a:t>
+            </a:r>
+            <a:r>
+              <a:rPr lang="en-US" sz="1600" dirty="0">
+                <a:latin typeface="Arial" panose="020B0604020202020204" pitchFamily="34" charset="0"/>
+                <a:cs typeface="Arial" panose="020B0604020202020204" pitchFamily="34" charset="0"/>
+              </a:rPr>
+              <a:t> </a:t>
+            </a:r>
+            <a:r>
+              <a:rPr lang="en-US" sz="1600" dirty="0" err="1">
+                <a:latin typeface="Arial" panose="020B0604020202020204" pitchFamily="34" charset="0"/>
+                <a:cs typeface="Arial" panose="020B0604020202020204" pitchFamily="34" charset="0"/>
+              </a:rPr>
+              <a:t>písalo</a:t>
+            </a:r>
+            <a:r>
+              <a:rPr lang="en-US" sz="1600" dirty="0">
+                <a:latin typeface="Arial" panose="020B0604020202020204" pitchFamily="34" charset="0"/>
+                <a:cs typeface="Arial" panose="020B0604020202020204" pitchFamily="34" charset="0"/>
+              </a:rPr>
+              <a:t> </a:t>
+            </a:r>
+            <a:r>
+              <a:rPr lang="en-US" sz="1600" dirty="0" err="1">
+                <a:latin typeface="Arial" panose="020B0604020202020204" pitchFamily="34" charset="0"/>
+                <a:cs typeface="Arial" panose="020B0604020202020204" pitchFamily="34" charset="0"/>
+              </a:rPr>
+              <a:t>referenciu</a:t>
+            </a:r>
+            <a:r>
+              <a:rPr lang="en-US" sz="1600" dirty="0">
+                <a:latin typeface="Arial" panose="020B0604020202020204" pitchFamily="34" charset="0"/>
+                <a:cs typeface="Arial" panose="020B0604020202020204" pitchFamily="34" charset="0"/>
+              </a:rPr>
+              <a:t> "root". </a:t>
+            </a:r>
+            <a:r>
+              <a:rPr lang="en-US" sz="1600" dirty="0" err="1">
+                <a:latin typeface="Arial" panose="020B0604020202020204" pitchFamily="34" charset="0"/>
+                <a:cs typeface="Arial" panose="020B0604020202020204" pitchFamily="34" charset="0"/>
+              </a:rPr>
+              <a:t>Implementovali</a:t>
+            </a:r>
+            <a:r>
+              <a:rPr lang="en-US" sz="1600" dirty="0">
+                <a:latin typeface="Arial" panose="020B0604020202020204" pitchFamily="34" charset="0"/>
+                <a:cs typeface="Arial" panose="020B0604020202020204" pitchFamily="34" charset="0"/>
+              </a:rPr>
+              <a:t> </a:t>
+            </a:r>
+            <a:r>
+              <a:rPr lang="en-US" sz="1600" dirty="0" err="1">
+                <a:latin typeface="Arial" panose="020B0604020202020204" pitchFamily="34" charset="0"/>
+                <a:cs typeface="Arial" panose="020B0604020202020204" pitchFamily="34" charset="0"/>
+              </a:rPr>
+              <a:t>ste</a:t>
+            </a:r>
+            <a:r>
+              <a:rPr lang="en-US" sz="1600" dirty="0">
+                <a:latin typeface="Arial" panose="020B0604020202020204" pitchFamily="34" charset="0"/>
+                <a:cs typeface="Arial" panose="020B0604020202020204" pitchFamily="34" charset="0"/>
+              </a:rPr>
+              <a:t> Node, </a:t>
+            </a:r>
+            <a:r>
+              <a:rPr lang="en-US" sz="1600" dirty="0" err="1">
+                <a:latin typeface="Arial" panose="020B0604020202020204" pitchFamily="34" charset="0"/>
+                <a:cs typeface="Arial" panose="020B0604020202020204" pitchFamily="34" charset="0"/>
+              </a:rPr>
+              <a:t>ktorý</a:t>
+            </a:r>
+            <a:r>
+              <a:rPr lang="en-US" sz="1600" dirty="0">
+                <a:latin typeface="Arial" panose="020B0604020202020204" pitchFamily="34" charset="0"/>
+                <a:cs typeface="Arial" panose="020B0604020202020204" pitchFamily="34" charset="0"/>
+              </a:rPr>
+              <a:t> </a:t>
+            </a:r>
+            <a:r>
+              <a:rPr lang="en-US" sz="1600" dirty="0" err="1">
+                <a:latin typeface="Arial" panose="020B0604020202020204" pitchFamily="34" charset="0"/>
+                <a:cs typeface="Arial" panose="020B0604020202020204" pitchFamily="34" charset="0"/>
+              </a:rPr>
+              <a:t>má</a:t>
+            </a:r>
+            <a:r>
+              <a:rPr lang="en-US" sz="1600" dirty="0">
+                <a:latin typeface="Arial" panose="020B0604020202020204" pitchFamily="34" charset="0"/>
+                <a:cs typeface="Arial" panose="020B0604020202020204" pitchFamily="34" charset="0"/>
+              </a:rPr>
+              <a:t> </a:t>
+            </a:r>
+            <a:r>
+              <a:rPr lang="en-US" sz="1600" dirty="0" err="1">
+                <a:latin typeface="Arial" panose="020B0604020202020204" pitchFamily="34" charset="0"/>
+                <a:cs typeface="Arial" panose="020B0604020202020204" pitchFamily="34" charset="0"/>
+              </a:rPr>
+              <a:t>len</a:t>
+            </a:r>
+            <a:r>
+              <a:rPr lang="en-US" sz="1600" dirty="0">
+                <a:latin typeface="Arial" panose="020B0604020202020204" pitchFamily="34" charset="0"/>
+                <a:cs typeface="Arial" panose="020B0604020202020204" pitchFamily="34" charset="0"/>
+              </a:rPr>
+              <a:t> </a:t>
+            </a:r>
+            <a:r>
+              <a:rPr lang="en-US" sz="1600" dirty="0" err="1">
+                <a:latin typeface="Arial" panose="020B0604020202020204" pitchFamily="34" charset="0"/>
+                <a:cs typeface="Arial" panose="020B0604020202020204" pitchFamily="34" charset="0"/>
+              </a:rPr>
+              <a:t>sam</a:t>
+            </a:r>
+            <a:r>
+              <a:rPr lang="en-US" sz="1600" dirty="0">
+                <a:latin typeface="Arial" panose="020B0604020202020204" pitchFamily="34" charset="0"/>
+                <a:cs typeface="Arial" panose="020B0604020202020204" pitchFamily="34" charset="0"/>
+              </a:rPr>
+              <a:t> </a:t>
+            </a:r>
+            <a:r>
+              <a:rPr lang="en-US" sz="1600" dirty="0" err="1">
+                <a:latin typeface="Arial" panose="020B0604020202020204" pitchFamily="34" charset="0"/>
+                <a:cs typeface="Arial" panose="020B0604020202020204" pitchFamily="34" charset="0"/>
+              </a:rPr>
+              <a:t>seba</a:t>
+            </a:r>
+            <a:r>
+              <a:rPr lang="en-US" sz="1600" dirty="0">
+                <a:latin typeface="Arial" panose="020B0604020202020204" pitchFamily="34" charset="0"/>
+                <a:cs typeface="Arial" panose="020B0604020202020204" pitchFamily="34" charset="0"/>
+              </a:rPr>
+              <a:t>, </a:t>
+            </a:r>
+            <a:r>
+              <a:rPr lang="en-US" sz="1600" dirty="0" err="1">
+                <a:latin typeface="Arial" panose="020B0604020202020204" pitchFamily="34" charset="0"/>
+                <a:cs typeface="Arial" panose="020B0604020202020204" pitchFamily="34" charset="0"/>
+              </a:rPr>
+              <a:t>nie</a:t>
+            </a:r>
+            <a:r>
+              <a:rPr lang="en-US" sz="1600" dirty="0">
+                <a:latin typeface="Arial" panose="020B0604020202020204" pitchFamily="34" charset="0"/>
+                <a:cs typeface="Arial" panose="020B0604020202020204" pitchFamily="34" charset="0"/>
+              </a:rPr>
+              <a:t> Strom s </a:t>
+            </a:r>
+            <a:r>
+              <a:rPr lang="en-US" sz="1600" dirty="0" err="1">
+                <a:latin typeface="Arial" panose="020B0604020202020204" pitchFamily="34" charset="0"/>
+                <a:cs typeface="Arial" panose="020B0604020202020204" pitchFamily="34" charset="0"/>
+              </a:rPr>
+              <a:t>referenciou</a:t>
+            </a:r>
+            <a:r>
+              <a:rPr lang="en-US" sz="1600" dirty="0">
+                <a:latin typeface="Arial" panose="020B0604020202020204" pitchFamily="34" charset="0"/>
+                <a:cs typeface="Arial" panose="020B0604020202020204" pitchFamily="34" charset="0"/>
+              </a:rPr>
+              <a:t> </a:t>
+            </a:r>
+            <a:r>
+              <a:rPr lang="en-US" sz="1600" dirty="0" err="1">
+                <a:latin typeface="Arial" panose="020B0604020202020204" pitchFamily="34" charset="0"/>
+                <a:cs typeface="Arial" panose="020B0604020202020204" pitchFamily="34" charset="0"/>
+              </a:rPr>
+              <a:t>na</a:t>
+            </a:r>
+            <a:r>
+              <a:rPr lang="en-US" sz="1600" dirty="0">
+                <a:latin typeface="Arial" panose="020B0604020202020204" pitchFamily="34" charset="0"/>
+                <a:cs typeface="Arial" panose="020B0604020202020204" pitchFamily="34" charset="0"/>
+              </a:rPr>
+              <a:t> </a:t>
+            </a:r>
+            <a:r>
+              <a:rPr lang="en-US" sz="1600" dirty="0" err="1">
+                <a:latin typeface="Arial" panose="020B0604020202020204" pitchFamily="34" charset="0"/>
+                <a:cs typeface="Arial" panose="020B0604020202020204" pitchFamily="34" charset="0"/>
+              </a:rPr>
+              <a:t>koreňový</a:t>
+            </a:r>
+            <a:r>
+              <a:rPr lang="en-US" sz="1600" dirty="0">
+                <a:latin typeface="Arial" panose="020B0604020202020204" pitchFamily="34" charset="0"/>
+                <a:cs typeface="Arial" panose="020B0604020202020204" pitchFamily="34" charset="0"/>
+              </a:rPr>
+              <a:t> </a:t>
+            </a:r>
+            <a:r>
+              <a:rPr lang="en-US" sz="1600" dirty="0" err="1">
+                <a:latin typeface="Arial" panose="020B0604020202020204" pitchFamily="34" charset="0"/>
+                <a:cs typeface="Arial" panose="020B0604020202020204" pitchFamily="34" charset="0"/>
+              </a:rPr>
+              <a:t>vrchol</a:t>
+            </a:r>
+            <a:r>
+              <a:rPr lang="en-US" sz="1600" dirty="0">
+                <a:latin typeface="Arial" panose="020B0604020202020204" pitchFamily="34" charset="0"/>
+                <a:cs typeface="Arial" panose="020B0604020202020204" pitchFamily="34" charset="0"/>
+              </a:rPr>
+              <a:t>.</a:t>
+            </a:r>
+            <a:br>
+              <a:rPr lang="en-US" sz="1600" dirty="0">
+                <a:latin typeface="Arial" panose="020B0604020202020204" pitchFamily="34" charset="0"/>
+                <a:cs typeface="Arial" panose="020B0604020202020204" pitchFamily="34" charset="0"/>
+              </a:rPr>
+            </a:br>
+            <a:endParaRPr lang="sk-SK" sz="1600" dirty="0">
+              <a:latin typeface="Arial" panose="020B0604020202020204" pitchFamily="34" charset="0"/>
+              <a:cs typeface="Arial" panose="020B0604020202020204" pitchFamily="34" charset="0"/>
+            </a:endParaRPr>
+          </a:p>
+          <a:p>
+            <a:pPr>
+              <a:buAutoNum type="alphaLcParenR"/>
             </a:pPr>
             <a:r>
-              <a:rPr lang="en-US" sz="1600" dirty="0">
-                <a:latin typeface="Consolas" panose="020B0609020204030204" pitchFamily="49" charset="0"/>
-              </a:rPr>
-              <a:t>Integer[][] a = {{1, 2, 3, 4, 5, 6, 7, 8, 9, null }}   // </a:t>
-            </a:r>
-            <a:r>
               <a:rPr lang="en-US" sz="1600" dirty="0" err="1">
-                <a:latin typeface="Consolas" panose="020B0609020204030204" pitchFamily="49" charset="0"/>
-              </a:rPr>
-              <a:t>vypise</a:t>
-            </a:r>
-            <a:r>
-              <a:rPr lang="en-US" sz="1600" dirty="0">
-                <a:latin typeface="Consolas" panose="020B0609020204030204" pitchFamily="49" charset="0"/>
-              </a:rPr>
-              <a:t> 123456789null </a:t>
-            </a:r>
-            <a:r>
-              <a:rPr lang="en-US" sz="1600" dirty="0">
-                <a:solidFill>
-                  <a:srgbClr val="FF0000"/>
-                </a:solidFill>
-                <a:latin typeface="Consolas" panose="020B0609020204030204" pitchFamily="49" charset="0"/>
-              </a:rPr>
-              <a:t>ale </a:t>
+                <a:latin typeface="Arial" panose="020B0604020202020204" pitchFamily="34" charset="0"/>
+                <a:cs typeface="Arial" panose="020B0604020202020204" pitchFamily="34" charset="0"/>
+              </a:rPr>
+              <a:t>všeobecný</a:t>
+            </a:r>
+            <a:r>
+              <a:rPr lang="en-US" sz="1600" dirty="0">
+                <a:latin typeface="Arial" panose="020B0604020202020204" pitchFamily="34" charset="0"/>
+                <a:cs typeface="Arial" panose="020B0604020202020204" pitchFamily="34" charset="0"/>
+              </a:rPr>
+              <a:t> </a:t>
             </a:r>
             <a:r>
               <a:rPr lang="en-US" sz="1600" dirty="0" err="1">
-                <a:solidFill>
-                  <a:srgbClr val="FF0000"/>
-                </a:solidFill>
-                <a:latin typeface="Consolas" panose="020B0609020204030204" pitchFamily="49" charset="0"/>
-              </a:rPr>
-              <a:t>nespadne</a:t>
-            </a:r>
-            <a:r>
-              <a:rPr lang="en-US" sz="1600" dirty="0">
-                <a:solidFill>
-                  <a:srgbClr val="FF0000"/>
-                </a:solidFill>
-                <a:latin typeface="Consolas" panose="020B0609020204030204" pitchFamily="49" charset="0"/>
-              </a:rPr>
-              <a:t>  </a:t>
-            </a:r>
-          </a:p>
-          <a:p>
-            <a:pPr marL="457200" lvl="1" indent="0">
-              <a:buNone/>
+                <a:latin typeface="Arial" panose="020B0604020202020204" pitchFamily="34" charset="0"/>
+                <a:cs typeface="Arial" panose="020B0604020202020204" pitchFamily="34" charset="0"/>
+              </a:rPr>
+              <a:t>strom</a:t>
+            </a:r>
+            <a:r>
+              <a:rPr lang="en-US" sz="1600" dirty="0">
+                <a:latin typeface="Arial" panose="020B0604020202020204" pitchFamily="34" charset="0"/>
+                <a:cs typeface="Arial" panose="020B0604020202020204" pitchFamily="34" charset="0"/>
+              </a:rPr>
+              <a:t> </a:t>
+            </a:r>
+            <a:r>
+              <a:rPr lang="en-US" sz="1600" dirty="0" err="1">
+                <a:latin typeface="Arial" panose="020B0604020202020204" pitchFamily="34" charset="0"/>
+                <a:cs typeface="Arial" panose="020B0604020202020204" pitchFamily="34" charset="0"/>
+              </a:rPr>
+              <a:t>má</a:t>
+            </a:r>
+            <a:r>
+              <a:rPr lang="en-US" sz="1600" dirty="0">
+                <a:latin typeface="Arial" panose="020B0604020202020204" pitchFamily="34" charset="0"/>
+                <a:cs typeface="Arial" panose="020B0604020202020204" pitchFamily="34" charset="0"/>
+              </a:rPr>
+              <a:t> list </a:t>
+            </a:r>
+            <a:r>
+              <a:rPr lang="en-US" sz="1600" dirty="0" err="1">
+                <a:latin typeface="Arial" panose="020B0604020202020204" pitchFamily="34" charset="0"/>
+                <a:cs typeface="Arial" panose="020B0604020202020204" pitchFamily="34" charset="0"/>
+              </a:rPr>
+              <a:t>potomkov</a:t>
+            </a:r>
+            <a:r>
+              <a:rPr lang="en-US" sz="1600" dirty="0">
+                <a:latin typeface="Arial" panose="020B0604020202020204" pitchFamily="34" charset="0"/>
+                <a:cs typeface="Arial" panose="020B0604020202020204" pitchFamily="34" charset="0"/>
+              </a:rPr>
+              <a:t>, </a:t>
+            </a:r>
+            <a:r>
+              <a:rPr lang="en-US" sz="1600" dirty="0" err="1">
+                <a:latin typeface="Arial" panose="020B0604020202020204" pitchFamily="34" charset="0"/>
+                <a:cs typeface="Arial" panose="020B0604020202020204" pitchFamily="34" charset="0"/>
+              </a:rPr>
+              <a:t>žiadne</a:t>
+            </a:r>
+            <a:r>
+              <a:rPr lang="en-US" sz="1600" dirty="0">
+                <a:latin typeface="Arial" panose="020B0604020202020204" pitchFamily="34" charset="0"/>
+                <a:cs typeface="Arial" panose="020B0604020202020204" pitchFamily="34" charset="0"/>
+              </a:rPr>
+              <a:t> .left, </a:t>
+            </a:r>
+            <a:r>
+              <a:rPr lang="en-US" sz="1600" dirty="0" err="1">
+                <a:latin typeface="Arial" panose="020B0604020202020204" pitchFamily="34" charset="0"/>
+                <a:cs typeface="Arial" panose="020B0604020202020204" pitchFamily="34" charset="0"/>
+              </a:rPr>
+              <a:t>či</a:t>
+            </a:r>
+            <a:r>
+              <a:rPr lang="en-US" sz="1600" dirty="0">
+                <a:latin typeface="Arial" panose="020B0604020202020204" pitchFamily="34" charset="0"/>
+                <a:cs typeface="Arial" panose="020B0604020202020204" pitchFamily="34" charset="0"/>
+              </a:rPr>
+              <a:t> .right... </a:t>
+            </a:r>
+            <a:r>
+              <a:rPr lang="en-US" sz="1600" dirty="0" err="1">
+                <a:latin typeface="Arial" panose="020B0604020202020204" pitchFamily="34" charset="0"/>
+                <a:cs typeface="Arial" panose="020B0604020202020204" pitchFamily="34" charset="0"/>
+              </a:rPr>
+              <a:t>Stačilo</a:t>
+            </a:r>
+            <a:r>
+              <a:rPr lang="en-US" sz="1600" dirty="0">
+                <a:latin typeface="Arial" panose="020B0604020202020204" pitchFamily="34" charset="0"/>
+                <a:cs typeface="Arial" panose="020B0604020202020204" pitchFamily="34" charset="0"/>
+              </a:rPr>
+              <a:t> </a:t>
+            </a:r>
+            <a:r>
+              <a:rPr lang="en-US" sz="1600" dirty="0" err="1">
+                <a:latin typeface="Arial" panose="020B0604020202020204" pitchFamily="34" charset="0"/>
+                <a:cs typeface="Arial" panose="020B0604020202020204" pitchFamily="34" charset="0"/>
+              </a:rPr>
+              <a:t>si</a:t>
+            </a:r>
+            <a:r>
+              <a:rPr lang="en-US" sz="1600" dirty="0">
+                <a:latin typeface="Arial" panose="020B0604020202020204" pitchFamily="34" charset="0"/>
+                <a:cs typeface="Arial" panose="020B0604020202020204" pitchFamily="34" charset="0"/>
+              </a:rPr>
+              <a:t> </a:t>
+            </a:r>
+            <a:r>
+              <a:rPr lang="en-US" sz="1600" dirty="0" err="1">
+                <a:latin typeface="Arial" panose="020B0604020202020204" pitchFamily="34" charset="0"/>
+                <a:cs typeface="Arial" panose="020B0604020202020204" pitchFamily="34" charset="0"/>
+              </a:rPr>
+              <a:t>pozrieť</a:t>
+            </a:r>
+            <a:r>
+              <a:rPr lang="en-US" sz="1600" dirty="0">
+                <a:latin typeface="Arial" panose="020B0604020202020204" pitchFamily="34" charset="0"/>
+                <a:cs typeface="Arial" panose="020B0604020202020204" pitchFamily="34" charset="0"/>
+              </a:rPr>
+              <a:t> </a:t>
+            </a:r>
+            <a:r>
+              <a:rPr lang="en-US" sz="1600" dirty="0" err="1">
+                <a:latin typeface="Arial" panose="020B0604020202020204" pitchFamily="34" charset="0"/>
+                <a:cs typeface="Arial" panose="020B0604020202020204" pitchFamily="34" charset="0"/>
+              </a:rPr>
+              <a:t>atribúty</a:t>
+            </a:r>
+            <a:r>
+              <a:rPr lang="en-US" sz="1600" dirty="0">
+                <a:latin typeface="Arial" panose="020B0604020202020204" pitchFamily="34" charset="0"/>
+                <a:cs typeface="Arial" panose="020B0604020202020204" pitchFamily="34" charset="0"/>
+              </a:rPr>
+              <a:t> v </a:t>
+            </a:r>
+            <a:r>
+              <a:rPr lang="en-US" sz="1600" dirty="0" err="1">
+                <a:latin typeface="Arial" panose="020B0604020202020204" pitchFamily="34" charset="0"/>
+                <a:cs typeface="Arial" panose="020B0604020202020204" pitchFamily="34" charset="0"/>
+              </a:rPr>
+              <a:t>zadaní</a:t>
+            </a:r>
+            <a:endParaRPr lang="sk-SK" sz="1600" dirty="0">
+              <a:latin typeface="Arial" panose="020B0604020202020204" pitchFamily="34" charset="0"/>
+              <a:cs typeface="Arial" panose="020B0604020202020204" pitchFamily="34" charset="0"/>
+            </a:endParaRPr>
+          </a:p>
+          <a:p>
+            <a:pPr>
+              <a:buAutoNum type="alphaLcParenR"/>
             </a:pPr>
+            <a:r>
+              <a:rPr lang="en-US" sz="1600" dirty="0" err="1">
+                <a:latin typeface="Arial" panose="020B0604020202020204" pitchFamily="34" charset="0"/>
+                <a:cs typeface="Arial" panose="020B0604020202020204" pitchFamily="34" charset="0"/>
+              </a:rPr>
+              <a:t>niektorí</a:t>
+            </a:r>
+            <a:r>
+              <a:rPr lang="en-US" sz="1600" dirty="0">
+                <a:latin typeface="Arial" panose="020B0604020202020204" pitchFamily="34" charset="0"/>
+                <a:cs typeface="Arial" panose="020B0604020202020204" pitchFamily="34" charset="0"/>
+              </a:rPr>
+              <a:t> </a:t>
+            </a:r>
+            <a:r>
+              <a:rPr lang="en-US" sz="1600" dirty="0" err="1">
+                <a:latin typeface="Arial" panose="020B0604020202020204" pitchFamily="34" charset="0"/>
+                <a:cs typeface="Arial" panose="020B0604020202020204" pitchFamily="34" charset="0"/>
+              </a:rPr>
+              <a:t>prechádzali</a:t>
+            </a:r>
+            <a:r>
+              <a:rPr lang="en-US" sz="1600" dirty="0">
+                <a:latin typeface="Arial" panose="020B0604020202020204" pitchFamily="34" charset="0"/>
+                <a:cs typeface="Arial" panose="020B0604020202020204" pitchFamily="34" charset="0"/>
+              </a:rPr>
+              <a:t> </a:t>
+            </a:r>
+            <a:r>
+              <a:rPr lang="en-US" sz="1600" dirty="0" err="1">
+                <a:latin typeface="Arial" panose="020B0604020202020204" pitchFamily="34" charset="0"/>
+                <a:cs typeface="Arial" panose="020B0604020202020204" pitchFamily="34" charset="0"/>
+              </a:rPr>
+              <a:t>zoznam</a:t>
+            </a:r>
+            <a:r>
+              <a:rPr lang="en-US" sz="1600" dirty="0">
+                <a:latin typeface="Arial" panose="020B0604020202020204" pitchFamily="34" charset="0"/>
+                <a:cs typeface="Arial" panose="020B0604020202020204" pitchFamily="34" charset="0"/>
+              </a:rPr>
+              <a:t> </a:t>
+            </a:r>
+            <a:r>
+              <a:rPr lang="en-US" sz="1600" dirty="0" err="1">
+                <a:latin typeface="Arial" panose="020B0604020202020204" pitchFamily="34" charset="0"/>
+                <a:cs typeface="Arial" panose="020B0604020202020204" pitchFamily="34" charset="0"/>
+              </a:rPr>
+              <a:t>potomkov</a:t>
+            </a:r>
+            <a:r>
+              <a:rPr lang="en-US" sz="1600" dirty="0">
+                <a:latin typeface="Arial" panose="020B0604020202020204" pitchFamily="34" charset="0"/>
+                <a:cs typeface="Arial" panose="020B0604020202020204" pitchFamily="34" charset="0"/>
+              </a:rPr>
+              <a:t> </a:t>
+            </a:r>
+            <a:r>
+              <a:rPr lang="en-US" sz="1600" dirty="0" err="1">
+                <a:latin typeface="Arial" panose="020B0604020202020204" pitchFamily="34" charset="0"/>
+                <a:cs typeface="Arial" panose="020B0604020202020204" pitchFamily="34" charset="0"/>
+              </a:rPr>
+              <a:t>ako</a:t>
+            </a:r>
+            <a:r>
+              <a:rPr lang="en-US" sz="1600" dirty="0">
+                <a:latin typeface="Arial" panose="020B0604020202020204" pitchFamily="34" charset="0"/>
+                <a:cs typeface="Arial" panose="020B0604020202020204" pitchFamily="34" charset="0"/>
+              </a:rPr>
+              <a:t> for (Integer </a:t>
+            </a:r>
+            <a:r>
+              <a:rPr lang="en-US" sz="1600" dirty="0" err="1">
+                <a:latin typeface="Arial" panose="020B0604020202020204" pitchFamily="34" charset="0"/>
+                <a:cs typeface="Arial" panose="020B0604020202020204" pitchFamily="34" charset="0"/>
+              </a:rPr>
+              <a:t>i</a:t>
+            </a:r>
+            <a:r>
+              <a:rPr lang="en-US" sz="1600" dirty="0">
+                <a:latin typeface="Arial" panose="020B0604020202020204" pitchFamily="34" charset="0"/>
+                <a:cs typeface="Arial" panose="020B0604020202020204" pitchFamily="34" charset="0"/>
+              </a:rPr>
+              <a:t> : divisors). </a:t>
+            </a:r>
+            <a:r>
+              <a:rPr lang="en-US" sz="1600" dirty="0" err="1">
+                <a:latin typeface="Arial" panose="020B0604020202020204" pitchFamily="34" charset="0"/>
+                <a:cs typeface="Arial" panose="020B0604020202020204" pitchFamily="34" charset="0"/>
+              </a:rPr>
+              <a:t>Znova</a:t>
+            </a:r>
+            <a:r>
+              <a:rPr lang="en-US" sz="1600" dirty="0">
+                <a:latin typeface="Arial" panose="020B0604020202020204" pitchFamily="34" charset="0"/>
+                <a:cs typeface="Arial" panose="020B0604020202020204" pitchFamily="34" charset="0"/>
+              </a:rPr>
+              <a:t>, </a:t>
+            </a:r>
+            <a:r>
+              <a:rPr lang="en-US" sz="1600" dirty="0" err="1">
+                <a:latin typeface="Arial" panose="020B0604020202020204" pitchFamily="34" charset="0"/>
+                <a:cs typeface="Arial" panose="020B0604020202020204" pitchFamily="34" charset="0"/>
+              </a:rPr>
+              <a:t>pozrieť</a:t>
+            </a:r>
+            <a:r>
+              <a:rPr lang="en-US" sz="1600" dirty="0">
+                <a:latin typeface="Arial" panose="020B0604020202020204" pitchFamily="34" charset="0"/>
+                <a:cs typeface="Arial" panose="020B0604020202020204" pitchFamily="34" charset="0"/>
+              </a:rPr>
+              <a:t> </a:t>
+            </a:r>
+            <a:r>
+              <a:rPr lang="en-US" sz="1600" dirty="0" err="1">
+                <a:latin typeface="Arial" panose="020B0604020202020204" pitchFamily="34" charset="0"/>
+                <a:cs typeface="Arial" panose="020B0604020202020204" pitchFamily="34" charset="0"/>
+              </a:rPr>
+              <a:t>atribúty</a:t>
+            </a:r>
+            <a:r>
+              <a:rPr lang="en-US" sz="1600" dirty="0">
+                <a:latin typeface="Arial" panose="020B0604020202020204" pitchFamily="34" charset="0"/>
+                <a:cs typeface="Arial" panose="020B0604020202020204" pitchFamily="34" charset="0"/>
+              </a:rPr>
+              <a:t>! Node mal List&lt;Node&gt;, </a:t>
+            </a:r>
+            <a:r>
+              <a:rPr lang="en-US" sz="1600" dirty="0" err="1">
+                <a:latin typeface="Arial" panose="020B0604020202020204" pitchFamily="34" charset="0"/>
+                <a:cs typeface="Arial" panose="020B0604020202020204" pitchFamily="34" charset="0"/>
+              </a:rPr>
+              <a:t>teda</a:t>
+            </a:r>
+            <a:r>
+              <a:rPr lang="en-US" sz="1600" dirty="0">
+                <a:latin typeface="Arial" panose="020B0604020202020204" pitchFamily="34" charset="0"/>
+                <a:cs typeface="Arial" panose="020B0604020202020204" pitchFamily="34" charset="0"/>
+              </a:rPr>
+              <a:t> </a:t>
+            </a:r>
+            <a:r>
+              <a:rPr lang="en-US" sz="1600" dirty="0" err="1">
+                <a:latin typeface="Arial" panose="020B0604020202020204" pitchFamily="34" charset="0"/>
+                <a:cs typeface="Arial" panose="020B0604020202020204" pitchFamily="34" charset="0"/>
+              </a:rPr>
+              <a:t>zoznam</a:t>
+            </a:r>
+            <a:r>
+              <a:rPr lang="en-US" sz="1600" dirty="0">
+                <a:latin typeface="Arial" panose="020B0604020202020204" pitchFamily="34" charset="0"/>
+                <a:cs typeface="Arial" panose="020B0604020202020204" pitchFamily="34" charset="0"/>
+              </a:rPr>
+              <a:t> </a:t>
+            </a:r>
+            <a:r>
+              <a:rPr lang="en-US" sz="1600" dirty="0" err="1">
+                <a:latin typeface="Arial" panose="020B0604020202020204" pitchFamily="34" charset="0"/>
+                <a:cs typeface="Arial" panose="020B0604020202020204" pitchFamily="34" charset="0"/>
+              </a:rPr>
+              <a:t>podvrcholov</a:t>
+            </a:r>
+            <a:r>
+              <a:rPr lang="en-US" sz="1600" dirty="0">
+                <a:latin typeface="Arial" panose="020B0604020202020204" pitchFamily="34" charset="0"/>
+                <a:cs typeface="Arial" panose="020B0604020202020204" pitchFamily="34" charset="0"/>
+              </a:rPr>
+              <a:t>, </a:t>
+            </a:r>
+            <a:r>
+              <a:rPr lang="en-US" sz="1600" dirty="0" err="1">
+                <a:latin typeface="Arial" panose="020B0604020202020204" pitchFamily="34" charset="0"/>
+                <a:cs typeface="Arial" panose="020B0604020202020204" pitchFamily="34" charset="0"/>
+              </a:rPr>
+              <a:t>nie</a:t>
+            </a:r>
+            <a:r>
+              <a:rPr lang="en-US" sz="1600" dirty="0">
+                <a:latin typeface="Arial" panose="020B0604020202020204" pitchFamily="34" charset="0"/>
+                <a:cs typeface="Arial" panose="020B0604020202020204" pitchFamily="34" charset="0"/>
+              </a:rPr>
+              <a:t> </a:t>
+            </a:r>
+            <a:r>
+              <a:rPr lang="en-US" sz="1600" dirty="0" err="1">
+                <a:latin typeface="Arial" panose="020B0604020202020204" pitchFamily="34" charset="0"/>
+                <a:cs typeface="Arial" panose="020B0604020202020204" pitchFamily="34" charset="0"/>
+              </a:rPr>
+              <a:t>Integerov</a:t>
+            </a:r>
+            <a:r>
+              <a:rPr lang="en-US" sz="1600" dirty="0">
+                <a:latin typeface="Arial" panose="020B0604020202020204" pitchFamily="34" charset="0"/>
+                <a:cs typeface="Arial" panose="020B0604020202020204" pitchFamily="34" charset="0"/>
+              </a:rPr>
+              <a:t>...</a:t>
+            </a:r>
             <a:br>
               <a:rPr lang="en-US" sz="1600" dirty="0">
-                <a:latin typeface="Consolas" panose="020B0609020204030204" pitchFamily="49" charset="0"/>
+                <a:latin typeface="Arial" panose="020B0604020202020204" pitchFamily="34" charset="0"/>
+                <a:cs typeface="Arial" panose="020B0604020202020204" pitchFamily="34" charset="0"/>
               </a:rPr>
             </a:br>
-            <a:r>
-              <a:rPr lang="en-US" sz="1600" dirty="0">
-                <a:latin typeface="Consolas" panose="020B0609020204030204" pitchFamily="49" charset="0"/>
-              </a:rPr>
-              <a:t>Integer[][] a = {{1, 2, 3, 4, 5, 6, 7, 8, 9}, null }   // </a:t>
-            </a:r>
+            <a:endParaRPr lang="sk-SK" sz="1600" dirty="0">
+              <a:latin typeface="Arial" panose="020B0604020202020204" pitchFamily="34" charset="0"/>
+              <a:cs typeface="Arial" panose="020B0604020202020204" pitchFamily="34" charset="0"/>
+            </a:endParaRPr>
+          </a:p>
+          <a:p>
+            <a:pPr>
+              <a:buAutoNum type="alphaLcParenR"/>
+            </a:pPr>
             <a:r>
               <a:rPr lang="en-US" sz="1600" dirty="0" err="1">
-                <a:latin typeface="Consolas" panose="020B0609020204030204" pitchFamily="49" charset="0"/>
-              </a:rPr>
-              <a:t>vypise</a:t>
-            </a:r>
-            <a:r>
-              <a:rPr lang="en-US" sz="1600" dirty="0">
-                <a:latin typeface="Consolas" panose="020B0609020204030204" pitchFamily="49" charset="0"/>
-              </a:rPr>
-              <a:t> 123456789 </a:t>
-            </a:r>
-            <a:r>
-              <a:rPr lang="en-US" sz="1600" dirty="0">
-                <a:solidFill>
-                  <a:srgbClr val="FF0000"/>
-                </a:solidFill>
-                <a:latin typeface="Consolas" panose="020B0609020204030204" pitchFamily="49" charset="0"/>
-              </a:rPr>
-              <a:t>a </a:t>
+                <a:latin typeface="Arial" panose="020B0604020202020204" pitchFamily="34" charset="0"/>
+                <a:cs typeface="Arial" panose="020B0604020202020204" pitchFamily="34" charset="0"/>
+              </a:rPr>
+              <a:t>keď</a:t>
+            </a:r>
+            <a:r>
+              <a:rPr lang="en-US" sz="1600" dirty="0">
+                <a:latin typeface="Arial" panose="020B0604020202020204" pitchFamily="34" charset="0"/>
+                <a:cs typeface="Arial" panose="020B0604020202020204" pitchFamily="34" charset="0"/>
+              </a:rPr>
+              <a:t> </a:t>
             </a:r>
             <a:r>
               <a:rPr lang="en-US" sz="1600" dirty="0" err="1">
-                <a:solidFill>
-                  <a:srgbClr val="FF0000"/>
-                </a:solidFill>
-                <a:latin typeface="Consolas" panose="020B0609020204030204" pitchFamily="49" charset="0"/>
-              </a:rPr>
-              <a:t>spadne</a:t>
-            </a:r>
-            <a:r>
-              <a:rPr lang="en-US" sz="1600" dirty="0">
-                <a:solidFill>
-                  <a:srgbClr val="FF0000"/>
-                </a:solidFill>
-                <a:latin typeface="Consolas" panose="020B0609020204030204" pitchFamily="49" charset="0"/>
+                <a:latin typeface="Arial" panose="020B0604020202020204" pitchFamily="34" charset="0"/>
+                <a:cs typeface="Arial" panose="020B0604020202020204" pitchFamily="34" charset="0"/>
+              </a:rPr>
+              <a:t>mám</a:t>
+            </a:r>
+            <a:r>
+              <a:rPr lang="en-US" sz="1600" dirty="0">
+                <a:latin typeface="Arial" panose="020B0604020202020204" pitchFamily="34" charset="0"/>
+                <a:cs typeface="Arial" panose="020B0604020202020204" pitchFamily="34" charset="0"/>
               </a:rPr>
               <a:t> </a:t>
             </a:r>
             <a:r>
               <a:rPr lang="en-US" sz="1600" dirty="0" err="1">
-                <a:solidFill>
-                  <a:srgbClr val="FF0000"/>
-                </a:solidFill>
-                <a:latin typeface="Consolas" panose="020B0609020204030204" pitchFamily="49" charset="0"/>
-              </a:rPr>
-              <a:t>na</a:t>
-            </a:r>
-            <a:r>
-              <a:rPr lang="en-US" sz="1600" dirty="0">
-                <a:solidFill>
-                  <a:srgbClr val="FF0000"/>
-                </a:solidFill>
-                <a:latin typeface="Consolas" panose="020B0609020204030204" pitchFamily="49" charset="0"/>
-              </a:rPr>
-              <a:t> </a:t>
+                <a:latin typeface="Arial" panose="020B0604020202020204" pitchFamily="34" charset="0"/>
+                <a:cs typeface="Arial" panose="020B0604020202020204" pitchFamily="34" charset="0"/>
+              </a:rPr>
+              <a:t>metódu</a:t>
+            </a:r>
+            <a:r>
+              <a:rPr lang="en-US" sz="1600" dirty="0">
+                <a:latin typeface="Arial" panose="020B0604020202020204" pitchFamily="34" charset="0"/>
+                <a:cs typeface="Arial" panose="020B0604020202020204" pitchFamily="34" charset="0"/>
+              </a:rPr>
+              <a:t> depth()/</a:t>
             </a:r>
             <a:r>
               <a:rPr lang="en-US" sz="1600" dirty="0" err="1">
-                <a:solidFill>
-                  <a:srgbClr val="FF0000"/>
-                </a:solidFill>
-                <a:latin typeface="Consolas" panose="020B0609020204030204" pitchFamily="49" charset="0"/>
-              </a:rPr>
-              <a:t>NullPointerException</a:t>
-            </a:r>
-            <a:endParaRPr lang="en-US" sz="1600" dirty="0">
-              <a:solidFill>
-                <a:srgbClr val="FF0000"/>
-              </a:solidFill>
-              <a:latin typeface="Consolas" panose="020B0609020204030204" pitchFamily="49" charset="0"/>
+                <a:latin typeface="Arial" panose="020B0604020202020204" pitchFamily="34" charset="0"/>
+                <a:cs typeface="Arial" panose="020B0604020202020204" pitchFamily="34" charset="0"/>
+              </a:rPr>
+              <a:t>toString</a:t>
+            </a:r>
+            <a:r>
+              <a:rPr lang="en-US" sz="1600" dirty="0">
+                <a:latin typeface="Arial" panose="020B0604020202020204" pitchFamily="34" charset="0"/>
+                <a:cs typeface="Arial" panose="020B0604020202020204" pitchFamily="34" charset="0"/>
+              </a:rPr>
+              <a:t>() ja, </a:t>
+            </a:r>
+            <a:r>
+              <a:rPr lang="en-US" sz="1600" dirty="0" err="1">
+                <a:latin typeface="Arial" panose="020B0604020202020204" pitchFamily="34" charset="0"/>
+                <a:cs typeface="Arial" panose="020B0604020202020204" pitchFamily="34" charset="0"/>
+              </a:rPr>
+              <a:t>tak</a:t>
+            </a:r>
+            <a:r>
+              <a:rPr lang="en-US" sz="1600" dirty="0">
+                <a:latin typeface="Arial" panose="020B0604020202020204" pitchFamily="34" charset="0"/>
+                <a:cs typeface="Arial" panose="020B0604020202020204" pitchFamily="34" charset="0"/>
+              </a:rPr>
+              <a:t> </a:t>
+            </a:r>
+            <a:r>
+              <a:rPr lang="en-US" sz="1600" dirty="0" err="1">
+                <a:latin typeface="Arial" panose="020B0604020202020204" pitchFamily="34" charset="0"/>
+                <a:cs typeface="Arial" panose="020B0604020202020204" pitchFamily="34" charset="0"/>
+              </a:rPr>
+              <a:t>ju</a:t>
+            </a:r>
+            <a:r>
+              <a:rPr lang="en-US" sz="1600" dirty="0">
+                <a:latin typeface="Arial" panose="020B0604020202020204" pitchFamily="34" charset="0"/>
+                <a:cs typeface="Arial" panose="020B0604020202020204" pitchFamily="34" charset="0"/>
+              </a:rPr>
+              <a:t> </a:t>
+            </a:r>
+            <a:r>
+              <a:rPr lang="en-US" sz="1600" dirty="0" err="1">
+                <a:latin typeface="Arial" panose="020B0604020202020204" pitchFamily="34" charset="0"/>
+                <a:cs typeface="Arial" panose="020B0604020202020204" pitchFamily="34" charset="0"/>
+              </a:rPr>
+              <a:t>majú</a:t>
+            </a:r>
+            <a:r>
+              <a:rPr lang="en-US" sz="1600" dirty="0">
+                <a:latin typeface="Arial" panose="020B0604020202020204" pitchFamily="34" charset="0"/>
+                <a:cs typeface="Arial" panose="020B0604020202020204" pitchFamily="34" charset="0"/>
+              </a:rPr>
+              <a:t> </a:t>
+            </a:r>
+            <a:r>
+              <a:rPr lang="en-US" sz="1600" dirty="0" err="1">
+                <a:latin typeface="Arial" panose="020B0604020202020204" pitchFamily="34" charset="0"/>
+                <a:cs typeface="Arial" panose="020B0604020202020204" pitchFamily="34" charset="0"/>
+              </a:rPr>
+              <a:t>aj</a:t>
+            </a:r>
+            <a:r>
+              <a:rPr lang="en-US" sz="1600" dirty="0">
+                <a:latin typeface="Arial" panose="020B0604020202020204" pitchFamily="34" charset="0"/>
+                <a:cs typeface="Arial" panose="020B0604020202020204" pitchFamily="34" charset="0"/>
+              </a:rPr>
+              <a:t> </a:t>
+            </a:r>
+            <a:r>
+              <a:rPr lang="en-US" sz="1600" dirty="0" err="1">
+                <a:latin typeface="Arial" panose="020B0604020202020204" pitchFamily="34" charset="0"/>
+                <a:cs typeface="Arial" panose="020B0604020202020204" pitchFamily="34" charset="0"/>
+              </a:rPr>
+              <a:t>všetky</a:t>
+            </a:r>
+            <a:r>
+              <a:rPr lang="en-US" sz="1600" dirty="0">
+                <a:latin typeface="Arial" panose="020B0604020202020204" pitchFamily="34" charset="0"/>
+                <a:cs typeface="Arial" panose="020B0604020202020204" pitchFamily="34" charset="0"/>
+              </a:rPr>
+              <a:t> </a:t>
+            </a:r>
+            <a:r>
+              <a:rPr lang="en-US" sz="1600" dirty="0" err="1">
+                <a:latin typeface="Arial" panose="020B0604020202020204" pitchFamily="34" charset="0"/>
+                <a:cs typeface="Arial" panose="020B0604020202020204" pitchFamily="34" charset="0"/>
+              </a:rPr>
+              <a:t>podvrcholy</a:t>
+            </a:r>
+            <a:r>
+              <a:rPr lang="en-US" sz="1600" dirty="0">
+                <a:latin typeface="Arial" panose="020B0604020202020204" pitchFamily="34" charset="0"/>
+                <a:cs typeface="Arial" panose="020B0604020202020204" pitchFamily="34" charset="0"/>
+              </a:rPr>
+              <a:t>, </a:t>
+            </a:r>
+            <a:r>
+              <a:rPr lang="en-US" sz="1600" dirty="0" err="1">
+                <a:latin typeface="Arial" panose="020B0604020202020204" pitchFamily="34" charset="0"/>
+                <a:cs typeface="Arial" panose="020B0604020202020204" pitchFamily="34" charset="0"/>
+              </a:rPr>
+              <a:t>keďže</a:t>
+            </a:r>
+            <a:r>
+              <a:rPr lang="en-US" sz="1600" dirty="0">
+                <a:latin typeface="Arial" panose="020B0604020202020204" pitchFamily="34" charset="0"/>
+                <a:cs typeface="Arial" panose="020B0604020202020204" pitchFamily="34" charset="0"/>
+              </a:rPr>
+              <a:t> </a:t>
+            </a:r>
+            <a:r>
+              <a:rPr lang="en-US" sz="1600" dirty="0" err="1">
+                <a:latin typeface="Arial" panose="020B0604020202020204" pitchFamily="34" charset="0"/>
+                <a:cs typeface="Arial" panose="020B0604020202020204" pitchFamily="34" charset="0"/>
+              </a:rPr>
+              <a:t>sú</a:t>
+            </a:r>
+            <a:r>
+              <a:rPr lang="en-US" sz="1600" dirty="0">
+                <a:latin typeface="Arial" panose="020B0604020202020204" pitchFamily="34" charset="0"/>
+                <a:cs typeface="Arial" panose="020B0604020202020204" pitchFamily="34" charset="0"/>
+              </a:rPr>
+              <a:t> </a:t>
+            </a:r>
+            <a:r>
+              <a:rPr lang="en-US" sz="1600" dirty="0" err="1">
+                <a:latin typeface="Arial" panose="020B0604020202020204" pitchFamily="34" charset="0"/>
+                <a:cs typeface="Arial" panose="020B0604020202020204" pitchFamily="34" charset="0"/>
+              </a:rPr>
+              <a:t>rovnakej</a:t>
+            </a:r>
+            <a:r>
+              <a:rPr lang="en-US" sz="1600" dirty="0">
+                <a:latin typeface="Arial" panose="020B0604020202020204" pitchFamily="34" charset="0"/>
+                <a:cs typeface="Arial" panose="020B0604020202020204" pitchFamily="34" charset="0"/>
+              </a:rPr>
+              <a:t> </a:t>
+            </a:r>
+            <a:r>
+              <a:rPr lang="en-US" sz="1600" dirty="0" err="1">
+                <a:latin typeface="Arial" panose="020B0604020202020204" pitchFamily="34" charset="0"/>
+                <a:cs typeface="Arial" panose="020B0604020202020204" pitchFamily="34" charset="0"/>
+              </a:rPr>
+              <a:t>triedy</a:t>
+            </a:r>
+            <a:r>
+              <a:rPr lang="en-US" sz="1600" dirty="0">
+                <a:latin typeface="Arial" panose="020B0604020202020204" pitchFamily="34" charset="0"/>
+                <a:cs typeface="Arial" panose="020B0604020202020204" pitchFamily="34" charset="0"/>
+              </a:rPr>
+              <a:t>. </a:t>
+            </a:r>
+            <a:r>
+              <a:rPr lang="en-US" sz="1600" dirty="0" err="1">
+                <a:latin typeface="Arial" panose="020B0604020202020204" pitchFamily="34" charset="0"/>
+                <a:cs typeface="Arial" panose="020B0604020202020204" pitchFamily="34" charset="0"/>
+              </a:rPr>
+              <a:t>Viacerí</a:t>
+            </a:r>
+            <a:r>
+              <a:rPr lang="en-US" sz="1600" dirty="0">
+                <a:latin typeface="Arial" panose="020B0604020202020204" pitchFamily="34" charset="0"/>
+                <a:cs typeface="Arial" panose="020B0604020202020204" pitchFamily="34" charset="0"/>
+              </a:rPr>
+              <a:t> </a:t>
+            </a:r>
+            <a:r>
+              <a:rPr lang="en-US" sz="1600" dirty="0" err="1">
+                <a:latin typeface="Arial" panose="020B0604020202020204" pitchFamily="34" charset="0"/>
+                <a:cs typeface="Arial" panose="020B0604020202020204" pitchFamily="34" charset="0"/>
+              </a:rPr>
+              <a:t>vyrábali</a:t>
+            </a:r>
+            <a:r>
+              <a:rPr lang="en-US" sz="1600" dirty="0">
+                <a:latin typeface="Arial" panose="020B0604020202020204" pitchFamily="34" charset="0"/>
+                <a:cs typeface="Arial" panose="020B0604020202020204" pitchFamily="34" charset="0"/>
+              </a:rPr>
+              <a:t> </a:t>
+            </a:r>
+            <a:r>
+              <a:rPr lang="en-US" sz="1600" dirty="0" err="1">
+                <a:latin typeface="Arial" panose="020B0604020202020204" pitchFamily="34" charset="0"/>
+                <a:cs typeface="Arial" panose="020B0604020202020204" pitchFamily="34" charset="0"/>
+              </a:rPr>
+              <a:t>metódy</a:t>
+            </a:r>
+            <a:r>
+              <a:rPr lang="en-US" sz="1600" dirty="0">
+                <a:latin typeface="Arial" panose="020B0604020202020204" pitchFamily="34" charset="0"/>
+                <a:cs typeface="Arial" panose="020B0604020202020204" pitchFamily="34" charset="0"/>
+              </a:rPr>
+              <a:t> </a:t>
+            </a:r>
+            <a:r>
+              <a:rPr lang="en-US" sz="1600" dirty="0" err="1">
+                <a:latin typeface="Arial" panose="020B0604020202020204" pitchFamily="34" charset="0"/>
+                <a:cs typeface="Arial" panose="020B0604020202020204" pitchFamily="34" charset="0"/>
+              </a:rPr>
+              <a:t>typu</a:t>
+            </a:r>
+            <a:r>
+              <a:rPr lang="en-US" sz="1600" dirty="0">
+                <a:latin typeface="Arial" panose="020B0604020202020204" pitchFamily="34" charset="0"/>
+                <a:cs typeface="Arial" panose="020B0604020202020204" pitchFamily="34" charset="0"/>
+              </a:rPr>
+              <a:t> </a:t>
+            </a:r>
+            <a:r>
+              <a:rPr lang="en-US" sz="1600" dirty="0" err="1">
+                <a:latin typeface="Arial" panose="020B0604020202020204" pitchFamily="34" charset="0"/>
+                <a:cs typeface="Arial" panose="020B0604020202020204" pitchFamily="34" charset="0"/>
+              </a:rPr>
+              <a:t>depthRek</a:t>
+            </a:r>
+            <a:r>
+              <a:rPr lang="en-US" sz="1600" dirty="0">
+                <a:latin typeface="Arial" panose="020B0604020202020204" pitchFamily="34" charset="0"/>
+                <a:cs typeface="Arial" panose="020B0604020202020204" pitchFamily="34" charset="0"/>
+              </a:rPr>
+              <a:t>(Node n), </a:t>
+            </a:r>
+            <a:r>
+              <a:rPr lang="en-US" sz="1600" dirty="0" err="1">
+                <a:latin typeface="Arial" panose="020B0604020202020204" pitchFamily="34" charset="0"/>
+                <a:cs typeface="Arial" panose="020B0604020202020204" pitchFamily="34" charset="0"/>
+              </a:rPr>
+              <a:t>ktoré</a:t>
+            </a:r>
+            <a:r>
+              <a:rPr lang="en-US" sz="1600" dirty="0">
+                <a:latin typeface="Arial" panose="020B0604020202020204" pitchFamily="34" charset="0"/>
+                <a:cs typeface="Arial" panose="020B0604020202020204" pitchFamily="34" charset="0"/>
+              </a:rPr>
+              <a:t> "</a:t>
+            </a:r>
+            <a:r>
+              <a:rPr lang="en-US" sz="1600" dirty="0" err="1">
+                <a:latin typeface="Arial" panose="020B0604020202020204" pitchFamily="34" charset="0"/>
+                <a:cs typeface="Arial" panose="020B0604020202020204" pitchFamily="34" charset="0"/>
+              </a:rPr>
+              <a:t>naštartovali</a:t>
+            </a:r>
+            <a:r>
+              <a:rPr lang="en-US" sz="1600" dirty="0">
+                <a:latin typeface="Arial" panose="020B0604020202020204" pitchFamily="34" charset="0"/>
+                <a:cs typeface="Arial" panose="020B0604020202020204" pitchFamily="34" charset="0"/>
+              </a:rPr>
+              <a:t>" </a:t>
+            </a:r>
+            <a:r>
+              <a:rPr lang="en-US" sz="1600" dirty="0" err="1">
+                <a:latin typeface="Arial" panose="020B0604020202020204" pitchFamily="34" charset="0"/>
+                <a:cs typeface="Arial" panose="020B0604020202020204" pitchFamily="34" charset="0"/>
+              </a:rPr>
+              <a:t>volaním</a:t>
+            </a:r>
+            <a:r>
+              <a:rPr lang="en-US" sz="1600" dirty="0">
+                <a:latin typeface="Arial" panose="020B0604020202020204" pitchFamily="34" charset="0"/>
+                <a:cs typeface="Arial" panose="020B0604020202020204" pitchFamily="34" charset="0"/>
+              </a:rPr>
+              <a:t> </a:t>
+            </a:r>
+            <a:r>
+              <a:rPr lang="en-US" sz="1600" dirty="0" err="1">
+                <a:latin typeface="Arial" panose="020B0604020202020204" pitchFamily="34" charset="0"/>
+                <a:cs typeface="Arial" panose="020B0604020202020204" pitchFamily="34" charset="0"/>
+              </a:rPr>
+              <a:t>depthrek</a:t>
+            </a:r>
+            <a:r>
+              <a:rPr lang="en-US" sz="1600" dirty="0">
+                <a:latin typeface="Arial" panose="020B0604020202020204" pitchFamily="34" charset="0"/>
+                <a:cs typeface="Arial" panose="020B0604020202020204" pitchFamily="34" charset="0"/>
+              </a:rPr>
+              <a:t>(this) a </a:t>
+            </a:r>
+            <a:r>
+              <a:rPr lang="en-US" sz="1600" dirty="0" err="1">
+                <a:latin typeface="Arial" panose="020B0604020202020204" pitchFamily="34" charset="0"/>
+                <a:cs typeface="Arial" panose="020B0604020202020204" pitchFamily="34" charset="0"/>
+              </a:rPr>
+              <a:t>naplnili</a:t>
+            </a:r>
+            <a:r>
+              <a:rPr lang="en-US" sz="1600" dirty="0">
+                <a:latin typeface="Arial" panose="020B0604020202020204" pitchFamily="34" charset="0"/>
+                <a:cs typeface="Arial" panose="020B0604020202020204" pitchFamily="34" charset="0"/>
+              </a:rPr>
+              <a:t> v </a:t>
+            </a:r>
+            <a:r>
+              <a:rPr lang="en-US" sz="1600" dirty="0" err="1">
+                <a:latin typeface="Arial" panose="020B0604020202020204" pitchFamily="34" charset="0"/>
+                <a:cs typeface="Arial" panose="020B0604020202020204" pitchFamily="34" charset="0"/>
+              </a:rPr>
+              <a:t>nich</a:t>
+            </a:r>
+            <a:r>
+              <a:rPr lang="en-US" sz="1600" dirty="0">
+                <a:latin typeface="Arial" panose="020B0604020202020204" pitchFamily="34" charset="0"/>
+                <a:cs typeface="Arial" panose="020B0604020202020204" pitchFamily="34" charset="0"/>
+              </a:rPr>
+              <a:t> stack/queue. To </a:t>
+            </a:r>
+            <a:r>
+              <a:rPr lang="en-US" sz="1600" dirty="0" err="1">
+                <a:latin typeface="Arial" panose="020B0604020202020204" pitchFamily="34" charset="0"/>
+                <a:cs typeface="Arial" panose="020B0604020202020204" pitchFamily="34" charset="0"/>
+              </a:rPr>
+              <a:t>samo</a:t>
+            </a:r>
+            <a:r>
+              <a:rPr lang="en-US" sz="1600" dirty="0">
+                <a:latin typeface="Arial" panose="020B0604020202020204" pitchFamily="34" charset="0"/>
+                <a:cs typeface="Arial" panose="020B0604020202020204" pitchFamily="34" charset="0"/>
+              </a:rPr>
+              <a:t> o </a:t>
+            </a:r>
+            <a:r>
+              <a:rPr lang="en-US" sz="1600" dirty="0" err="1">
+                <a:latin typeface="Arial" panose="020B0604020202020204" pitchFamily="34" charset="0"/>
+                <a:cs typeface="Arial" panose="020B0604020202020204" pitchFamily="34" charset="0"/>
+              </a:rPr>
+              <a:t>sebe</a:t>
+            </a:r>
+            <a:r>
+              <a:rPr lang="en-US" sz="1600" dirty="0">
+                <a:latin typeface="Arial" panose="020B0604020202020204" pitchFamily="34" charset="0"/>
+                <a:cs typeface="Arial" panose="020B0604020202020204" pitchFamily="34" charset="0"/>
+              </a:rPr>
+              <a:t> </a:t>
+            </a:r>
+            <a:r>
+              <a:rPr lang="en-US" sz="1600" dirty="0" err="1">
+                <a:latin typeface="Arial" panose="020B0604020202020204" pitchFamily="34" charset="0"/>
+                <a:cs typeface="Arial" panose="020B0604020202020204" pitchFamily="34" charset="0"/>
+              </a:rPr>
+              <a:t>nie</a:t>
+            </a:r>
+            <a:r>
+              <a:rPr lang="en-US" sz="1600" dirty="0">
+                <a:latin typeface="Arial" panose="020B0604020202020204" pitchFamily="34" charset="0"/>
+                <a:cs typeface="Arial" panose="020B0604020202020204" pitchFamily="34" charset="0"/>
+              </a:rPr>
+              <a:t> je </a:t>
+            </a:r>
+            <a:r>
+              <a:rPr lang="en-US" sz="1600" dirty="0" err="1">
+                <a:latin typeface="Arial" panose="020B0604020202020204" pitchFamily="34" charset="0"/>
+                <a:cs typeface="Arial" panose="020B0604020202020204" pitchFamily="34" charset="0"/>
+              </a:rPr>
+              <a:t>zlé</a:t>
+            </a:r>
+            <a:r>
+              <a:rPr lang="en-US" sz="1600" dirty="0">
+                <a:latin typeface="Arial" panose="020B0604020202020204" pitchFamily="34" charset="0"/>
+                <a:cs typeface="Arial" panose="020B0604020202020204" pitchFamily="34" charset="0"/>
+              </a:rPr>
+              <a:t> </a:t>
+            </a:r>
+            <a:r>
+              <a:rPr lang="en-US" sz="1600" dirty="0" err="1">
+                <a:latin typeface="Arial" panose="020B0604020202020204" pitchFamily="34" charset="0"/>
+                <a:cs typeface="Arial" panose="020B0604020202020204" pitchFamily="34" charset="0"/>
+              </a:rPr>
+              <a:t>riešenie</a:t>
+            </a:r>
+            <a:r>
+              <a:rPr lang="en-US" sz="1600" dirty="0">
+                <a:latin typeface="Arial" panose="020B0604020202020204" pitchFamily="34" charset="0"/>
+                <a:cs typeface="Arial" panose="020B0604020202020204" pitchFamily="34" charset="0"/>
+              </a:rPr>
+              <a:t>, no </a:t>
+            </a:r>
+            <a:r>
+              <a:rPr lang="en-US" sz="1600" dirty="0" err="1">
+                <a:latin typeface="Arial" panose="020B0604020202020204" pitchFamily="34" charset="0"/>
+                <a:cs typeface="Arial" panose="020B0604020202020204" pitchFamily="34" charset="0"/>
+              </a:rPr>
+              <a:t>netreba</a:t>
+            </a:r>
+            <a:r>
+              <a:rPr lang="en-US" sz="1600" dirty="0">
+                <a:latin typeface="Arial" panose="020B0604020202020204" pitchFamily="34" charset="0"/>
+                <a:cs typeface="Arial" panose="020B0604020202020204" pitchFamily="34" charset="0"/>
+              </a:rPr>
+              <a:t> </a:t>
+            </a:r>
+            <a:r>
+              <a:rPr lang="en-US" sz="1600" dirty="0" err="1">
+                <a:latin typeface="Arial" panose="020B0604020202020204" pitchFamily="34" charset="0"/>
+                <a:cs typeface="Arial" panose="020B0604020202020204" pitchFamily="34" charset="0"/>
+              </a:rPr>
+              <a:t>sa</a:t>
+            </a:r>
+            <a:r>
+              <a:rPr lang="en-US" sz="1600" dirty="0">
+                <a:latin typeface="Arial" panose="020B0604020202020204" pitchFamily="34" charset="0"/>
+                <a:cs typeface="Arial" panose="020B0604020202020204" pitchFamily="34" charset="0"/>
+              </a:rPr>
+              <a:t> </a:t>
+            </a:r>
+            <a:r>
+              <a:rPr lang="en-US" sz="1600" dirty="0" err="1">
+                <a:latin typeface="Arial" panose="020B0604020202020204" pitchFamily="34" charset="0"/>
+                <a:cs typeface="Arial" panose="020B0604020202020204" pitchFamily="34" charset="0"/>
+              </a:rPr>
+              <a:t>báť</a:t>
+            </a:r>
+            <a:r>
+              <a:rPr lang="en-US" sz="1600" dirty="0">
+                <a:latin typeface="Arial" panose="020B0604020202020204" pitchFamily="34" charset="0"/>
+                <a:cs typeface="Arial" panose="020B0604020202020204" pitchFamily="34" charset="0"/>
+              </a:rPr>
+              <a:t> </a:t>
+            </a:r>
+            <a:r>
+              <a:rPr lang="en-US" sz="1600" dirty="0" err="1">
+                <a:latin typeface="Arial" panose="020B0604020202020204" pitchFamily="34" charset="0"/>
+                <a:cs typeface="Arial" panose="020B0604020202020204" pitchFamily="34" charset="0"/>
+              </a:rPr>
+              <a:t>kódu</a:t>
+            </a:r>
+            <a:r>
+              <a:rPr lang="en-US" sz="1600" dirty="0">
+                <a:latin typeface="Arial" panose="020B0604020202020204" pitchFamily="34" charset="0"/>
+                <a:cs typeface="Arial" panose="020B0604020202020204" pitchFamily="34" charset="0"/>
+              </a:rPr>
+              <a:t>:</a:t>
+            </a:r>
+            <a:br>
+              <a:rPr lang="en-US" sz="1600" dirty="0">
+                <a:latin typeface="Arial" panose="020B0604020202020204" pitchFamily="34" charset="0"/>
+                <a:cs typeface="Arial" panose="020B0604020202020204" pitchFamily="34" charset="0"/>
+              </a:rPr>
+            </a:br>
+            <a:br>
+              <a:rPr lang="en-US" sz="1600" dirty="0">
+                <a:latin typeface="Arial" panose="020B0604020202020204" pitchFamily="34" charset="0"/>
+                <a:cs typeface="Arial" panose="020B0604020202020204" pitchFamily="34" charset="0"/>
+              </a:rPr>
+            </a:br>
+            <a:r>
+              <a:rPr lang="en-US" sz="1600" dirty="0">
+                <a:latin typeface="Arial" panose="020B0604020202020204" pitchFamily="34" charset="0"/>
+                <a:cs typeface="Arial" panose="020B0604020202020204" pitchFamily="34" charset="0"/>
+              </a:rPr>
+              <a:t>for (Node child : divisors) {</a:t>
+            </a:r>
+            <a:br>
+              <a:rPr lang="en-US" sz="1600" dirty="0">
+                <a:latin typeface="Arial" panose="020B0604020202020204" pitchFamily="34" charset="0"/>
+                <a:cs typeface="Arial" panose="020B0604020202020204" pitchFamily="34" charset="0"/>
+              </a:rPr>
+            </a:br>
+            <a:r>
+              <a:rPr lang="en-US" sz="1600" dirty="0">
+                <a:latin typeface="Arial" panose="020B0604020202020204" pitchFamily="34" charset="0"/>
+                <a:cs typeface="Arial" panose="020B0604020202020204" pitchFamily="34" charset="0"/>
+              </a:rPr>
+              <a:t>  int actual = </a:t>
+            </a:r>
+            <a:r>
+              <a:rPr lang="en-US" sz="1600" dirty="0" err="1">
+                <a:latin typeface="Arial" panose="020B0604020202020204" pitchFamily="34" charset="0"/>
+                <a:cs typeface="Arial" panose="020B0604020202020204" pitchFamily="34" charset="0"/>
+              </a:rPr>
+              <a:t>child.depth</a:t>
+            </a:r>
+            <a:r>
+              <a:rPr lang="en-US" sz="1600" dirty="0">
+                <a:latin typeface="Arial" panose="020B0604020202020204" pitchFamily="34" charset="0"/>
+                <a:cs typeface="Arial" panose="020B0604020202020204" pitchFamily="34" charset="0"/>
+              </a:rPr>
+              <a:t>(); &lt;- </a:t>
+            </a:r>
+            <a:r>
+              <a:rPr lang="en-US" sz="1600" dirty="0" err="1">
+                <a:latin typeface="Arial" panose="020B0604020202020204" pitchFamily="34" charset="0"/>
+                <a:cs typeface="Arial" panose="020B0604020202020204" pitchFamily="34" charset="0"/>
+              </a:rPr>
+              <a:t>hovorím</a:t>
+            </a:r>
+            <a:r>
+              <a:rPr lang="en-US" sz="1600" dirty="0">
+                <a:latin typeface="Arial" panose="020B0604020202020204" pitchFamily="34" charset="0"/>
+                <a:cs typeface="Arial" panose="020B0604020202020204" pitchFamily="34" charset="0"/>
+              </a:rPr>
+              <a:t> o </a:t>
+            </a:r>
+            <a:r>
+              <a:rPr lang="en-US" sz="1600" dirty="0" err="1">
+                <a:latin typeface="Arial" panose="020B0604020202020204" pitchFamily="34" charset="0"/>
+                <a:cs typeface="Arial" panose="020B0604020202020204" pitchFamily="34" charset="0"/>
+              </a:rPr>
+              <a:t>tomto</a:t>
+            </a:r>
+            <a:r>
+              <a:rPr lang="en-US" sz="1600" dirty="0">
+                <a:latin typeface="Arial" panose="020B0604020202020204" pitchFamily="34" charset="0"/>
+                <a:cs typeface="Arial" panose="020B0604020202020204" pitchFamily="34" charset="0"/>
+              </a:rPr>
+              <a:t> </a:t>
+            </a:r>
+            <a:r>
+              <a:rPr lang="en-US" sz="1600" dirty="0" err="1">
+                <a:latin typeface="Arial" panose="020B0604020202020204" pitchFamily="34" charset="0"/>
+                <a:cs typeface="Arial" panose="020B0604020202020204" pitchFamily="34" charset="0"/>
+              </a:rPr>
+              <a:t>volaní</a:t>
+            </a:r>
+            <a:br>
+              <a:rPr lang="en-US" sz="1600" dirty="0">
+                <a:latin typeface="Arial" panose="020B0604020202020204" pitchFamily="34" charset="0"/>
+                <a:cs typeface="Arial" panose="020B0604020202020204" pitchFamily="34" charset="0"/>
+              </a:rPr>
+            </a:br>
+            <a:r>
+              <a:rPr lang="en-US" sz="1600" dirty="0">
+                <a:latin typeface="Arial" panose="020B0604020202020204" pitchFamily="34" charset="0"/>
+                <a:cs typeface="Arial" panose="020B0604020202020204" pitchFamily="34" charset="0"/>
+              </a:rPr>
+              <a:t>  if (actual &gt; max) max = actual;</a:t>
+            </a:r>
+            <a:br>
+              <a:rPr lang="en-US" sz="1600" dirty="0">
+                <a:latin typeface="Arial" panose="020B0604020202020204" pitchFamily="34" charset="0"/>
+                <a:cs typeface="Arial" panose="020B0604020202020204" pitchFamily="34" charset="0"/>
+              </a:rPr>
+            </a:br>
+            <a:r>
+              <a:rPr lang="en-US" sz="1600" dirty="0">
+                <a:latin typeface="Arial" panose="020B0604020202020204" pitchFamily="34" charset="0"/>
+                <a:cs typeface="Arial" panose="020B0604020202020204" pitchFamily="34" charset="0"/>
+              </a:rPr>
+              <a:t>}</a:t>
+            </a:r>
+            <a:endParaRPr lang="sk-SK" sz="1600" dirty="0">
+              <a:latin typeface="Arial" panose="020B0604020202020204" pitchFamily="34" charset="0"/>
+              <a:cs typeface="Arial" panose="020B0604020202020204" pitchFamily="34" charset="0"/>
             </a:endParaRPr>
           </a:p>
           <a:p>
-            <a:pPr marL="457200" lvl="1" indent="0">
-              <a:buNone/>
+            <a:pPr>
+              <a:buAutoNum type="alphaLcParenR"/>
             </a:pPr>
-            <a:endParaRPr lang="en-US" sz="1800" dirty="0"/>
-          </a:p>
-          <a:p>
-            <a:pPr marL="514350" indent="-514350">
-              <a:buFont typeface="+mj-lt"/>
-              <a:buAutoNum type="alphaLcPeriod"/>
-            </a:pPr>
-            <a:r>
-              <a:rPr lang="en-US" sz="1800" dirty="0"/>
-              <a:t>Caste bolo </a:t>
-            </a:r>
-            <a:r>
-              <a:rPr lang="en-US" sz="1800" dirty="0" err="1"/>
-              <a:t>tvrdenie</a:t>
-            </a:r>
-            <a:r>
-              <a:rPr lang="en-US" sz="1800" dirty="0"/>
-              <a:t> "</a:t>
-            </a:r>
-            <a:r>
-              <a:rPr lang="en-US" sz="1800" i="1" dirty="0"/>
-              <a:t>Ak </a:t>
-            </a:r>
-            <a:r>
-              <a:rPr lang="en-US" sz="1800" i="1" dirty="0" err="1"/>
-              <a:t>dva</a:t>
-            </a:r>
-            <a:r>
-              <a:rPr lang="en-US" sz="1800" i="1" dirty="0"/>
-              <a:t> </a:t>
-            </a:r>
-            <a:r>
-              <a:rPr lang="en-US" sz="1800" i="1" dirty="0" err="1"/>
-              <a:t>objekty</a:t>
-            </a:r>
-            <a:r>
-              <a:rPr lang="en-US" sz="1800" i="1" dirty="0"/>
-              <a:t> </a:t>
-            </a:r>
-            <a:r>
-              <a:rPr lang="en-US" sz="1800" i="1" dirty="0" err="1"/>
-              <a:t>maju</a:t>
-            </a:r>
-            <a:r>
-              <a:rPr lang="en-US" sz="1800" i="1" dirty="0"/>
-              <a:t> </a:t>
-            </a:r>
-            <a:r>
-              <a:rPr lang="en-US" sz="1800" i="1" dirty="0" err="1"/>
-              <a:t>rovnaky</a:t>
-            </a:r>
-            <a:r>
-              <a:rPr lang="en-US" sz="1800" i="1" dirty="0"/>
-              <a:t> hash, </a:t>
-            </a:r>
-            <a:r>
-              <a:rPr lang="en-US" sz="1800" i="1" dirty="0" err="1"/>
-              <a:t>tak</a:t>
-            </a:r>
-            <a:r>
-              <a:rPr lang="en-US" sz="1800" i="1" dirty="0"/>
-              <a:t> </a:t>
-            </a:r>
-            <a:r>
-              <a:rPr lang="en-US" sz="1800" i="1" dirty="0" err="1"/>
-              <a:t>su</a:t>
-            </a:r>
-            <a:r>
-              <a:rPr lang="en-US" sz="1800" i="1" dirty="0"/>
-              <a:t> to </a:t>
-            </a:r>
-            <a:r>
-              <a:rPr lang="en-US" sz="1800" i="1" dirty="0" err="1"/>
-              <a:t>rovnake</a:t>
-            </a:r>
-            <a:r>
-              <a:rPr lang="en-US" sz="1800" i="1" dirty="0"/>
-              <a:t> </a:t>
-            </a:r>
-            <a:r>
-              <a:rPr lang="en-US" sz="1800" i="1" dirty="0" err="1"/>
-              <a:t>objekty</a:t>
-            </a:r>
-            <a:r>
-              <a:rPr lang="en-US" sz="1800" i="1" dirty="0"/>
-              <a:t>.</a:t>
-            </a:r>
-            <a:r>
-              <a:rPr lang="en-US" sz="1800" dirty="0"/>
-              <a:t>" Toto </a:t>
-            </a:r>
-            <a:r>
-              <a:rPr lang="en-US" sz="1800" dirty="0" err="1"/>
-              <a:t>tvrdenie</a:t>
-            </a:r>
-            <a:r>
-              <a:rPr lang="en-US" sz="1800" dirty="0"/>
-              <a:t> </a:t>
-            </a:r>
-            <a:r>
-              <a:rPr lang="en-US" sz="1800" dirty="0" err="1"/>
-              <a:t>vo</a:t>
-            </a:r>
-            <a:r>
-              <a:rPr lang="en-US" sz="1800" dirty="0"/>
-              <a:t> </a:t>
-            </a:r>
-            <a:r>
-              <a:rPr lang="en-US" sz="1800" dirty="0" err="1"/>
-              <a:t>vseobecnosti</a:t>
-            </a:r>
-            <a:r>
-              <a:rPr lang="en-US" sz="1800" dirty="0"/>
-              <a:t> </a:t>
-            </a:r>
-            <a:r>
-              <a:rPr lang="en-US" sz="1800" dirty="0" err="1"/>
-              <a:t>neplati</a:t>
-            </a:r>
-            <a:r>
-              <a:rPr lang="en-US" sz="1800" dirty="0"/>
-              <a:t>! (</a:t>
-            </a:r>
-            <a:r>
-              <a:rPr lang="en-US" sz="1800" dirty="0" err="1"/>
-              <a:t>Opacna</a:t>
-            </a:r>
-            <a:r>
-              <a:rPr lang="en-US" sz="1800" dirty="0"/>
-              <a:t> </a:t>
-            </a:r>
-            <a:r>
-              <a:rPr lang="en-US" sz="1800" dirty="0" err="1"/>
-              <a:t>implikacia</a:t>
-            </a:r>
-            <a:r>
-              <a:rPr lang="en-US" sz="1800" dirty="0"/>
-              <a:t> by </a:t>
-            </a:r>
-            <a:r>
-              <a:rPr lang="en-US" sz="1800" dirty="0" err="1"/>
-              <a:t>vsak</a:t>
-            </a:r>
-            <a:r>
-              <a:rPr lang="en-US" sz="1800" dirty="0"/>
-              <a:t> </a:t>
-            </a:r>
-            <a:r>
-              <a:rPr lang="en-US" sz="1800" dirty="0" err="1"/>
-              <a:t>platit</a:t>
-            </a:r>
-            <a:r>
-              <a:rPr lang="en-US" sz="1800" dirty="0"/>
-              <a:t> mala.) Preto v </a:t>
-            </a:r>
-            <a:r>
-              <a:rPr lang="en-US" sz="1800" dirty="0" err="1"/>
-              <a:t>priklade</a:t>
-            </a:r>
-            <a:r>
-              <a:rPr lang="en-US" sz="1800" dirty="0"/>
-              <a:t> 3e) bolo </a:t>
-            </a:r>
-            <a:r>
-              <a:rPr lang="en-US" sz="1800" dirty="0" err="1"/>
-              <a:t>potrebne</a:t>
-            </a:r>
-            <a:r>
-              <a:rPr lang="en-US" sz="1800" dirty="0"/>
-              <a:t> </a:t>
-            </a:r>
-            <a:r>
-              <a:rPr lang="en-US" sz="1800" dirty="0" err="1"/>
-              <a:t>zadefinovat</a:t>
-            </a:r>
-            <a:r>
-              <a:rPr lang="en-US" sz="1800" dirty="0"/>
-              <a:t> </a:t>
-            </a:r>
-            <a:r>
-              <a:rPr lang="en-US" sz="1800" dirty="0" err="1"/>
-              <a:t>hashCode</a:t>
-            </a:r>
-            <a:r>
-              <a:rPr lang="en-US" sz="1800" dirty="0"/>
-              <a:t>() a </a:t>
-            </a:r>
-            <a:r>
-              <a:rPr lang="en-US" sz="1800" dirty="0" err="1"/>
-              <a:t>aj</a:t>
-            </a:r>
-            <a:r>
-              <a:rPr lang="en-US" sz="1800" dirty="0"/>
-              <a:t> equals().</a:t>
-            </a:r>
-          </a:p>
-          <a:p>
-            <a:pPr marL="514350" indent="-514350">
-              <a:buFont typeface="+mj-lt"/>
-              <a:buAutoNum type="alphaLcPeriod"/>
-            </a:pPr>
-            <a:endParaRPr lang="en-US" sz="1800" dirty="0"/>
+            <a:r>
+              <a:rPr lang="en-US" sz="1600" dirty="0" err="1">
+                <a:latin typeface="Arial" panose="020B0604020202020204" pitchFamily="34" charset="0"/>
+                <a:cs typeface="Arial" panose="020B0604020202020204" pitchFamily="34" charset="0"/>
+              </a:rPr>
+              <a:t>konštruktor</a:t>
+            </a:r>
+            <a:r>
+              <a:rPr lang="en-US" sz="1600" dirty="0">
+                <a:latin typeface="Arial" panose="020B0604020202020204" pitchFamily="34" charset="0"/>
+                <a:cs typeface="Arial" panose="020B0604020202020204" pitchFamily="34" charset="0"/>
+              </a:rPr>
+              <a:t> NIKDY </a:t>
+            </a:r>
+            <a:r>
+              <a:rPr lang="en-US" sz="1600" dirty="0" err="1">
+                <a:latin typeface="Arial" panose="020B0604020202020204" pitchFamily="34" charset="0"/>
+                <a:cs typeface="Arial" panose="020B0604020202020204" pitchFamily="34" charset="0"/>
+              </a:rPr>
+              <a:t>nič</a:t>
+            </a:r>
+            <a:r>
+              <a:rPr lang="en-US" sz="1600" dirty="0">
+                <a:latin typeface="Arial" panose="020B0604020202020204" pitchFamily="34" charset="0"/>
+                <a:cs typeface="Arial" panose="020B0604020202020204" pitchFamily="34" charset="0"/>
+              </a:rPr>
+              <a:t> </a:t>
+            </a:r>
+            <a:r>
+              <a:rPr lang="en-US" sz="1600" dirty="0" err="1">
+                <a:latin typeface="Arial" panose="020B0604020202020204" pitchFamily="34" charset="0"/>
+                <a:cs typeface="Arial" panose="020B0604020202020204" pitchFamily="34" charset="0"/>
+              </a:rPr>
+              <a:t>nevracia</a:t>
+            </a:r>
+            <a:r>
+              <a:rPr lang="en-US" sz="1600" dirty="0">
+                <a:latin typeface="Arial" panose="020B0604020202020204" pitchFamily="34" charset="0"/>
+                <a:cs typeface="Arial" panose="020B0604020202020204" pitchFamily="34" charset="0"/>
+              </a:rPr>
+              <a:t>! </a:t>
+            </a:r>
+            <a:r>
+              <a:rPr lang="en-US" sz="1600" dirty="0" err="1">
+                <a:latin typeface="Arial" panose="020B0604020202020204" pitchFamily="34" charset="0"/>
+                <a:cs typeface="Arial" panose="020B0604020202020204" pitchFamily="34" charset="0"/>
+              </a:rPr>
+              <a:t>Iba</a:t>
+            </a:r>
+            <a:r>
+              <a:rPr lang="en-US" sz="1600" dirty="0">
+                <a:latin typeface="Arial" panose="020B0604020202020204" pitchFamily="34" charset="0"/>
+                <a:cs typeface="Arial" panose="020B0604020202020204" pitchFamily="34" charset="0"/>
+              </a:rPr>
+              <a:t> </a:t>
+            </a:r>
+            <a:r>
+              <a:rPr lang="en-US" sz="1600" dirty="0" err="1">
+                <a:latin typeface="Arial" panose="020B0604020202020204" pitchFamily="34" charset="0"/>
+                <a:cs typeface="Arial" panose="020B0604020202020204" pitchFamily="34" charset="0"/>
+              </a:rPr>
+              <a:t>nastaví</a:t>
+            </a:r>
+            <a:r>
+              <a:rPr lang="en-US" sz="1600" dirty="0">
+                <a:latin typeface="Arial" panose="020B0604020202020204" pitchFamily="34" charset="0"/>
+                <a:cs typeface="Arial" panose="020B0604020202020204" pitchFamily="34" charset="0"/>
+              </a:rPr>
+              <a:t> </a:t>
+            </a:r>
+            <a:r>
+              <a:rPr lang="en-US" sz="1600" dirty="0" err="1">
+                <a:latin typeface="Arial" panose="020B0604020202020204" pitchFamily="34" charset="0"/>
+                <a:cs typeface="Arial" panose="020B0604020202020204" pitchFamily="34" charset="0"/>
+              </a:rPr>
+              <a:t>atribúty</a:t>
+            </a:r>
+            <a:r>
+              <a:rPr lang="en-US" sz="1600" dirty="0">
+                <a:latin typeface="Arial" panose="020B0604020202020204" pitchFamily="34" charset="0"/>
+                <a:cs typeface="Arial" panose="020B0604020202020204" pitchFamily="34" charset="0"/>
+              </a:rPr>
+              <a:t>, </a:t>
+            </a:r>
+            <a:r>
+              <a:rPr lang="en-US" sz="1600" dirty="0" err="1">
+                <a:latin typeface="Arial" panose="020B0604020202020204" pitchFamily="34" charset="0"/>
+                <a:cs typeface="Arial" panose="020B0604020202020204" pitchFamily="34" charset="0"/>
+              </a:rPr>
+              <a:t>prípadne</a:t>
+            </a:r>
+            <a:r>
+              <a:rPr lang="en-US" sz="1600" dirty="0">
+                <a:latin typeface="Arial" panose="020B0604020202020204" pitchFamily="34" charset="0"/>
+                <a:cs typeface="Arial" panose="020B0604020202020204" pitchFamily="34" charset="0"/>
+              </a:rPr>
+              <a:t> </a:t>
+            </a:r>
+            <a:r>
+              <a:rPr lang="en-US" sz="1600" dirty="0" err="1">
+                <a:latin typeface="Arial" panose="020B0604020202020204" pitchFamily="34" charset="0"/>
+                <a:cs typeface="Arial" panose="020B0604020202020204" pitchFamily="34" charset="0"/>
+              </a:rPr>
+              <a:t>vykoná</a:t>
+            </a:r>
+            <a:r>
+              <a:rPr lang="en-US" sz="1600" dirty="0">
+                <a:latin typeface="Arial" panose="020B0604020202020204" pitchFamily="34" charset="0"/>
+                <a:cs typeface="Arial" panose="020B0604020202020204" pitchFamily="34" charset="0"/>
+              </a:rPr>
+              <a:t> </a:t>
+            </a:r>
+            <a:r>
+              <a:rPr lang="en-US" sz="1600" dirty="0" err="1">
+                <a:latin typeface="Arial" panose="020B0604020202020204" pitchFamily="34" charset="0"/>
+                <a:cs typeface="Arial" panose="020B0604020202020204" pitchFamily="34" charset="0"/>
+              </a:rPr>
+              <a:t>ďalšie</a:t>
+            </a:r>
+            <a:r>
+              <a:rPr lang="en-US" sz="1600" dirty="0">
+                <a:latin typeface="Arial" panose="020B0604020202020204" pitchFamily="34" charset="0"/>
+                <a:cs typeface="Arial" panose="020B0604020202020204" pitchFamily="34" charset="0"/>
+              </a:rPr>
+              <a:t> </a:t>
+            </a:r>
+            <a:r>
+              <a:rPr lang="en-US" sz="1600" dirty="0" err="1">
+                <a:latin typeface="Arial" panose="020B0604020202020204" pitchFamily="34" charset="0"/>
+                <a:cs typeface="Arial" panose="020B0604020202020204" pitchFamily="34" charset="0"/>
+              </a:rPr>
+              <a:t>operácie</a:t>
+            </a:r>
+            <a:r>
+              <a:rPr lang="en-US" sz="1600" dirty="0">
+                <a:latin typeface="Arial" panose="020B0604020202020204" pitchFamily="34" charset="0"/>
+                <a:cs typeface="Arial" panose="020B0604020202020204" pitchFamily="34" charset="0"/>
+              </a:rPr>
+              <a:t>, o "</a:t>
+            </a:r>
+            <a:r>
+              <a:rPr lang="en-US" sz="1600" dirty="0" err="1">
+                <a:latin typeface="Arial" panose="020B0604020202020204" pitchFamily="34" charset="0"/>
+                <a:cs typeface="Arial" panose="020B0604020202020204" pitchFamily="34" charset="0"/>
+              </a:rPr>
+              <a:t>návrat</a:t>
+            </a:r>
+            <a:r>
+              <a:rPr lang="en-US" sz="1600" dirty="0">
+                <a:latin typeface="Arial" panose="020B0604020202020204" pitchFamily="34" charset="0"/>
+                <a:cs typeface="Arial" panose="020B0604020202020204" pitchFamily="34" charset="0"/>
+              </a:rPr>
+              <a:t>" novo-</a:t>
+            </a:r>
+            <a:r>
+              <a:rPr lang="en-US" sz="1600" dirty="0" err="1">
+                <a:latin typeface="Arial" panose="020B0604020202020204" pitchFamily="34" charset="0"/>
+                <a:cs typeface="Arial" panose="020B0604020202020204" pitchFamily="34" charset="0"/>
+              </a:rPr>
+              <a:t>vytvoreného</a:t>
+            </a:r>
+            <a:r>
+              <a:rPr lang="en-US" sz="1600" dirty="0">
+                <a:latin typeface="Arial" panose="020B0604020202020204" pitchFamily="34" charset="0"/>
+                <a:cs typeface="Arial" panose="020B0604020202020204" pitchFamily="34" charset="0"/>
+              </a:rPr>
+              <a:t> </a:t>
+            </a:r>
+            <a:r>
+              <a:rPr lang="en-US" sz="1600" dirty="0" err="1">
+                <a:latin typeface="Arial" panose="020B0604020202020204" pitchFamily="34" charset="0"/>
+                <a:cs typeface="Arial" panose="020B0604020202020204" pitchFamily="34" charset="0"/>
+              </a:rPr>
+              <a:t>objektu</a:t>
+            </a:r>
+            <a:r>
+              <a:rPr lang="en-US" sz="1600" dirty="0">
+                <a:latin typeface="Arial" panose="020B0604020202020204" pitchFamily="34" charset="0"/>
+                <a:cs typeface="Arial" panose="020B0604020202020204" pitchFamily="34" charset="0"/>
+              </a:rPr>
+              <a:t> </a:t>
+            </a:r>
+            <a:r>
+              <a:rPr lang="en-US" sz="1600" dirty="0" err="1">
+                <a:latin typeface="Arial" panose="020B0604020202020204" pitchFamily="34" charset="0"/>
+                <a:cs typeface="Arial" panose="020B0604020202020204" pitchFamily="34" charset="0"/>
+              </a:rPr>
+              <a:t>sa</a:t>
+            </a:r>
+            <a:r>
+              <a:rPr lang="en-US" sz="1600" dirty="0">
+                <a:latin typeface="Arial" panose="020B0604020202020204" pitchFamily="34" charset="0"/>
+                <a:cs typeface="Arial" panose="020B0604020202020204" pitchFamily="34" charset="0"/>
+              </a:rPr>
+              <a:t> </a:t>
+            </a:r>
+            <a:r>
+              <a:rPr lang="en-US" sz="1600" dirty="0" err="1">
+                <a:latin typeface="Arial" panose="020B0604020202020204" pitchFamily="34" charset="0"/>
+                <a:cs typeface="Arial" panose="020B0604020202020204" pitchFamily="34" charset="0"/>
+              </a:rPr>
+              <a:t>stará</a:t>
+            </a:r>
+            <a:r>
+              <a:rPr lang="en-US" sz="1600" dirty="0">
+                <a:latin typeface="Arial" panose="020B0604020202020204" pitchFamily="34" charset="0"/>
+                <a:cs typeface="Arial" panose="020B0604020202020204" pitchFamily="34" charset="0"/>
+              </a:rPr>
+              <a:t> </a:t>
+            </a:r>
+            <a:r>
+              <a:rPr lang="en-US" sz="1600" dirty="0" err="1">
+                <a:latin typeface="Arial" panose="020B0604020202020204" pitchFamily="34" charset="0"/>
+                <a:cs typeface="Arial" panose="020B0604020202020204" pitchFamily="34" charset="0"/>
+              </a:rPr>
+              <a:t>kľúčové</a:t>
+            </a:r>
+            <a:r>
+              <a:rPr lang="en-US" sz="1600" dirty="0">
+                <a:latin typeface="Arial" panose="020B0604020202020204" pitchFamily="34" charset="0"/>
+                <a:cs typeface="Arial" panose="020B0604020202020204" pitchFamily="34" charset="0"/>
+              </a:rPr>
+              <a:t> </a:t>
+            </a:r>
+            <a:r>
+              <a:rPr lang="en-US" sz="1600" dirty="0" err="1">
+                <a:latin typeface="Arial" panose="020B0604020202020204" pitchFamily="34" charset="0"/>
+                <a:cs typeface="Arial" panose="020B0604020202020204" pitchFamily="34" charset="0"/>
+              </a:rPr>
+              <a:t>slovícko</a:t>
+            </a:r>
+            <a:r>
+              <a:rPr lang="en-US" sz="1600" dirty="0">
+                <a:latin typeface="Arial" panose="020B0604020202020204" pitchFamily="34" charset="0"/>
+                <a:cs typeface="Arial" panose="020B0604020202020204" pitchFamily="34" charset="0"/>
+              </a:rPr>
+              <a:t> new. </a:t>
+            </a:r>
+            <a:endParaRPr lang="sk-SK" sz="1600" dirty="0">
+              <a:latin typeface="Arial" panose="020B0604020202020204" pitchFamily="34" charset="0"/>
+              <a:cs typeface="Arial" panose="020B0604020202020204" pitchFamily="34" charset="0"/>
+            </a:endParaRPr>
           </a:p>
           <a:p>
             <a:pPr marL="0" indent="0">
               <a:buNone/>
             </a:pPr>
             <a:r>
-              <a:rPr lang="en-US" sz="1800" b="1" dirty="0">
-                <a:solidFill>
-                  <a:srgbClr val="7F0055"/>
-                </a:solidFill>
-                <a:latin typeface="Consolas" panose="020B0609020204030204" pitchFamily="49" charset="0"/>
-              </a:rPr>
-              <a:t>class</a:t>
-            </a:r>
-            <a:r>
-              <a:rPr lang="en-US" sz="1800" b="1" dirty="0">
-                <a:solidFill>
-                  <a:srgbClr val="000000"/>
-                </a:solidFill>
-                <a:latin typeface="Consolas" panose="020B0609020204030204" pitchFamily="49" charset="0"/>
-              </a:rPr>
-              <a:t> Zajac {</a:t>
-            </a:r>
+              <a:rPr lang="sk-SK" sz="1600" dirty="0">
+                <a:latin typeface="Arial" panose="020B0604020202020204" pitchFamily="34" charset="0"/>
+                <a:cs typeface="Arial" panose="020B0604020202020204" pitchFamily="34" charset="0"/>
+              </a:rPr>
+              <a:t>         </a:t>
+            </a:r>
+            <a:r>
+              <a:rPr lang="en-US" sz="1600" dirty="0" err="1">
+                <a:latin typeface="Arial" panose="020B0604020202020204" pitchFamily="34" charset="0"/>
+                <a:cs typeface="Arial" panose="020B0604020202020204" pitchFamily="34" charset="0"/>
+              </a:rPr>
+              <a:t>Takže</a:t>
+            </a:r>
+            <a:r>
+              <a:rPr lang="en-US" sz="1600" dirty="0">
+                <a:latin typeface="Arial" panose="020B0604020202020204" pitchFamily="34" charset="0"/>
+                <a:cs typeface="Arial" panose="020B0604020202020204" pitchFamily="34" charset="0"/>
+              </a:rPr>
+              <a:t> </a:t>
+            </a:r>
+            <a:r>
+              <a:rPr lang="en-US" sz="1600" dirty="0" err="1">
+                <a:latin typeface="Arial" panose="020B0604020202020204" pitchFamily="34" charset="0"/>
+                <a:cs typeface="Arial" panose="020B0604020202020204" pitchFamily="34" charset="0"/>
+              </a:rPr>
+              <a:t>žiadne</a:t>
+            </a:r>
+            <a:r>
+              <a:rPr lang="en-US" sz="1600" dirty="0">
+                <a:latin typeface="Arial" panose="020B0604020202020204" pitchFamily="34" charset="0"/>
+                <a:cs typeface="Arial" panose="020B0604020202020204" pitchFamily="34" charset="0"/>
+              </a:rPr>
+              <a:t> Node n = new Node(...) ... return n; v </a:t>
+            </a:r>
+            <a:r>
+              <a:rPr lang="en-US" sz="1600" dirty="0" err="1">
+                <a:latin typeface="Arial" panose="020B0604020202020204" pitchFamily="34" charset="0"/>
+                <a:cs typeface="Arial" panose="020B0604020202020204" pitchFamily="34" charset="0"/>
+              </a:rPr>
+              <a:t>konštruktore</a:t>
+            </a:r>
+            <a:r>
+              <a:rPr lang="en-US" sz="1600" dirty="0">
+                <a:latin typeface="Arial" panose="020B0604020202020204" pitchFamily="34" charset="0"/>
+                <a:cs typeface="Arial" panose="020B0604020202020204" pitchFamily="34" charset="0"/>
+              </a:rPr>
+              <a:t>! </a:t>
+            </a:r>
+            <a:br>
+              <a:rPr lang="en-US" sz="1600" dirty="0">
+                <a:latin typeface="Arial" panose="020B0604020202020204" pitchFamily="34" charset="0"/>
+                <a:cs typeface="Arial" panose="020B0604020202020204" pitchFamily="34" charset="0"/>
+              </a:rPr>
+            </a:br>
+            <a:endParaRPr lang="en-US" sz="1600" dirty="0">
+              <a:latin typeface="Arial" panose="020B0604020202020204" pitchFamily="34" charset="0"/>
+              <a:cs typeface="Arial" panose="020B0604020202020204" pitchFamily="34" charset="0"/>
+            </a:endParaRPr>
           </a:p>
           <a:p>
             <a:pPr marL="0" indent="0">
               <a:buNone/>
             </a:pPr>
-            <a:r>
-              <a:rPr lang="en-US" sz="1800" dirty="0">
-                <a:solidFill>
-                  <a:srgbClr val="646464"/>
-                </a:solidFill>
-                <a:latin typeface="Consolas" panose="020B0609020204030204" pitchFamily="49" charset="0"/>
-              </a:rPr>
-              <a:t>  @Override</a:t>
-            </a:r>
-          </a:p>
-          <a:p>
-            <a:pPr marL="0" indent="0">
-              <a:buNone/>
-            </a:pPr>
-            <a:r>
-              <a:rPr lang="en-US" sz="1800" b="1" dirty="0">
-                <a:solidFill>
-                  <a:srgbClr val="7F0055"/>
-                </a:solidFill>
-                <a:latin typeface="Consolas" panose="020B0609020204030204" pitchFamily="49" charset="0"/>
-              </a:rPr>
-              <a:t>  public</a:t>
-            </a:r>
-            <a:r>
-              <a:rPr lang="en-US" sz="1800" b="1" dirty="0">
-                <a:solidFill>
-                  <a:srgbClr val="000000"/>
-                </a:solidFill>
-                <a:latin typeface="Consolas" panose="020B0609020204030204" pitchFamily="49" charset="0"/>
-              </a:rPr>
-              <a:t> </a:t>
-            </a:r>
-            <a:r>
-              <a:rPr lang="en-US" sz="1800" b="1" dirty="0">
-                <a:solidFill>
-                  <a:srgbClr val="7F0055"/>
-                </a:solidFill>
-                <a:latin typeface="Consolas" panose="020B0609020204030204" pitchFamily="49" charset="0"/>
-              </a:rPr>
-              <a:t>int</a:t>
-            </a:r>
-            <a:r>
-              <a:rPr lang="en-US" sz="1800" b="1" dirty="0">
-                <a:solidFill>
-                  <a:srgbClr val="000000"/>
-                </a:solidFill>
-                <a:latin typeface="Consolas" panose="020B0609020204030204" pitchFamily="49" charset="0"/>
-              </a:rPr>
-              <a:t> </a:t>
-            </a:r>
-            <a:r>
-              <a:rPr lang="en-US" sz="1800" b="1" dirty="0" err="1">
-                <a:solidFill>
-                  <a:srgbClr val="000000"/>
-                </a:solidFill>
-                <a:latin typeface="Consolas" panose="020B0609020204030204" pitchFamily="49" charset="0"/>
-              </a:rPr>
-              <a:t>hashCode</a:t>
-            </a:r>
-            <a:r>
-              <a:rPr lang="en-US" sz="1800" b="1" dirty="0">
-                <a:solidFill>
-                  <a:srgbClr val="000000"/>
-                </a:solidFill>
-                <a:latin typeface="Consolas" panose="020B0609020204030204" pitchFamily="49" charset="0"/>
-              </a:rPr>
-              <a:t>() { </a:t>
-            </a:r>
-            <a:r>
-              <a:rPr lang="en-US" sz="1800" b="1" dirty="0">
-                <a:solidFill>
-                  <a:srgbClr val="7F0055"/>
-                </a:solidFill>
-                <a:latin typeface="Consolas" panose="020B0609020204030204" pitchFamily="49" charset="0"/>
-              </a:rPr>
-              <a:t>return</a:t>
-            </a:r>
-            <a:r>
-              <a:rPr lang="en-US" sz="1800" b="1" dirty="0">
-                <a:solidFill>
-                  <a:srgbClr val="000000"/>
-                </a:solidFill>
-                <a:latin typeface="Consolas" panose="020B0609020204030204" pitchFamily="49" charset="0"/>
-              </a:rPr>
-              <a:t> 1; }</a:t>
-            </a:r>
-          </a:p>
-          <a:p>
-            <a:pPr marL="0" indent="0">
-              <a:buNone/>
-            </a:pPr>
-            <a:endParaRPr lang="en-US" sz="1800" b="1" dirty="0">
-              <a:solidFill>
-                <a:srgbClr val="000000"/>
-              </a:solidFill>
-              <a:latin typeface="Consolas" panose="020B0609020204030204" pitchFamily="49" charset="0"/>
+            <a:endParaRPr lang="en-US" sz="1600" dirty="0">
+              <a:latin typeface="Arial" panose="020B0604020202020204" pitchFamily="34" charset="0"/>
+              <a:cs typeface="Arial" panose="020B0604020202020204" pitchFamily="34" charset="0"/>
             </a:endParaRPr>
-          </a:p>
-          <a:p>
-            <a:pPr marL="0" indent="0">
-              <a:buNone/>
-            </a:pPr>
-            <a:r>
-              <a:rPr lang="en-US" sz="1800" dirty="0">
-                <a:solidFill>
-                  <a:srgbClr val="646464"/>
-                </a:solidFill>
-                <a:latin typeface="Consolas" panose="020B0609020204030204" pitchFamily="49" charset="0"/>
-              </a:rPr>
-              <a:t>  @Override</a:t>
-            </a:r>
-          </a:p>
-          <a:p>
-            <a:pPr marL="0" indent="0">
-              <a:buNone/>
-            </a:pPr>
-            <a:r>
-              <a:rPr lang="en-US" sz="1800" b="1" dirty="0">
-                <a:solidFill>
-                  <a:srgbClr val="7F0055"/>
-                </a:solidFill>
-                <a:latin typeface="Consolas" panose="020B0609020204030204" pitchFamily="49" charset="0"/>
-              </a:rPr>
-              <a:t>  public</a:t>
-            </a:r>
-            <a:r>
-              <a:rPr lang="en-US" sz="1800" b="1" dirty="0">
-                <a:solidFill>
-                  <a:srgbClr val="000000"/>
-                </a:solidFill>
-                <a:latin typeface="Consolas" panose="020B0609020204030204" pitchFamily="49" charset="0"/>
-              </a:rPr>
-              <a:t> </a:t>
-            </a:r>
-            <a:r>
-              <a:rPr lang="en-US" sz="1800" b="1" dirty="0" err="1">
-                <a:solidFill>
-                  <a:srgbClr val="7F0055"/>
-                </a:solidFill>
-                <a:latin typeface="Consolas" panose="020B0609020204030204" pitchFamily="49" charset="0"/>
-              </a:rPr>
-              <a:t>boolean</a:t>
-            </a:r>
-            <a:r>
-              <a:rPr lang="en-US" sz="1800" b="1" dirty="0">
-                <a:solidFill>
-                  <a:srgbClr val="000000"/>
-                </a:solidFill>
-                <a:latin typeface="Consolas" panose="020B0609020204030204" pitchFamily="49" charset="0"/>
-              </a:rPr>
-              <a:t> equals(Object </a:t>
-            </a:r>
-            <a:r>
-              <a:rPr lang="en-US" sz="1800" b="1" dirty="0">
-                <a:solidFill>
-                  <a:srgbClr val="6A3E3E"/>
-                </a:solidFill>
-                <a:latin typeface="Consolas" panose="020B0609020204030204" pitchFamily="49" charset="0"/>
-              </a:rPr>
-              <a:t>o</a:t>
-            </a:r>
-            <a:r>
-              <a:rPr lang="en-US" sz="1800" b="1" dirty="0">
-                <a:solidFill>
-                  <a:srgbClr val="000000"/>
-                </a:solidFill>
-                <a:latin typeface="Consolas" panose="020B0609020204030204" pitchFamily="49" charset="0"/>
-              </a:rPr>
-              <a:t>) { </a:t>
-            </a:r>
-            <a:r>
-              <a:rPr lang="en-US" sz="1800" b="1" dirty="0">
-                <a:solidFill>
-                  <a:srgbClr val="7F0055"/>
-                </a:solidFill>
-                <a:latin typeface="Consolas" panose="020B0609020204030204" pitchFamily="49" charset="0"/>
-              </a:rPr>
-              <a:t>return</a:t>
-            </a:r>
-            <a:r>
-              <a:rPr lang="en-US" sz="1800" b="1" dirty="0">
-                <a:solidFill>
-                  <a:srgbClr val="000000"/>
-                </a:solidFill>
-                <a:latin typeface="Consolas" panose="020B0609020204030204" pitchFamily="49" charset="0"/>
-              </a:rPr>
-              <a:t> </a:t>
-            </a:r>
-            <a:r>
-              <a:rPr lang="en-US" sz="1800" b="1" dirty="0">
-                <a:solidFill>
-                  <a:srgbClr val="7F0055"/>
-                </a:solidFill>
-                <a:latin typeface="Consolas" panose="020B0609020204030204" pitchFamily="49" charset="0"/>
-              </a:rPr>
-              <a:t>true</a:t>
-            </a:r>
-            <a:r>
-              <a:rPr lang="en-US" sz="1800" b="1" dirty="0">
-                <a:solidFill>
-                  <a:srgbClr val="000000"/>
-                </a:solidFill>
-                <a:latin typeface="Consolas" panose="020B0609020204030204" pitchFamily="49" charset="0"/>
-              </a:rPr>
-              <a:t>; }</a:t>
-            </a:r>
-          </a:p>
-          <a:p>
-            <a:pPr marL="0" indent="0">
-              <a:buNone/>
-            </a:pPr>
-            <a:r>
-              <a:rPr lang="en-US" sz="1800" dirty="0">
-                <a:solidFill>
-                  <a:srgbClr val="000000"/>
-                </a:solidFill>
-                <a:latin typeface="Consolas" panose="020B0609020204030204" pitchFamily="49" charset="0"/>
-              </a:rPr>
-              <a:t>}</a:t>
-            </a:r>
-            <a:br>
-              <a:rPr lang="en-US" sz="1800" dirty="0"/>
-            </a:br>
-            <a:endParaRPr lang="en-US" sz="1800" dirty="0"/>
           </a:p>
         </p:txBody>
       </p:sp>
     </p:spTree>
     <p:extLst>
       <p:ext uri="{BB962C8B-B14F-4D97-AF65-F5344CB8AC3E}">
-        <p14:creationId xmlns:p14="http://schemas.microsoft.com/office/powerpoint/2010/main" val="803739452"/>
+        <p14:creationId xmlns:p14="http://schemas.microsoft.com/office/powerpoint/2010/main" val="3546286192"/>
       </p:ext>
     </p:extLst>
   </p:cSld>
@@ -7170,6 +8612,751 @@
             </a:r>
             <a:r>
               <a:rPr lang="sk-SK" dirty="0"/>
+              <a:t>íklad Tretí</a:t>
+            </a:r>
+            <a:br>
+              <a:rPr lang="sk-SK" dirty="0"/>
+            </a:br>
+            <a:r>
+              <a:rPr lang="en-US" sz="2200" dirty="0"/>
+              <a:t>(</a:t>
+            </a:r>
+            <a:r>
+              <a:rPr lang="sk-SK" sz="2200" dirty="0"/>
+              <a:t>J</a:t>
+            </a:r>
+            <a:r>
+              <a:rPr lang="en-US" sz="2200" dirty="0" err="1"/>
+              <a:t>uraj</a:t>
+            </a:r>
+            <a:r>
+              <a:rPr lang="sk-SK" sz="2200" dirty="0"/>
+              <a:t> </a:t>
+            </a:r>
+            <a:r>
+              <a:rPr lang="en-US" sz="2200" dirty="0"/>
+              <a:t>H</a:t>
+            </a:r>
+            <a:r>
+              <a:rPr lang="sk-SK" sz="2200" dirty="0"/>
+              <a:t>.</a:t>
+            </a:r>
+            <a:r>
+              <a:rPr lang="en-US" sz="2200" dirty="0"/>
+              <a:t>)</a:t>
+            </a:r>
+            <a:endParaRPr lang="en-US" dirty="0"/>
+          </a:p>
+        </p:txBody>
+      </p:sp>
+      <p:sp>
+        <p:nvSpPr>
+          <p:cNvPr id="3" name="Content Placeholder 2">
+            <a:extLst>
+              <a:ext uri="{FF2B5EF4-FFF2-40B4-BE49-F238E27FC236}">
+                <a16:creationId xmlns:a16="http://schemas.microsoft.com/office/drawing/2014/main" id="{E524F3D2-9EB8-4ACD-83C7-9ADC88E1EFD3}"/>
+              </a:ext>
+            </a:extLst>
+          </p:cNvPr>
+          <p:cNvSpPr>
+            <a:spLocks noGrp="1"/>
+          </p:cNvSpPr>
+          <p:nvPr>
+            <p:ph idx="1"/>
+          </p:nvPr>
+        </p:nvSpPr>
+        <p:spPr/>
+        <p:txBody>
+          <a:bodyPr>
+            <a:normAutofit fontScale="92500" lnSpcReduction="20000"/>
+          </a:bodyPr>
+          <a:lstStyle/>
+          <a:p>
+            <a:pPr marL="514350" indent="-514350">
+              <a:buFont typeface="+mj-lt"/>
+              <a:buAutoNum type="alphaLcPeriod"/>
+            </a:pPr>
+            <a:r>
+              <a:rPr lang="en-US" sz="1800" dirty="0" err="1"/>
+              <a:t>System.out.println</a:t>
+            </a:r>
+            <a:r>
+              <a:rPr lang="en-US" sz="1800" dirty="0"/>
+              <a:t>(null) </a:t>
+            </a:r>
+            <a:r>
+              <a:rPr lang="en-US" sz="1800" dirty="0" err="1"/>
+              <a:t>vypise</a:t>
+            </a:r>
+            <a:r>
+              <a:rPr lang="en-US" sz="1800" dirty="0"/>
+              <a:t> "null". Preto v </a:t>
+            </a:r>
+            <a:r>
+              <a:rPr lang="en-US" sz="1800" dirty="0" err="1"/>
+              <a:t>priklade</a:t>
+            </a:r>
+            <a:r>
+              <a:rPr lang="en-US" sz="1800" dirty="0"/>
+              <a:t> 3a):</a:t>
+            </a:r>
+          </a:p>
+          <a:p>
+            <a:pPr marL="457200" lvl="1" indent="0">
+              <a:buNone/>
+            </a:pPr>
+            <a:r>
+              <a:rPr lang="en-US" sz="1600" dirty="0">
+                <a:latin typeface="Consolas" panose="020B0609020204030204" pitchFamily="49" charset="0"/>
+              </a:rPr>
+              <a:t>Integer[][] a = {{1, 2, 3, 4, 5, 6, 7, 8, 9, null }}   // </a:t>
+            </a:r>
+            <a:r>
+              <a:rPr lang="en-US" sz="1600" dirty="0" err="1">
+                <a:latin typeface="Consolas" panose="020B0609020204030204" pitchFamily="49" charset="0"/>
+              </a:rPr>
+              <a:t>vypise</a:t>
+            </a:r>
+            <a:r>
+              <a:rPr lang="en-US" sz="1600" dirty="0">
+                <a:latin typeface="Consolas" panose="020B0609020204030204" pitchFamily="49" charset="0"/>
+              </a:rPr>
+              <a:t> 123456789null </a:t>
+            </a:r>
+            <a:r>
+              <a:rPr lang="en-US" sz="1600" dirty="0">
+                <a:solidFill>
+                  <a:srgbClr val="FF0000"/>
+                </a:solidFill>
+                <a:latin typeface="Consolas" panose="020B0609020204030204" pitchFamily="49" charset="0"/>
+              </a:rPr>
+              <a:t>ale </a:t>
+            </a:r>
+            <a:r>
+              <a:rPr lang="en-US" sz="1600" dirty="0" err="1">
+                <a:solidFill>
+                  <a:srgbClr val="FF0000"/>
+                </a:solidFill>
+                <a:latin typeface="Consolas" panose="020B0609020204030204" pitchFamily="49" charset="0"/>
+              </a:rPr>
+              <a:t>nespadne</a:t>
+            </a:r>
+            <a:r>
+              <a:rPr lang="en-US" sz="1600" dirty="0">
+                <a:solidFill>
+                  <a:srgbClr val="FF0000"/>
+                </a:solidFill>
+                <a:latin typeface="Consolas" panose="020B0609020204030204" pitchFamily="49" charset="0"/>
+              </a:rPr>
+              <a:t>  </a:t>
+            </a:r>
+          </a:p>
+          <a:p>
+            <a:pPr marL="457200" lvl="1" indent="0">
+              <a:buNone/>
+            </a:pPr>
+            <a:br>
+              <a:rPr lang="en-US" sz="1600" dirty="0">
+                <a:latin typeface="Consolas" panose="020B0609020204030204" pitchFamily="49" charset="0"/>
+              </a:rPr>
+            </a:br>
+            <a:r>
+              <a:rPr lang="en-US" sz="1600" dirty="0">
+                <a:latin typeface="Consolas" panose="020B0609020204030204" pitchFamily="49" charset="0"/>
+              </a:rPr>
+              <a:t>Integer[][] a = {{1, 2, 3, 4, 5, 6, 7, 8, 9}, null }   // </a:t>
+            </a:r>
+            <a:r>
+              <a:rPr lang="en-US" sz="1600" dirty="0" err="1">
+                <a:latin typeface="Consolas" panose="020B0609020204030204" pitchFamily="49" charset="0"/>
+              </a:rPr>
+              <a:t>vypise</a:t>
+            </a:r>
+            <a:r>
+              <a:rPr lang="en-US" sz="1600" dirty="0">
+                <a:latin typeface="Consolas" panose="020B0609020204030204" pitchFamily="49" charset="0"/>
+              </a:rPr>
+              <a:t> 123456789 </a:t>
+            </a:r>
+            <a:r>
+              <a:rPr lang="en-US" sz="1600" dirty="0">
+                <a:solidFill>
+                  <a:srgbClr val="FF0000"/>
+                </a:solidFill>
+                <a:latin typeface="Consolas" panose="020B0609020204030204" pitchFamily="49" charset="0"/>
+              </a:rPr>
+              <a:t>a </a:t>
+            </a:r>
+            <a:r>
+              <a:rPr lang="en-US" sz="1600" dirty="0" err="1">
+                <a:solidFill>
+                  <a:srgbClr val="FF0000"/>
+                </a:solidFill>
+                <a:latin typeface="Consolas" panose="020B0609020204030204" pitchFamily="49" charset="0"/>
+              </a:rPr>
+              <a:t>spadne</a:t>
+            </a:r>
+            <a:r>
+              <a:rPr lang="en-US" sz="1600" dirty="0">
+                <a:solidFill>
+                  <a:srgbClr val="FF0000"/>
+                </a:solidFill>
+                <a:latin typeface="Consolas" panose="020B0609020204030204" pitchFamily="49" charset="0"/>
+              </a:rPr>
+              <a:t> </a:t>
+            </a:r>
+            <a:r>
+              <a:rPr lang="en-US" sz="1600" dirty="0" err="1">
+                <a:solidFill>
+                  <a:srgbClr val="FF0000"/>
+                </a:solidFill>
+                <a:latin typeface="Consolas" panose="020B0609020204030204" pitchFamily="49" charset="0"/>
+              </a:rPr>
+              <a:t>na</a:t>
+            </a:r>
+            <a:r>
+              <a:rPr lang="en-US" sz="1600" dirty="0">
+                <a:solidFill>
+                  <a:srgbClr val="FF0000"/>
+                </a:solidFill>
+                <a:latin typeface="Consolas" panose="020B0609020204030204" pitchFamily="49" charset="0"/>
+              </a:rPr>
+              <a:t> </a:t>
+            </a:r>
+            <a:r>
+              <a:rPr lang="en-US" sz="1600" dirty="0" err="1">
+                <a:solidFill>
+                  <a:srgbClr val="FF0000"/>
+                </a:solidFill>
+                <a:latin typeface="Consolas" panose="020B0609020204030204" pitchFamily="49" charset="0"/>
+              </a:rPr>
+              <a:t>NullPointerException</a:t>
+            </a:r>
+            <a:endParaRPr lang="en-US" sz="1600" dirty="0">
+              <a:solidFill>
+                <a:srgbClr val="FF0000"/>
+              </a:solidFill>
+              <a:latin typeface="Consolas" panose="020B0609020204030204" pitchFamily="49" charset="0"/>
+            </a:endParaRPr>
+          </a:p>
+          <a:p>
+            <a:pPr marL="457200" lvl="1" indent="0">
+              <a:buNone/>
+            </a:pPr>
+            <a:endParaRPr lang="en-US" sz="1800" dirty="0"/>
+          </a:p>
+          <a:p>
+            <a:pPr marL="514350" indent="-514350">
+              <a:buFont typeface="+mj-lt"/>
+              <a:buAutoNum type="alphaLcPeriod"/>
+            </a:pPr>
+            <a:r>
+              <a:rPr lang="en-US" sz="1800" dirty="0"/>
+              <a:t>Caste bolo </a:t>
+            </a:r>
+            <a:r>
+              <a:rPr lang="en-US" sz="1800" dirty="0" err="1"/>
+              <a:t>tvrdenie</a:t>
+            </a:r>
+            <a:r>
+              <a:rPr lang="en-US" sz="1800" dirty="0"/>
+              <a:t> "</a:t>
+            </a:r>
+            <a:r>
+              <a:rPr lang="en-US" sz="1800" i="1" dirty="0"/>
+              <a:t>Ak </a:t>
+            </a:r>
+            <a:r>
+              <a:rPr lang="en-US" sz="1800" i="1" dirty="0" err="1"/>
+              <a:t>dva</a:t>
+            </a:r>
+            <a:r>
+              <a:rPr lang="en-US" sz="1800" i="1" dirty="0"/>
+              <a:t> </a:t>
+            </a:r>
+            <a:r>
+              <a:rPr lang="en-US" sz="1800" i="1" dirty="0" err="1"/>
+              <a:t>objekty</a:t>
+            </a:r>
+            <a:r>
+              <a:rPr lang="en-US" sz="1800" i="1" dirty="0"/>
+              <a:t> </a:t>
+            </a:r>
+            <a:r>
+              <a:rPr lang="en-US" sz="1800" i="1" dirty="0" err="1"/>
+              <a:t>maju</a:t>
+            </a:r>
+            <a:r>
+              <a:rPr lang="en-US" sz="1800" i="1" dirty="0"/>
+              <a:t> </a:t>
+            </a:r>
+            <a:r>
+              <a:rPr lang="en-US" sz="1800" i="1" dirty="0" err="1"/>
+              <a:t>rovnaky</a:t>
+            </a:r>
+            <a:r>
+              <a:rPr lang="en-US" sz="1800" i="1" dirty="0"/>
+              <a:t> hash, </a:t>
+            </a:r>
+            <a:r>
+              <a:rPr lang="en-US" sz="1800" i="1" dirty="0" err="1"/>
+              <a:t>tak</a:t>
+            </a:r>
+            <a:r>
+              <a:rPr lang="en-US" sz="1800" i="1" dirty="0"/>
+              <a:t> </a:t>
+            </a:r>
+            <a:r>
+              <a:rPr lang="en-US" sz="1800" i="1" dirty="0" err="1"/>
+              <a:t>su</a:t>
+            </a:r>
+            <a:r>
+              <a:rPr lang="en-US" sz="1800" i="1" dirty="0"/>
+              <a:t> to </a:t>
+            </a:r>
+            <a:r>
+              <a:rPr lang="en-US" sz="1800" i="1" dirty="0" err="1"/>
+              <a:t>rovnake</a:t>
+            </a:r>
+            <a:r>
+              <a:rPr lang="en-US" sz="1800" i="1" dirty="0"/>
+              <a:t> </a:t>
+            </a:r>
+            <a:r>
+              <a:rPr lang="en-US" sz="1800" i="1" dirty="0" err="1"/>
+              <a:t>objekty</a:t>
+            </a:r>
+            <a:r>
+              <a:rPr lang="en-US" sz="1800" i="1" dirty="0"/>
+              <a:t>.</a:t>
+            </a:r>
+            <a:r>
+              <a:rPr lang="en-US" sz="1800" dirty="0"/>
+              <a:t>" Toto </a:t>
+            </a:r>
+            <a:r>
+              <a:rPr lang="en-US" sz="1800" dirty="0" err="1"/>
+              <a:t>tvrdenie</a:t>
+            </a:r>
+            <a:r>
+              <a:rPr lang="en-US" sz="1800" dirty="0"/>
+              <a:t> </a:t>
+            </a:r>
+            <a:r>
+              <a:rPr lang="en-US" sz="1800" dirty="0" err="1"/>
+              <a:t>vo</a:t>
+            </a:r>
+            <a:r>
+              <a:rPr lang="en-US" sz="1800" dirty="0"/>
+              <a:t> </a:t>
+            </a:r>
+            <a:r>
+              <a:rPr lang="en-US" sz="1800" dirty="0" err="1"/>
+              <a:t>vseobecnosti</a:t>
+            </a:r>
+            <a:r>
+              <a:rPr lang="en-US" sz="1800" dirty="0"/>
+              <a:t> </a:t>
+            </a:r>
+            <a:r>
+              <a:rPr lang="en-US" sz="1800" dirty="0" err="1"/>
+              <a:t>neplati</a:t>
+            </a:r>
+            <a:r>
+              <a:rPr lang="en-US" sz="1800" dirty="0"/>
+              <a:t>! (</a:t>
+            </a:r>
+            <a:r>
+              <a:rPr lang="en-US" sz="1800" dirty="0" err="1"/>
+              <a:t>Opacna</a:t>
+            </a:r>
+            <a:r>
+              <a:rPr lang="en-US" sz="1800" dirty="0"/>
+              <a:t> </a:t>
+            </a:r>
+            <a:r>
+              <a:rPr lang="en-US" sz="1800" dirty="0" err="1"/>
+              <a:t>implikacia</a:t>
+            </a:r>
+            <a:r>
+              <a:rPr lang="en-US" sz="1800" dirty="0"/>
+              <a:t> by </a:t>
+            </a:r>
+            <a:r>
+              <a:rPr lang="en-US" sz="1800" dirty="0" err="1"/>
+              <a:t>vsak</a:t>
+            </a:r>
+            <a:r>
+              <a:rPr lang="en-US" sz="1800" dirty="0"/>
+              <a:t> </a:t>
+            </a:r>
+            <a:r>
+              <a:rPr lang="en-US" sz="1800" dirty="0" err="1"/>
+              <a:t>platit</a:t>
+            </a:r>
+            <a:r>
+              <a:rPr lang="en-US" sz="1800" dirty="0"/>
+              <a:t> mala.) Preto v </a:t>
+            </a:r>
+            <a:r>
+              <a:rPr lang="en-US" sz="1800" dirty="0" err="1"/>
+              <a:t>priklade</a:t>
+            </a:r>
+            <a:r>
+              <a:rPr lang="en-US" sz="1800" dirty="0"/>
+              <a:t> 3e) bolo </a:t>
+            </a:r>
+            <a:r>
+              <a:rPr lang="en-US" sz="1800" dirty="0" err="1"/>
+              <a:t>potrebne</a:t>
+            </a:r>
+            <a:r>
+              <a:rPr lang="en-US" sz="1800" dirty="0"/>
+              <a:t> </a:t>
+            </a:r>
+            <a:r>
+              <a:rPr lang="en-US" sz="1800" dirty="0" err="1"/>
+              <a:t>zadefinovat</a:t>
+            </a:r>
+            <a:r>
+              <a:rPr lang="en-US" sz="1800" dirty="0"/>
+              <a:t> </a:t>
+            </a:r>
+            <a:r>
+              <a:rPr lang="en-US" sz="1800" dirty="0" err="1"/>
+              <a:t>hashCode</a:t>
+            </a:r>
+            <a:r>
+              <a:rPr lang="en-US" sz="1800" dirty="0"/>
+              <a:t>() a </a:t>
+            </a:r>
+            <a:r>
+              <a:rPr lang="en-US" sz="1800" dirty="0" err="1"/>
+              <a:t>aj</a:t>
+            </a:r>
+            <a:r>
+              <a:rPr lang="en-US" sz="1800" dirty="0"/>
+              <a:t> equals().</a:t>
+            </a:r>
+          </a:p>
+          <a:p>
+            <a:pPr marL="514350" indent="-514350">
+              <a:buFont typeface="+mj-lt"/>
+              <a:buAutoNum type="alphaLcPeriod"/>
+            </a:pPr>
+            <a:endParaRPr lang="en-US" sz="1800" dirty="0"/>
+          </a:p>
+          <a:p>
+            <a:pPr marL="0" indent="0">
+              <a:buNone/>
+            </a:pPr>
+            <a:r>
+              <a:rPr lang="en-US" sz="1800" b="1" dirty="0">
+                <a:solidFill>
+                  <a:srgbClr val="7F0055"/>
+                </a:solidFill>
+                <a:latin typeface="Consolas" panose="020B0609020204030204" pitchFamily="49" charset="0"/>
+              </a:rPr>
+              <a:t>class</a:t>
+            </a:r>
+            <a:r>
+              <a:rPr lang="en-US" sz="1800" b="1" dirty="0">
+                <a:solidFill>
+                  <a:srgbClr val="000000"/>
+                </a:solidFill>
+                <a:latin typeface="Consolas" panose="020B0609020204030204" pitchFamily="49" charset="0"/>
+              </a:rPr>
+              <a:t> Zajac {</a:t>
+            </a:r>
+          </a:p>
+          <a:p>
+            <a:pPr marL="0" indent="0">
+              <a:buNone/>
+            </a:pPr>
+            <a:r>
+              <a:rPr lang="en-US" sz="1800" dirty="0">
+                <a:solidFill>
+                  <a:srgbClr val="646464"/>
+                </a:solidFill>
+                <a:latin typeface="Consolas" panose="020B0609020204030204" pitchFamily="49" charset="0"/>
+              </a:rPr>
+              <a:t>  @Override</a:t>
+            </a:r>
+          </a:p>
+          <a:p>
+            <a:pPr marL="0" indent="0">
+              <a:buNone/>
+            </a:pPr>
+            <a:r>
+              <a:rPr lang="en-US" sz="1800" b="1" dirty="0">
+                <a:solidFill>
+                  <a:srgbClr val="7F0055"/>
+                </a:solidFill>
+                <a:latin typeface="Consolas" panose="020B0609020204030204" pitchFamily="49" charset="0"/>
+              </a:rPr>
+              <a:t>  public</a:t>
+            </a:r>
+            <a:r>
+              <a:rPr lang="en-US" sz="1800" b="1" dirty="0">
+                <a:solidFill>
+                  <a:srgbClr val="000000"/>
+                </a:solidFill>
+                <a:latin typeface="Consolas" panose="020B0609020204030204" pitchFamily="49" charset="0"/>
+              </a:rPr>
+              <a:t> </a:t>
+            </a:r>
+            <a:r>
+              <a:rPr lang="en-US" sz="1800" b="1" dirty="0">
+                <a:solidFill>
+                  <a:srgbClr val="7F0055"/>
+                </a:solidFill>
+                <a:latin typeface="Consolas" panose="020B0609020204030204" pitchFamily="49" charset="0"/>
+              </a:rPr>
+              <a:t>int</a:t>
+            </a:r>
+            <a:r>
+              <a:rPr lang="en-US" sz="1800" b="1" dirty="0">
+                <a:solidFill>
+                  <a:srgbClr val="000000"/>
+                </a:solidFill>
+                <a:latin typeface="Consolas" panose="020B0609020204030204" pitchFamily="49" charset="0"/>
+              </a:rPr>
+              <a:t> </a:t>
+            </a:r>
+            <a:r>
+              <a:rPr lang="en-US" sz="1800" b="1" dirty="0" err="1">
+                <a:solidFill>
+                  <a:srgbClr val="000000"/>
+                </a:solidFill>
+                <a:latin typeface="Consolas" panose="020B0609020204030204" pitchFamily="49" charset="0"/>
+              </a:rPr>
+              <a:t>hashCode</a:t>
+            </a:r>
+            <a:r>
+              <a:rPr lang="en-US" sz="1800" b="1" dirty="0">
+                <a:solidFill>
+                  <a:srgbClr val="000000"/>
+                </a:solidFill>
+                <a:latin typeface="Consolas" panose="020B0609020204030204" pitchFamily="49" charset="0"/>
+              </a:rPr>
+              <a:t>() { </a:t>
+            </a:r>
+            <a:r>
+              <a:rPr lang="en-US" sz="1800" b="1" dirty="0">
+                <a:solidFill>
+                  <a:srgbClr val="7F0055"/>
+                </a:solidFill>
+                <a:latin typeface="Consolas" panose="020B0609020204030204" pitchFamily="49" charset="0"/>
+              </a:rPr>
+              <a:t>return</a:t>
+            </a:r>
+            <a:r>
+              <a:rPr lang="en-US" sz="1800" b="1" dirty="0">
+                <a:solidFill>
+                  <a:srgbClr val="000000"/>
+                </a:solidFill>
+                <a:latin typeface="Consolas" panose="020B0609020204030204" pitchFamily="49" charset="0"/>
+              </a:rPr>
+              <a:t> 1; }</a:t>
+            </a:r>
+          </a:p>
+          <a:p>
+            <a:pPr marL="0" indent="0">
+              <a:buNone/>
+            </a:pPr>
+            <a:endParaRPr lang="en-US" sz="1800" b="1" dirty="0">
+              <a:solidFill>
+                <a:srgbClr val="000000"/>
+              </a:solidFill>
+              <a:latin typeface="Consolas" panose="020B0609020204030204" pitchFamily="49" charset="0"/>
+            </a:endParaRPr>
+          </a:p>
+          <a:p>
+            <a:pPr marL="0" indent="0">
+              <a:buNone/>
+            </a:pPr>
+            <a:r>
+              <a:rPr lang="en-US" sz="1800" dirty="0">
+                <a:solidFill>
+                  <a:srgbClr val="646464"/>
+                </a:solidFill>
+                <a:latin typeface="Consolas" panose="020B0609020204030204" pitchFamily="49" charset="0"/>
+              </a:rPr>
+              <a:t>  @Override</a:t>
+            </a:r>
+          </a:p>
+          <a:p>
+            <a:pPr marL="0" indent="0">
+              <a:buNone/>
+            </a:pPr>
+            <a:r>
+              <a:rPr lang="en-US" sz="1800" b="1" dirty="0">
+                <a:solidFill>
+                  <a:srgbClr val="7F0055"/>
+                </a:solidFill>
+                <a:latin typeface="Consolas" panose="020B0609020204030204" pitchFamily="49" charset="0"/>
+              </a:rPr>
+              <a:t>  public</a:t>
+            </a:r>
+            <a:r>
+              <a:rPr lang="en-US" sz="1800" b="1" dirty="0">
+                <a:solidFill>
+                  <a:srgbClr val="000000"/>
+                </a:solidFill>
+                <a:latin typeface="Consolas" panose="020B0609020204030204" pitchFamily="49" charset="0"/>
+              </a:rPr>
+              <a:t> </a:t>
+            </a:r>
+            <a:r>
+              <a:rPr lang="en-US" sz="1800" b="1" dirty="0" err="1">
+                <a:solidFill>
+                  <a:srgbClr val="7F0055"/>
+                </a:solidFill>
+                <a:latin typeface="Consolas" panose="020B0609020204030204" pitchFamily="49" charset="0"/>
+              </a:rPr>
+              <a:t>boolean</a:t>
+            </a:r>
+            <a:r>
+              <a:rPr lang="en-US" sz="1800" b="1" dirty="0">
+                <a:solidFill>
+                  <a:srgbClr val="000000"/>
+                </a:solidFill>
+                <a:latin typeface="Consolas" panose="020B0609020204030204" pitchFamily="49" charset="0"/>
+              </a:rPr>
+              <a:t> equals(Object </a:t>
+            </a:r>
+            <a:r>
+              <a:rPr lang="en-US" sz="1800" b="1" dirty="0">
+                <a:solidFill>
+                  <a:srgbClr val="6A3E3E"/>
+                </a:solidFill>
+                <a:latin typeface="Consolas" panose="020B0609020204030204" pitchFamily="49" charset="0"/>
+              </a:rPr>
+              <a:t>o</a:t>
+            </a:r>
+            <a:r>
+              <a:rPr lang="en-US" sz="1800" b="1" dirty="0">
+                <a:solidFill>
+                  <a:srgbClr val="000000"/>
+                </a:solidFill>
+                <a:latin typeface="Consolas" panose="020B0609020204030204" pitchFamily="49" charset="0"/>
+              </a:rPr>
+              <a:t>) { </a:t>
+            </a:r>
+            <a:r>
+              <a:rPr lang="en-US" sz="1800" b="1" dirty="0">
+                <a:solidFill>
+                  <a:srgbClr val="7F0055"/>
+                </a:solidFill>
+                <a:latin typeface="Consolas" panose="020B0609020204030204" pitchFamily="49" charset="0"/>
+              </a:rPr>
+              <a:t>return</a:t>
+            </a:r>
+            <a:r>
+              <a:rPr lang="en-US" sz="1800" b="1" dirty="0">
+                <a:solidFill>
+                  <a:srgbClr val="000000"/>
+                </a:solidFill>
+                <a:latin typeface="Consolas" panose="020B0609020204030204" pitchFamily="49" charset="0"/>
+              </a:rPr>
+              <a:t> </a:t>
+            </a:r>
+            <a:r>
+              <a:rPr lang="en-US" sz="1800" b="1" dirty="0">
+                <a:solidFill>
+                  <a:srgbClr val="7F0055"/>
+                </a:solidFill>
+                <a:latin typeface="Consolas" panose="020B0609020204030204" pitchFamily="49" charset="0"/>
+              </a:rPr>
+              <a:t>true</a:t>
+            </a:r>
+            <a:r>
+              <a:rPr lang="en-US" sz="1800" b="1" dirty="0">
+                <a:solidFill>
+                  <a:srgbClr val="000000"/>
+                </a:solidFill>
+                <a:latin typeface="Consolas" panose="020B0609020204030204" pitchFamily="49" charset="0"/>
+              </a:rPr>
+              <a:t>; }</a:t>
+            </a:r>
+          </a:p>
+          <a:p>
+            <a:pPr marL="0" indent="0">
+              <a:buNone/>
+            </a:pPr>
+            <a:r>
+              <a:rPr lang="en-US" sz="1800" dirty="0">
+                <a:solidFill>
+                  <a:srgbClr val="000000"/>
+                </a:solidFill>
+                <a:latin typeface="Consolas" panose="020B0609020204030204" pitchFamily="49" charset="0"/>
+              </a:rPr>
+              <a:t>}</a:t>
+            </a:r>
+            <a:br>
+              <a:rPr lang="en-US" sz="1800" dirty="0"/>
+            </a:br>
+            <a:endParaRPr lang="en-US" sz="1800" dirty="0"/>
+          </a:p>
+        </p:txBody>
+      </p:sp>
+    </p:spTree>
+    <p:extLst>
+      <p:ext uri="{BB962C8B-B14F-4D97-AF65-F5344CB8AC3E}">
+        <p14:creationId xmlns:p14="http://schemas.microsoft.com/office/powerpoint/2010/main" val="803739452"/>
+      </p:ext>
+    </p:extLst>
+  </p:cSld>
+  <p:clrMapOvr>
+    <a:masterClrMapping/>
+  </p:clrMapOvr>
+</p:sld>
+</file>
+
+<file path=ppt/slides/slide6.xml><?xml version="1.0" encoding="utf-8"?>
+<p:sld xmlns:a="http://schemas.openxmlformats.org/drawingml/2006/main" xmlns:r="http://schemas.openxmlformats.org/officeDocument/2006/relationships" xmlns:p="http://schemas.openxmlformats.org/presentationml/2006/main">
+  <p:cSld>
+    <p:spTree>
+      <p:nvGrpSpPr>
+        <p:cNvPr id="1" name=""/>
+        <p:cNvGrpSpPr/>
+        <p:nvPr/>
+      </p:nvGrpSpPr>
+      <p:grpSpPr>
+        <a:xfrm>
+          <a:off x="0" y="0"/>
+          <a:ext cx="0" cy="0"/>
+          <a:chOff x="0" y="0"/>
+          <a:chExt cx="0" cy="0"/>
+        </a:xfrm>
+      </p:grpSpPr>
+      <p:sp>
+        <p:nvSpPr>
+          <p:cNvPr id="2" name="Title 1">
+            <a:extLst>
+              <a:ext uri="{FF2B5EF4-FFF2-40B4-BE49-F238E27FC236}">
+                <a16:creationId xmlns:a16="http://schemas.microsoft.com/office/drawing/2014/main" id="{ACB5AD32-2BAA-44C9-B491-44E21BC341B5}"/>
+              </a:ext>
+            </a:extLst>
+          </p:cNvPr>
+          <p:cNvSpPr>
+            <a:spLocks noGrp="1"/>
+          </p:cNvSpPr>
+          <p:nvPr>
+            <p:ph type="title"/>
+          </p:nvPr>
+        </p:nvSpPr>
+        <p:spPr/>
+        <p:txBody>
+          <a:bodyPr/>
+          <a:lstStyle/>
+          <a:p>
+            <a:r>
+              <a:rPr lang="en-US" dirty="0" err="1"/>
+              <a:t>Pr</a:t>
+            </a:r>
+            <a:r>
+              <a:rPr lang="sk-SK" dirty="0"/>
               <a:t>íklad Streamový</a:t>
             </a:r>
             <a:br>
@@ -7344,7 +9531,7 @@
               <a:rPr lang="en-US" sz="1800" dirty="0">
                 <a:latin typeface="Consolas" panose="020B0609020204030204" pitchFamily="49" charset="0"/>
               </a:rPr>
-              <a:t>00 == 99</a:t>
+              <a:t>00 != 99</a:t>
             </a:r>
             <a:r>
               <a:rPr lang="sk-SK" sz="1800" dirty="0">
@@ -7719,7 +9906,7 @@
 </p:sld>
 </file>
 
-<file path=ppt/slides/slide6.xml><?xml version="1.0" encoding="utf-8"?>
+<file path=ppt/slides/slide7.xml><?xml version="1.0" encoding="utf-8"?>
 <p:sld xmlns:a="http://schemas.openxmlformats.org/drawingml/2006/main" xmlns:r="http://schemas.openxmlformats.org/officeDocument/2006/relationships" xmlns:p="http://schemas.openxmlformats.org/presentationml/2006/main">
   <p:cSld>
     <p:spTree>
@@ -7953,7 +10140,7 @@
 </p:sld>
 </file>
 
-<file path=ppt/slides/slide7.xml><?xml version="1.0" encoding="utf-8"?>
+<file path=ppt/slides/slide8.xml><?xml version="1.0" encoding="utf-8"?>
 <p:sld xmlns:a="http://schemas.openxmlformats.org/drawingml/2006/main" xmlns:r="http://schemas.openxmlformats.org/officeDocument/2006/relationships" xmlns:p="http://schemas.openxmlformats.org/presentationml/2006/main">
   <p:cSld>
     <p:spTree>
@@ -8242,7 +10429,7 @@
 </p:sld>
 </file>
 
-<file path=ppt/slides/slide8.xml><?xml version="1.0" encoding="utf-8"?>
+<file path=ppt/slides/slide9.xml><?xml version="1.0" encoding="utf-8"?>
 <p:sld xmlns:a="http://schemas.openxmlformats.org/drawingml/2006/main" xmlns:r="http://schemas.openxmlformats.org/officeDocument/2006/relationships" xmlns:p="http://schemas.openxmlformats.org/presentationml/2006/main">
   <p:cSld>
     <p:spTree>

--- a/10/10_java_intro.pptx
+++ b/10/10_java_intro.pptx
@@ -216,7 +216,7 @@
           <a:p>
             <a:fld id="{DD20B0D9-6C7C-4413-BAA7-4631A9D1711C}" type="datetimeFigureOut">
               <a:rPr lang="en-US" smtClean="0"/>
-              <a:t>4/24/2019</a:t>
+              <a:t>4/27/2019</a:t>
             </a:fld>
             <a:endParaRPr lang="en-US"/>
           </a:p>
@@ -747,7 +747,7 @@
             <a:fld id="{C3CF27EA-1729-4A5D-9AD5-CB5E490EDF76}" type="datetimeFigureOut">
               <a:rPr lang="sk-SK" smtClean="0"/>
               <a:pPr/>
-              <a:t>24. 4. 2019</a:t>
+              <a:t>27. 4. 2019</a:t>
             </a:fld>
             <a:endParaRPr lang="sk-SK"/>
           </a:p>
@@ -912,7 +912,7 @@
             <a:fld id="{C3CF27EA-1729-4A5D-9AD5-CB5E490EDF76}" type="datetimeFigureOut">
               <a:rPr lang="sk-SK" smtClean="0"/>
               <a:pPr/>
-              <a:t>24. 4. 2019</a:t>
+              <a:t>27. 4. 2019</a:t>
             </a:fld>
             <a:endParaRPr lang="sk-SK"/>
           </a:p>
@@ -1087,7 +1087,7 @@
             <a:fld id="{C3CF27EA-1729-4A5D-9AD5-CB5E490EDF76}" type="datetimeFigureOut">
               <a:rPr lang="sk-SK" smtClean="0"/>
               <a:pPr/>
-              <a:t>24. 4. 2019</a:t>
+              <a:t>27. 4. 2019</a:t>
             </a:fld>
             <a:endParaRPr lang="sk-SK"/>
           </a:p>
@@ -1252,7 +1252,7 @@
             <a:fld id="{C3CF27EA-1729-4A5D-9AD5-CB5E490EDF76}" type="datetimeFigureOut">
               <a:rPr lang="sk-SK" smtClean="0"/>
               <a:pPr/>
-              <a:t>24. 4. 2019</a:t>
+              <a:t>27. 4. 2019</a:t>
             </a:fld>
             <a:endParaRPr lang="sk-SK"/>
           </a:p>
@@ -1494,7 +1494,7 @@
             <a:fld id="{C3CF27EA-1729-4A5D-9AD5-CB5E490EDF76}" type="datetimeFigureOut">
               <a:rPr lang="sk-SK" smtClean="0"/>
               <a:pPr/>
-              <a:t>24. 4. 2019</a:t>
+              <a:t>27. 4. 2019</a:t>
             </a:fld>
             <a:endParaRPr lang="sk-SK"/>
           </a:p>
@@ -1776,7 +1776,7 @@
             <a:fld id="{C3CF27EA-1729-4A5D-9AD5-CB5E490EDF76}" type="datetimeFigureOut">
               <a:rPr lang="sk-SK" smtClean="0"/>
               <a:pPr/>
-              <a:t>24. 4. 2019</a:t>
+              <a:t>27. 4. 2019</a:t>
             </a:fld>
             <a:endParaRPr lang="sk-SK"/>
           </a:p>
@@ -2192,7 +2192,7 @@
             <a:fld id="{C3CF27EA-1729-4A5D-9AD5-CB5E490EDF76}" type="datetimeFigureOut">
               <a:rPr lang="sk-SK" smtClean="0"/>
               <a:pPr/>
-              <a:t>24. 4. 2019</a:t>
+              <a:t>27. 4. 2019</a:t>
             </a:fld>
             <a:endParaRPr lang="sk-SK"/>
           </a:p>
@@ -2306,7 +2306,7 @@
             <a:fld id="{C3CF27EA-1729-4A5D-9AD5-CB5E490EDF76}" type="datetimeFigureOut">
               <a:rPr lang="sk-SK" smtClean="0"/>
               <a:pPr/>
-              <a:t>24. 4. 2019</a:t>
+              <a:t>27. 4. 2019</a:t>
             </a:fld>
             <a:endParaRPr lang="sk-SK"/>
           </a:p>
@@ -2398,7 +2398,7 @@
             <a:fld id="{C3CF27EA-1729-4A5D-9AD5-CB5E490EDF76}" type="datetimeFigureOut">
               <a:rPr lang="sk-SK" smtClean="0"/>
               <a:pPr/>
-              <a:t>24. 4. 2019</a:t>
+              <a:t>27. 4. 2019</a:t>
             </a:fld>
             <a:endParaRPr lang="sk-SK"/>
           </a:p>
@@ -2670,7 +2670,7 @@
             <a:fld id="{C3CF27EA-1729-4A5D-9AD5-CB5E490EDF76}" type="datetimeFigureOut">
               <a:rPr lang="sk-SK" smtClean="0"/>
               <a:pPr/>
-              <a:t>24. 4. 2019</a:t>
+              <a:t>27. 4. 2019</a:t>
             </a:fld>
             <a:endParaRPr lang="sk-SK"/>
           </a:p>
@@ -2919,7 +2919,7 @@
             <a:fld id="{C3CF27EA-1729-4A5D-9AD5-CB5E490EDF76}" type="datetimeFigureOut">
               <a:rPr lang="sk-SK" smtClean="0"/>
               <a:pPr/>
-              <a:t>24. 4. 2019</a:t>
+              <a:t>27. 4. 2019</a:t>
             </a:fld>
             <a:endParaRPr lang="sk-SK"/>
           </a:p>
@@ -3127,7 +3127,7 @@
             <a:fld id="{C3CF27EA-1729-4A5D-9AD5-CB5E490EDF76}" type="datetimeFigureOut">
               <a:rPr lang="sk-SK" smtClean="0"/>
               <a:pPr/>
-              <a:t>24. 4. 2019</a:t>
+              <a:t>27. 4. 2019</a:t>
             </a:fld>
             <a:endParaRPr lang="sk-SK"/>
           </a:p>
@@ -3498,71 +3498,36 @@
           <a:chExt cx="0" cy="0"/>
         </a:xfrm>
       </p:grpSpPr>
-      <p:sp>
-        <p:nvSpPr>
-          <p:cNvPr id="2" name="Nadpis 1"/>
-          <p:cNvSpPr>
-            <a:spLocks noGrp="1"/>
-          </p:cNvSpPr>
-          <p:nvPr>
-            <p:ph type="ctrTitle"/>
-          </p:nvPr>
-        </p:nvSpPr>
+      <p:pic>
+        <p:nvPicPr>
+          <p:cNvPr id="4" name="Picture 3">
+            <a:extLst>
+              <a:ext uri="{FF2B5EF4-FFF2-40B4-BE49-F238E27FC236}">
+                <a16:creationId xmlns:a16="http://schemas.microsoft.com/office/drawing/2014/main" id="{62EE0235-F155-4547-A188-EAE830CB495F}"/>
+              </a:ext>
+            </a:extLst>
+          </p:cNvPr>
+          <p:cNvPicPr>
+            <a:picLocks noChangeAspect="1"/>
+          </p:cNvPicPr>
+          <p:nvPr/>
+        </p:nvPicPr>
+        <p:blipFill>
+          <a:blip r:embed="rId2"/>
+          <a:stretch>
+            <a:fillRect/>
+          </a:stretch>
+        </p:blipFill>
         <p:spPr>
           <a:xfrm>
-            <a:off x="683568" y="404664"/>
-            <a:ext cx="7772400" cy="1470025"/>
+            <a:off x="12551" y="0"/>
+            <a:ext cx="6143625" cy="2619375"/>
           </a:xfrm>
+          <a:prstGeom prst="rect">
+            <a:avLst/>
+          </a:prstGeom>
         </p:spPr>
-        <p:txBody>
-          <a:bodyPr/>
-          <a:lstStyle/>
-          <a:p>
-            <a:r>
-              <a:rPr lang="en-US" dirty="0"/>
-              <a:t>Midterm 201</a:t>
-            </a:r>
-            <a:r>
-              <a:rPr lang="sk-SK" dirty="0"/>
-              <a:t>9</a:t>
-            </a:r>
-          </a:p>
-        </p:txBody>
-      </p:sp>
-      <p:sp>
-        <p:nvSpPr>
-          <p:cNvPr id="3" name="Podnadpis 2"/>
-          <p:cNvSpPr>
-            <a:spLocks noGrp="1"/>
-          </p:cNvSpPr>
-          <p:nvPr>
-            <p:ph type="subTitle" idx="1"/>
-          </p:nvPr>
-        </p:nvSpPr>
-        <p:spPr>
-          <a:xfrm>
-            <a:off x="1547664" y="1412776"/>
-            <a:ext cx="6400800" cy="720080"/>
-          </a:xfrm>
-        </p:spPr>
-        <p:txBody>
-          <a:bodyPr/>
-          <a:lstStyle/>
-          <a:p>
-            <a:r>
-              <a:rPr lang="en-US" dirty="0" err="1"/>
-              <a:t>Priemery</a:t>
-            </a:r>
-            <a:endParaRPr lang="en-US" dirty="0"/>
-          </a:p>
-          <a:p>
-            <a:endParaRPr lang="en-US" dirty="0"/>
-          </a:p>
-          <a:p>
-            <a:endParaRPr lang="sk-SK" dirty="0"/>
-          </a:p>
-        </p:txBody>
-      </p:sp>
+      </p:pic>
       <p:graphicFrame>
         <p:nvGraphicFramePr>
           <p:cNvPr id="5" name="Tabuľka 4"/>
@@ -3572,63 +3537,63 @@
           <p:nvPr>
             <p:extLst>
               <p:ext uri="{D42A27DB-BD31-4B8C-83A1-F6EECF244321}">
-                <p14:modId xmlns:p14="http://schemas.microsoft.com/office/powerpoint/2010/main" val="1181161"/>
+                <p14:modId xmlns:p14="http://schemas.microsoft.com/office/powerpoint/2010/main" val="971857909"/>
               </p:ext>
             </p:extLst>
           </p:nvPr>
         </p:nvGraphicFramePr>
         <p:xfrm>
           <a:off x="1043608" y="2564904"/>
-          <a:ext cx="6402314" cy="4192077"/>
+          <a:ext cx="7200800" cy="4192077"/>
         </p:xfrm>
         <a:graphic>
           <a:graphicData uri="http://schemas.openxmlformats.org/drawingml/2006/table">
             <a:tbl>
               <a:tblPr/>
               <a:tblGrid>
-                <a:gridCol w="1023684">
+                <a:gridCol w="1151356">
                   <a:extLst>
                     <a:ext uri="{9D8B030D-6E8A-4147-A177-3AD203B41FA5}">
                       <a16:colId xmlns:a16="http://schemas.microsoft.com/office/drawing/2014/main" val="20000"/>
                     </a:ext>
                   </a:extLst>
                 </a:gridCol>
-                <a:gridCol w="531813">
+                <a:gridCol w="864868">
                   <a:extLst>
                     <a:ext uri="{9D8B030D-6E8A-4147-A177-3AD203B41FA5}">
                       <a16:colId xmlns:a16="http://schemas.microsoft.com/office/drawing/2014/main" val="20001"/>
                     </a:ext>
                   </a:extLst>
                 </a:gridCol>
-                <a:gridCol w="1009298">
+                <a:gridCol w="868448">
                   <a:extLst>
                     <a:ext uri="{9D8B030D-6E8A-4147-A177-3AD203B41FA5}">
                       <a16:colId xmlns:a16="http://schemas.microsoft.com/office/drawing/2014/main" val="20002"/>
                     </a:ext>
                   </a:extLst>
                 </a:gridCol>
-                <a:gridCol w="1009298">
+                <a:gridCol w="1135176">
                   <a:extLst>
                     <a:ext uri="{9D8B030D-6E8A-4147-A177-3AD203B41FA5}">
                       <a16:colId xmlns:a16="http://schemas.microsoft.com/office/drawing/2014/main" val="20003"/>
                     </a:ext>
                   </a:extLst>
                 </a:gridCol>
-                <a:gridCol w="1009298">
+                <a:gridCol w="1135176">
                   <a:extLst>
                     <a:ext uri="{9D8B030D-6E8A-4147-A177-3AD203B41FA5}">
                       <a16:colId xmlns:a16="http://schemas.microsoft.com/office/drawing/2014/main" val="20004"/>
                     </a:ext>
                   </a:extLst>
                 </a:gridCol>
-                <a:gridCol w="809625">
+                <a:gridCol w="910600">
                   <a:extLst>
                     <a:ext uri="{9D8B030D-6E8A-4147-A177-3AD203B41FA5}">
                       <a16:colId xmlns:a16="http://schemas.microsoft.com/office/drawing/2014/main" val="20005"/>
                     </a:ext>
                   </a:extLst>
                 </a:gridCol>
-                <a:gridCol w="1009298">
+                <a:gridCol w="1135176">
                   <a:extLst>
                     <a:ext uri="{9D8B030D-6E8A-4147-A177-3AD203B41FA5}">
                       <a16:colId xmlns:a16="http://schemas.microsoft.com/office/drawing/2014/main" val="20006"/>
@@ -3913,7 +3878,7 @@
                           </a:solidFill>
                           <a:latin typeface="Calibri"/>
                         </a:rPr>
-                        <a:t>12.7</a:t>
+                        <a:t>1</a:t>
                       </a:r>
                       <a:r>
                         <a:rPr lang="en-US" sz="1600" b="1" i="0" u="none" strike="noStrike" dirty="0">
@@ -3922,7 +3887,25 @@
                           </a:solidFill>
                           <a:latin typeface="Calibri"/>
                         </a:rPr>
-                        <a:t>0</a:t>
+                        <a:t>6</a:t>
+                      </a:r>
+                      <a:r>
+                        <a:rPr lang="sk-SK" sz="1600" b="1" i="0" u="none" strike="noStrike" dirty="0">
+                          <a:solidFill>
+                            <a:srgbClr val="000000"/>
+                          </a:solidFill>
+                          <a:latin typeface="Calibri"/>
+                        </a:rPr>
+                        <a:t>.</a:t>
+                      </a:r>
+                      <a:r>
+                        <a:rPr lang="en-US" sz="1600" b="1" i="0" u="none" strike="noStrike" dirty="0">
+                          <a:solidFill>
+                            <a:srgbClr val="000000"/>
+                          </a:solidFill>
+                          <a:latin typeface="Calibri"/>
+                        </a:rPr>
+                        <a:t>27</a:t>
                       </a:r>
                       <a:endParaRPr lang="sk-SK" sz="1600" b="1" i="0" u="none" strike="noStrike" dirty="0">
                         <a:solidFill>
@@ -4204,7 +4187,25 @@
                           </a:solidFill>
                           <a:latin typeface="Calibri"/>
                         </a:rPr>
-                        <a:t>12.</a:t>
+                        <a:t>1</a:t>
+                      </a:r>
+                      <a:r>
+                        <a:rPr lang="en-US" sz="1600" b="1" i="0" u="none" strike="noStrike" dirty="0">
+                          <a:solidFill>
+                            <a:srgbClr val="000000"/>
+                          </a:solidFill>
+                          <a:latin typeface="Calibri"/>
+                        </a:rPr>
+                        <a:t>6</a:t>
+                      </a:r>
+                      <a:r>
+                        <a:rPr lang="sk-SK" sz="1600" b="1" i="0" u="none" strike="noStrike" dirty="0">
+                          <a:solidFill>
+                            <a:srgbClr val="000000"/>
+                          </a:solidFill>
+                          <a:latin typeface="Calibri"/>
+                        </a:rPr>
+                        <a:t>.</a:t>
                       </a:r>
                       <a:r>
                         <a:rPr lang="en-US" sz="1600" b="1" i="0" u="none" strike="noStrike" dirty="0">
@@ -4498,7 +4499,25 @@
                           </a:solidFill>
                           <a:latin typeface="Calibri"/>
                         </a:rPr>
-                        <a:t>20.8</a:t>
+                        <a:t>2</a:t>
+                      </a:r>
+                      <a:r>
+                        <a:rPr lang="en-US" sz="1600" b="1" i="0" u="none" strike="noStrike" dirty="0">
+                          <a:solidFill>
+                            <a:srgbClr val="000000"/>
+                          </a:solidFill>
+                          <a:latin typeface="Calibri"/>
+                        </a:rPr>
+                        <a:t>5</a:t>
+                      </a:r>
+                      <a:r>
+                        <a:rPr lang="sk-SK" sz="1600" b="1" i="0" u="none" strike="noStrike" dirty="0">
+                          <a:solidFill>
+                            <a:srgbClr val="000000"/>
+                          </a:solidFill>
+                          <a:latin typeface="Calibri"/>
+                        </a:rPr>
+                        <a:t>.8</a:t>
                       </a:r>
                     </a:p>
                   </a:txBody>
@@ -4791,12 +4810,106 @@
                     <a:lstStyle/>
                     <a:p>
                       <a:pPr algn="r" fontAlgn="b"/>
-                      <a:endParaRPr lang="sk-SK" sz="1400" b="0" i="0" u="none" strike="noStrike">
+                      <a:r>
+                        <a:rPr lang="en-US" sz="1400" b="0" i="0" u="none" strike="noStrike" dirty="0" err="1">
+                          <a:solidFill>
+                            <a:srgbClr val="000000"/>
+                          </a:solidFill>
+                          <a:latin typeface="Calibri"/>
+                        </a:rPr>
+                        <a:t>LindaJ</a:t>
+                      </a:r>
+                      <a:endParaRPr lang="en-US" sz="1400" b="0" i="0" u="none" strike="noStrike" dirty="0">
                         <a:solidFill>
                           <a:srgbClr val="000000"/>
                         </a:solidFill>
                         <a:latin typeface="Calibri"/>
                       </a:endParaRPr>
+                    </a:p>
+                    <a:p>
+                      <a:pPr algn="r" fontAlgn="b"/>
+                      <a:r>
+                        <a:rPr lang="en-US" sz="1400" b="0" i="0" u="none" strike="noStrike" dirty="0">
+                          <a:solidFill>
+                            <a:srgbClr val="000000"/>
+                          </a:solidFill>
+                          <a:latin typeface="Calibri"/>
+                        </a:rPr>
+                        <a:t>D</a:t>
+                      </a:r>
+                      <a:r>
+                        <a:rPr lang="sk-SK" sz="1400" b="0" i="0" u="none" strike="noStrike" dirty="0">
+                          <a:solidFill>
+                            <a:srgbClr val="000000"/>
+                          </a:solidFill>
+                          <a:latin typeface="Calibri"/>
+                        </a:rPr>
+                        <a:t>ášaK</a:t>
+                      </a:r>
+                    </a:p>
+                    <a:p>
+                      <a:pPr marL="0" marR="0" lvl="0" indent="0" algn="r" defTabSz="914400" rtl="0" eaLnBrk="1" fontAlgn="b" latinLnBrk="0" hangingPunct="1">
+                        <a:lnSpc>
+                          <a:spcPct val="100000"/>
+                        </a:lnSpc>
+                        <a:spcBef>
+                          <a:spcPts val="0"/>
+                        </a:spcBef>
+                        <a:spcAft>
+                          <a:spcPts val="0"/>
+                        </a:spcAft>
+                        <a:buClrTx/>
+                        <a:buSzTx/>
+                        <a:buFontTx/>
+                        <a:buNone/>
+                        <a:tabLst/>
+                        <a:defRPr/>
+                      </a:pPr>
+                      <a:r>
+                        <a:rPr lang="sk-SK" sz="1400" b="0" i="0" u="none" strike="noStrike" dirty="0">
+                          <a:solidFill>
+                            <a:srgbClr val="000000"/>
+                          </a:solidFill>
+                          <a:latin typeface="+mn-lt"/>
+                        </a:rPr>
+                        <a:t>JanaO</a:t>
+                      </a:r>
+                    </a:p>
+                    <a:p>
+                      <a:pPr algn="r" fontAlgn="b"/>
+                      <a:r>
+                        <a:rPr lang="sk-SK" sz="1400" b="0" i="0" u="none" strike="noStrike" dirty="0">
+                          <a:solidFill>
+                            <a:srgbClr val="000000"/>
+                          </a:solidFill>
+                          <a:latin typeface="Calibri"/>
+                        </a:rPr>
+                        <a:t>MichalH</a:t>
+                      </a:r>
+                    </a:p>
+                    <a:p>
+                      <a:pPr algn="r" fontAlgn="b"/>
+                      <a:r>
+                        <a:rPr lang="sk-SK" sz="1400" b="0" i="0" u="none" strike="noStrike" dirty="0">
+                          <a:solidFill>
+                            <a:srgbClr val="000000"/>
+                          </a:solidFill>
+                          <a:latin typeface="Calibri"/>
+                        </a:rPr>
+                        <a:t>TatianaG</a:t>
+                      </a:r>
+                    </a:p>
+                    <a:p>
+                      <a:pPr algn="r" fontAlgn="b"/>
+                      <a:r>
+                        <a:rPr lang="sk-SK" sz="1400" b="0" i="0" u="none" strike="noStrike" dirty="0">
+                          <a:solidFill>
+                            <a:srgbClr val="000000"/>
+                          </a:solidFill>
+                          <a:latin typeface="Calibri"/>
+                        </a:rPr>
+                        <a:t>MatejM</a:t>
+                      </a:r>
                     </a:p>
                   </a:txBody>
                   <a:tcPr marL="9525" marR="9525" marT="9525" marB="0" anchor="b">
@@ -5404,7 +5517,7 @@
           <p:nvPr/>
         </p:nvPicPr>
         <p:blipFill>
-          <a:blip r:embed="rId2" cstate="print"/>
+          <a:blip r:embed="rId3" cstate="print"/>
           <a:srcRect/>
           <a:stretch>
             <a:fillRect/>
@@ -5421,6 +5534,65 @@
           <a:noFill/>
         </p:spPr>
       </p:pic>
+      <p:sp>
+        <p:nvSpPr>
+          <p:cNvPr id="2" name="Nadpis 1"/>
+          <p:cNvSpPr>
+            <a:spLocks noGrp="1"/>
+          </p:cNvSpPr>
+          <p:nvPr>
+            <p:ph type="ctrTitle"/>
+          </p:nvPr>
+        </p:nvSpPr>
+        <p:spPr>
+          <a:xfrm>
+            <a:off x="2516116" y="4509120"/>
+            <a:ext cx="3580993" cy="819175"/>
+          </a:xfrm>
+          <a:solidFill>
+            <a:srgbClr val="FFFF00"/>
+          </a:solidFill>
+        </p:spPr>
+        <p:txBody>
+          <a:bodyPr/>
+          <a:lstStyle/>
+          <a:p>
+            <a:r>
+              <a:rPr lang="en-US" dirty="0"/>
+              <a:t>Midterm 201</a:t>
+            </a:r>
+            <a:r>
+              <a:rPr lang="sk-SK" dirty="0"/>
+              <a:t>9</a:t>
+            </a:r>
+          </a:p>
+        </p:txBody>
+      </p:sp>
+      <p:sp>
+        <p:nvSpPr>
+          <p:cNvPr id="8" name="Subtitle 7">
+            <a:extLst>
+              <a:ext uri="{FF2B5EF4-FFF2-40B4-BE49-F238E27FC236}">
+                <a16:creationId xmlns:a16="http://schemas.microsoft.com/office/drawing/2014/main" id="{9162E373-AFB7-469C-8EA8-44CA02260664}"/>
+              </a:ext>
+            </a:extLst>
+          </p:cNvPr>
+          <p:cNvSpPr>
+            <a:spLocks noGrp="1"/>
+          </p:cNvSpPr>
+          <p:nvPr>
+            <p:ph type="subTitle" idx="1"/>
+          </p:nvPr>
+        </p:nvSpPr>
+        <p:spPr/>
+        <p:txBody>
+          <a:bodyPr/>
+          <a:lstStyle/>
+          <a:p>
+            <a:endParaRPr lang="en-US"/>
+          </a:p>
+        </p:txBody>
+      </p:sp>
     </p:spTree>
   </p:cSld>
   <p:clrMapOvr>
@@ -5448,10 +5620,10 @@
       </p:grpSpPr>
       <p:pic>
         <p:nvPicPr>
-          <p:cNvPr id="5" name="Picture 4">
+          <p:cNvPr id="8" name="Picture 7">
             <a:extLst>
               <a:ext uri="{FF2B5EF4-FFF2-40B4-BE49-F238E27FC236}">
-                <a16:creationId xmlns:a16="http://schemas.microsoft.com/office/drawing/2014/main" id="{A7DE3F63-8B92-4C4F-B2D5-B96B384A8BDD}"/>
+                <a16:creationId xmlns:a16="http://schemas.microsoft.com/office/drawing/2014/main" id="{7ED43F70-60A4-427E-8CEE-A0870F71B99F}"/>
               </a:ext>
             </a:extLst>
           </p:cNvPr>
@@ -5468,8 +5640,8 @@
         </p:blipFill>
         <p:spPr>
           <a:xfrm>
-            <a:off x="-26641" y="159211"/>
-            <a:ext cx="5419725" cy="2828925"/>
+            <a:off x="4058844" y="3792497"/>
+            <a:ext cx="5429250" cy="2886075"/>
           </a:xfrm>
           <a:prstGeom prst="rect">
             <a:avLst/>
@@ -5478,10 +5650,10 @@
       </p:pic>
       <p:pic>
         <p:nvPicPr>
-          <p:cNvPr id="4" name="Picture 3">
+          <p:cNvPr id="7" name="Picture 6">
             <a:extLst>
               <a:ext uri="{FF2B5EF4-FFF2-40B4-BE49-F238E27FC236}">
-                <a16:creationId xmlns:a16="http://schemas.microsoft.com/office/drawing/2014/main" id="{6525790D-E0A8-4E4F-A05D-B49D06EA902B}"/>
+                <a16:creationId xmlns:a16="http://schemas.microsoft.com/office/drawing/2014/main" id="{7AFC1ED8-C200-47CC-BA27-681A4BBFD14D}"/>
               </a:ext>
             </a:extLst>
           </p:cNvPr>
@@ -5498,38 +5670,8 @@
         </p:blipFill>
         <p:spPr>
           <a:xfrm>
-            <a:off x="4962615" y="3546023"/>
-            <a:ext cx="3819525" cy="3219450"/>
-          </a:xfrm>
-          <a:prstGeom prst="rect">
-            <a:avLst/>
-          </a:prstGeom>
-        </p:spPr>
-      </p:pic>
-      <p:pic>
-        <p:nvPicPr>
-          <p:cNvPr id="3" name="Picture 2">
-            <a:extLst>
-              <a:ext uri="{FF2B5EF4-FFF2-40B4-BE49-F238E27FC236}">
-                <a16:creationId xmlns:a16="http://schemas.microsoft.com/office/drawing/2014/main" id="{D7704CD1-BF40-4CDB-BF8E-9B2C1AA14417}"/>
-              </a:ext>
-            </a:extLst>
-          </p:cNvPr>
-          <p:cNvPicPr>
-            <a:picLocks noChangeAspect="1"/>
-          </p:cNvPicPr>
-          <p:nvPr/>
-        </p:nvPicPr>
-        <p:blipFill>
-          <a:blip r:embed="rId4"/>
-          <a:stretch>
-            <a:fillRect/>
-          </a:stretch>
-        </p:blipFill>
-        <p:spPr>
-          <a:xfrm>
-            <a:off x="285662" y="3422198"/>
-            <a:ext cx="3895725" cy="3467100"/>
+            <a:off x="-1814" y="153963"/>
+            <a:ext cx="5295900" cy="2638425"/>
           </a:xfrm>
           <a:prstGeom prst="rect">
             <a:avLst/>
@@ -5635,7 +5777,7 @@
           <p:nvPr/>
         </p:nvPicPr>
         <p:blipFill>
-          <a:blip r:embed="rId5" cstate="print"/>
+          <a:blip r:embed="rId4" cstate="print"/>
           <a:srcRect/>
           <a:stretch>
             <a:fillRect/>
@@ -5643,40 +5785,8 @@
         </p:blipFill>
         <p:spPr bwMode="auto">
           <a:xfrm>
-            <a:off x="4860032" y="3501008"/>
+            <a:off x="5048250" y="3510266"/>
             <a:ext cx="576064" cy="719198"/>
-          </a:xfrm>
-          <a:prstGeom prst="rect">
-            <a:avLst/>
-          </a:prstGeom>
-          <a:noFill/>
-          <a:ln w="9525">
-            <a:noFill/>
-            <a:miter lim="800000"/>
-            <a:headEnd/>
-            <a:tailEnd/>
-          </a:ln>
-        </p:spPr>
-      </p:pic>
-      <p:pic>
-        <p:nvPicPr>
-          <p:cNvPr id="14" name="Picture 3"/>
-          <p:cNvPicPr>
-            <a:picLocks noChangeAspect="1" noChangeArrowheads="1"/>
-          </p:cNvPicPr>
-          <p:nvPr/>
-        </p:nvPicPr>
-        <p:blipFill>
-          <a:blip r:embed="rId6" cstate="print"/>
-          <a:srcRect/>
-          <a:stretch>
-            <a:fillRect/>
-          </a:stretch>
-        </p:blipFill>
-        <p:spPr bwMode="auto">
-          <a:xfrm>
-            <a:off x="150517" y="3352652"/>
-            <a:ext cx="611560" cy="726995"/>
           </a:xfrm>
           <a:prstGeom prst="rect">
             <a:avLst/>
@@ -5699,7 +5809,7 @@
           <p:nvPr/>
         </p:nvPicPr>
         <p:blipFill>
-          <a:blip r:embed="rId7" cstate="print"/>
+          <a:blip r:embed="rId5" cstate="print"/>
           <a:srcRect/>
           <a:stretch>
             <a:fillRect/>
@@ -5731,7 +5841,7 @@
           <p:nvPr/>
         </p:nvPicPr>
         <p:blipFill>
-          <a:blip r:embed="rId8" cstate="print"/>
+          <a:blip r:embed="rId6" cstate="print"/>
           <a:srcRect/>
           <a:stretch>
             <a:fillRect/>
@@ -5741,6 +5851,68 @@
           <a:xfrm>
             <a:off x="6614735" y="0"/>
             <a:ext cx="2529265" cy="2520280"/>
+          </a:xfrm>
+          <a:prstGeom prst="rect">
+            <a:avLst/>
+          </a:prstGeom>
+          <a:noFill/>
+          <a:ln w="9525">
+            <a:noFill/>
+            <a:miter lim="800000"/>
+            <a:headEnd/>
+            <a:tailEnd/>
+          </a:ln>
+        </p:spPr>
+      </p:pic>
+      <p:pic>
+        <p:nvPicPr>
+          <p:cNvPr id="6" name="Picture 5">
+            <a:extLst>
+              <a:ext uri="{FF2B5EF4-FFF2-40B4-BE49-F238E27FC236}">
+                <a16:creationId xmlns:a16="http://schemas.microsoft.com/office/drawing/2014/main" id="{3B3C41AE-6EAA-413E-93C3-C70E263FBCB2}"/>
+              </a:ext>
+            </a:extLst>
+          </p:cNvPr>
+          <p:cNvPicPr>
+            <a:picLocks noChangeAspect="1"/>
+          </p:cNvPicPr>
+          <p:nvPr/>
+        </p:nvPicPr>
+        <p:blipFill>
+          <a:blip r:embed="rId7"/>
+          <a:stretch>
+            <a:fillRect/>
+          </a:stretch>
+        </p:blipFill>
+        <p:spPr>
+          <a:xfrm>
+            <a:off x="0" y="3194226"/>
+            <a:ext cx="5048250" cy="2838450"/>
+          </a:xfrm>
+          <a:prstGeom prst="rect">
+            <a:avLst/>
+          </a:prstGeom>
+        </p:spPr>
+      </p:pic>
+      <p:pic>
+        <p:nvPicPr>
+          <p:cNvPr id="14" name="Picture 3"/>
+          <p:cNvPicPr>
+            <a:picLocks noChangeAspect="1" noChangeArrowheads="1"/>
+          </p:cNvPicPr>
+          <p:nvPr/>
+        </p:nvPicPr>
+        <p:blipFill>
+          <a:blip r:embed="rId8" cstate="print"/>
+          <a:srcRect/>
+          <a:stretch>
+            <a:fillRect/>
+          </a:stretch>
+        </p:blipFill>
+        <p:spPr bwMode="auto">
+          <a:xfrm>
+            <a:off x="-1" y="2907077"/>
+            <a:ext cx="611560" cy="726995"/>
           </a:xfrm>
           <a:prstGeom prst="rect">
             <a:avLst/>
@@ -5771,6 +5943,9 @@
                     <p:cTn id="3" fill="hold">
                       <p:stCondLst>
                         <p:cond delay="indefinite"/>
+                        <p:cond evt="onBegin" delay="0">
+                          <p:tn val="2"/>
+                        </p:cond>
                       </p:stCondLst>
                       <p:childTnLst>
                         <p:par>
@@ -5780,7 +5955,7 @@
                             </p:stCondLst>
                             <p:childTnLst>
                               <p:par>
-                                <p:cTn id="5" presetID="1" presetClass="entr" presetSubtype="0" fill="hold" nodeType="clickEffect">
+                                <p:cTn id="5" presetID="1" presetClass="entr" presetSubtype="0" fill="hold" nodeType="withEffect">
                                   <p:stCondLst>
                                     <p:cond delay="0"/>
                                   </p:stCondLst>
@@ -5788,33 +5963,6 @@
                                     <p:set>
                                       <p:cBhvr>
                                         <p:cTn id="6" dur="1" fill="hold">
-                                          <p:stCondLst>
-                                            <p:cond delay="0"/>
-                                          </p:stCondLst>
-                                        </p:cTn>
-                                        <p:tgtEl>
-                                          <p:spTgt spid="3"/>
-                                        </p:tgtEl>
-                                        <p:attrNameLst>
-                                          <p:attrName>style.visibility</p:attrName>
-                                        </p:attrNameLst>
-                                      </p:cBhvr>
-                                      <p:to>
-                                        <p:strVal val="visible"/>
-                                      </p:to>
-                                    </p:set>
-                                  </p:childTnLst>
-                                </p:cTn>
-                              </p:par>
-                              <p:par>
-                                <p:cTn id="7" presetID="1" presetClass="entr" presetSubtype="0" fill="hold" nodeType="withEffect">
-                                  <p:stCondLst>
-                                    <p:cond delay="0"/>
-                                  </p:stCondLst>
-                                  <p:childTnLst>
-                                    <p:set>
-                                      <p:cBhvr>
-                                        <p:cTn id="8" dur="1" fill="hold">
                                           <p:stCondLst>
                                             <p:cond delay="0"/>
                                           </p:stCondLst>
@@ -5840,26 +5988,26 @@
                     </p:cTn>
                   </p:par>
                   <p:par>
-                    <p:cTn id="9" fill="hold">
+                    <p:cTn id="7" fill="hold">
                       <p:stCondLst>
                         <p:cond delay="indefinite"/>
                       </p:stCondLst>
                       <p:childTnLst>
                         <p:par>
-                          <p:cTn id="10" fill="hold">
+                          <p:cTn id="8" fill="hold">
                             <p:stCondLst>
                               <p:cond delay="0"/>
                             </p:stCondLst>
                             <p:childTnLst>
                               <p:par>
-                                <p:cTn id="11" presetID="1" presetClass="entr" presetSubtype="0" fill="hold" nodeType="clickEffect">
+                                <p:cTn id="9" presetID="1" presetClass="entr" presetSubtype="0" fill="hold" nodeType="clickEffect">
                                   <p:stCondLst>
                                     <p:cond delay="0"/>
                                   </p:stCondLst>
                                   <p:childTnLst>
                                     <p:set>
                                       <p:cBhvr>
-                                        <p:cTn id="12" dur="1" fill="hold">
+                                        <p:cTn id="10" dur="1" fill="hold">
                                           <p:stCondLst>
                                             <p:cond delay="0"/>
                                           </p:stCondLst>
@@ -5879,86 +6027,14 @@
                                 </p:cTn>
                               </p:par>
                               <p:par>
-                                <p:cTn id="13" presetID="1" presetClass="entr" presetSubtype="0" fill="hold" nodeType="withEffect">
+                                <p:cTn id="11" presetID="1" presetClass="entr" presetSubtype="0" fill="hold" nodeType="withEffect">
                                   <p:stCondLst>
                                     <p:cond delay="0"/>
                                   </p:stCondLst>
                                   <p:childTnLst>
                                     <p:set>
                                       <p:cBhvr>
-                                        <p:cTn id="14" dur="1" fill="hold">
-                                          <p:stCondLst>
-                                            <p:cond delay="0"/>
-                                          </p:stCondLst>
-                                        </p:cTn>
-                                        <p:tgtEl>
-                                          <p:spTgt spid="4"/>
-                                        </p:tgtEl>
-                                        <p:attrNameLst>
-                                          <p:attrName>style.visibility</p:attrName>
-                                        </p:attrNameLst>
-                                      </p:cBhvr>
-                                      <p:to>
-                                        <p:strVal val="visible"/>
-                                      </p:to>
-                                    </p:set>
-                                  </p:childTnLst>
-                                </p:cTn>
-                              </p:par>
-                            </p:childTnLst>
-                          </p:cTn>
-                        </p:par>
-                      </p:childTnLst>
-                    </p:cTn>
-                  </p:par>
-                  <p:par>
-                    <p:cTn id="15" fill="hold">
-                      <p:stCondLst>
-                        <p:cond delay="indefinite"/>
-                      </p:stCondLst>
-                      <p:childTnLst>
-                        <p:par>
-                          <p:cTn id="16" fill="hold">
-                            <p:stCondLst>
-                              <p:cond delay="0"/>
-                            </p:stCondLst>
-                            <p:childTnLst>
-                              <p:par>
-                                <p:cTn id="17" presetID="1" presetClass="entr" presetSubtype="0" fill="hold" nodeType="clickEffect">
-                                  <p:stCondLst>
-                                    <p:cond delay="0"/>
-                                  </p:stCondLst>
-                                  <p:childTnLst>
-                                    <p:set>
-                                      <p:cBhvr>
-                                        <p:cTn id="18" dur="1" fill="hold">
-                                          <p:stCondLst>
-                                            <p:cond delay="0"/>
-                                          </p:stCondLst>
-                                        </p:cTn>
-                                        <p:tgtEl>
-                                          <p:spTgt spid="5"/>
-                                        </p:tgtEl>
-                                        <p:attrNameLst>
-                                          <p:attrName>style.visibility</p:attrName>
-                                        </p:attrNameLst>
-                                      </p:cBhvr>
-                                      <p:to>
-                                        <p:strVal val="visible"/>
-                                      </p:to>
-                                    </p:set>
-                                  </p:childTnLst>
-                                </p:cTn>
-                              </p:par>
-                              <p:par>
-                                <p:cTn id="19" presetID="1" presetClass="entr" presetSubtype="0" fill="hold" nodeType="withEffect">
-                                  <p:stCondLst>
-                                    <p:cond delay="0"/>
-                                  </p:stCondLst>
-                                  <p:childTnLst>
-                                    <p:set>
-                                      <p:cBhvr>
-                                        <p:cTn id="20" dur="1" fill="hold">
+                                        <p:cTn id="12" dur="1" fill="hold">
                                           <p:stCondLst>
                                             <p:cond delay="0"/>
                                           </p:stCondLst>
